--- a/diy-hadoop-setup.pptx
+++ b/diy-hadoop-setup.pptx
@@ -10,18 +10,20 @@
     <p:sldId id="262" r:id="rId4"/>
     <p:sldId id="271" r:id="rId5"/>
     <p:sldId id="272" r:id="rId6"/>
-    <p:sldId id="273" r:id="rId7"/>
-    <p:sldId id="274" r:id="rId8"/>
-    <p:sldId id="275" r:id="rId9"/>
-    <p:sldId id="270" r:id="rId10"/>
-    <p:sldId id="276" r:id="rId11"/>
-    <p:sldId id="277" r:id="rId12"/>
-    <p:sldId id="267" r:id="rId13"/>
-    <p:sldId id="279" r:id="rId14"/>
-    <p:sldId id="278" r:id="rId15"/>
-    <p:sldId id="280" r:id="rId16"/>
-    <p:sldId id="281" r:id="rId17"/>
-    <p:sldId id="282" r:id="rId18"/>
+    <p:sldId id="283" r:id="rId7"/>
+    <p:sldId id="273" r:id="rId8"/>
+    <p:sldId id="274" r:id="rId9"/>
+    <p:sldId id="275" r:id="rId10"/>
+    <p:sldId id="270" r:id="rId11"/>
+    <p:sldId id="276" r:id="rId12"/>
+    <p:sldId id="277" r:id="rId13"/>
+    <p:sldId id="284" r:id="rId14"/>
+    <p:sldId id="267" r:id="rId15"/>
+    <p:sldId id="279" r:id="rId16"/>
+    <p:sldId id="278" r:id="rId17"/>
+    <p:sldId id="280" r:id="rId18"/>
+    <p:sldId id="281" r:id="rId19"/>
+    <p:sldId id="282" r:id="rId20"/>
   </p:sldIdLst>
   <p:sldSz cx="10080625" cy="7559675"/>
   <p:notesSz cx="7559675" cy="10691813"/>
@@ -403,7 +405,7 @@
           <a:p>
             <a:fld id="{679BC7E7-EA8E-4DA7-915E-CC098D9BADCB}" type="datetimeFigureOut">
               <a:rPr lang="en-US" smtClean="0"/>
-              <a:t>11/05/18</a:t>
+              <a:t>17/05/18</a:t>
             </a:fld>
             <a:endParaRPr lang="en-US"/>
           </a:p>
@@ -796,7 +798,7 @@
           <a:p>
             <a:fld id="{679BC7E7-EA8E-4DA7-915E-CC098D9BADCB}" type="datetimeFigureOut">
               <a:rPr lang="en-US" smtClean="0"/>
-              <a:t>11/05/18</a:t>
+              <a:t>17/05/18</a:t>
             </a:fld>
             <a:endParaRPr lang="en-US"/>
           </a:p>
@@ -1328,7 +1330,7 @@
           <a:p>
             <a:fld id="{679BC7E7-EA8E-4DA7-915E-CC098D9BADCB}" type="datetimeFigureOut">
               <a:rPr lang="en-US" smtClean="0"/>
-              <a:t>11/05/18</a:t>
+              <a:t>17/05/18</a:t>
             </a:fld>
             <a:endParaRPr lang="en-US"/>
           </a:p>
@@ -1461,7 +1463,7 @@
           <a:p>
             <a:fld id="{679BC7E7-EA8E-4DA7-915E-CC098D9BADCB}" type="datetimeFigureOut">
               <a:rPr lang="en-US" smtClean="0"/>
-              <a:t>11/05/18</a:t>
+              <a:t>17/05/18</a:t>
             </a:fld>
             <a:endParaRPr lang="en-US"/>
           </a:p>
@@ -2004,7 +2006,7 @@
           <a:p>
             <a:fld id="{679BC7E7-EA8E-4DA7-915E-CC098D9BADCB}" type="datetimeFigureOut">
               <a:rPr lang="en-US" smtClean="0"/>
-              <a:t>11/05/18</a:t>
+              <a:t>17/05/18</a:t>
             </a:fld>
             <a:endParaRPr lang="en-US"/>
           </a:p>
@@ -2299,7 +2301,7 @@
           <a:p>
             <a:fld id="{679BC7E7-EA8E-4DA7-915E-CC098D9BADCB}" type="datetimeFigureOut">
               <a:rPr lang="en-US" smtClean="0"/>
-              <a:t>11/05/18</a:t>
+              <a:t>17/05/18</a:t>
             </a:fld>
             <a:endParaRPr lang="en-US"/>
           </a:p>
@@ -2958,7 +2960,7 @@
           <a:p>
             <a:fld id="{679BC7E7-EA8E-4DA7-915E-CC098D9BADCB}" type="datetimeFigureOut">
               <a:rPr lang="en-US" smtClean="0"/>
-              <a:t>11/05/18</a:t>
+              <a:t>17/05/18</a:t>
             </a:fld>
             <a:endParaRPr lang="en-US"/>
           </a:p>
@@ -3394,7 +3396,7 @@
           <a:p>
             <a:fld id="{679BC7E7-EA8E-4DA7-915E-CC098D9BADCB}" type="datetimeFigureOut">
               <a:rPr lang="en-US" smtClean="0"/>
-              <a:t>11/05/18</a:t>
+              <a:t>17/05/18</a:t>
             </a:fld>
             <a:endParaRPr lang="en-US"/>
           </a:p>
@@ -3707,7 +3709,7 @@
           <a:p>
             <a:fld id="{679BC7E7-EA8E-4DA7-915E-CC098D9BADCB}" type="datetimeFigureOut">
               <a:rPr lang="en-US" smtClean="0"/>
-              <a:t>11/05/18</a:t>
+              <a:t>17/05/18</a:t>
             </a:fld>
             <a:endParaRPr lang="en-US"/>
           </a:p>
@@ -4439,7 +4441,7 @@
           <a:p>
             <a:fld id="{679BC7E7-EA8E-4DA7-915E-CC098D9BADCB}" type="datetimeFigureOut">
               <a:rPr lang="en-US" smtClean="0"/>
-              <a:t>11/05/18</a:t>
+              <a:t>17/05/18</a:t>
             </a:fld>
             <a:endParaRPr lang="en-US"/>
           </a:p>
@@ -5103,7 +5105,7 @@
           <a:p>
             <a:fld id="{679BC7E7-EA8E-4DA7-915E-CC098D9BADCB}" type="datetimeFigureOut">
               <a:rPr lang="en-US" smtClean="0"/>
-              <a:t>11/05/18</a:t>
+              <a:t>17/05/18</a:t>
             </a:fld>
             <a:endParaRPr lang="en-US"/>
           </a:p>
@@ -5376,7 +5378,7 @@
           <a:p>
             <a:fld id="{679BC7E7-EA8E-4DA7-915E-CC098D9BADCB}" type="datetimeFigureOut">
               <a:rPr lang="en-US" smtClean="0"/>
-              <a:t>11/05/18</a:t>
+              <a:t>17/05/18</a:t>
             </a:fld>
             <a:endParaRPr lang="en-US"/>
           </a:p>
@@ -6298,8 +6300,60 @@
                   </a:schemeClr>
                 </a:solidFill>
               </a:rPr>
-              <a:t>login:</a:t>
-            </a:r>
+              <a:t>login</a:t>
+            </a:r>
+            <a:r>
+              <a:rPr lang="en-US" cap="none" dirty="0">
+                <a:solidFill>
+                  <a:schemeClr val="tx1">
+                    <a:lumMod val="50000"/>
+                    <a:lumOff val="50000"/>
+                  </a:schemeClr>
+                </a:solidFill>
+              </a:rPr>
+              <a:t>: type </a:t>
+            </a:r>
+            <a:r>
+              <a:rPr lang="en-US" cap="none" dirty="0" err="1">
+                <a:solidFill>
+                  <a:schemeClr val="tx1">
+                    <a:lumMod val="50000"/>
+                    <a:lumOff val="50000"/>
+                  </a:schemeClr>
+                </a:solidFill>
+              </a:rPr>
+              <a:t>ssh</a:t>
+            </a:r>
+            <a:r>
+              <a:rPr lang="en-US" cap="none" dirty="0">
+                <a:solidFill>
+                  <a:schemeClr val="tx1">
+                    <a:lumMod val="50000"/>
+                    <a:lumOff val="50000"/>
+                  </a:schemeClr>
+                </a:solidFill>
+              </a:rPr>
+              <a:t> </a:t>
+            </a:r>
+            <a:r>
+              <a:rPr lang="en-US" cap="none" dirty="0" err="1">
+                <a:solidFill>
+                  <a:schemeClr val="tx1">
+                    <a:lumMod val="50000"/>
+                    <a:lumOff val="50000"/>
+                  </a:schemeClr>
+                </a:solidFill>
+              </a:rPr>
+              <a:t>hadoop@edgenode</a:t>
+            </a:r>
+            <a:endParaRPr lang="en-US" cap="none" dirty="0">
+              <a:solidFill>
+                <a:schemeClr val="tx1">
+                  <a:lumMod val="50000"/>
+                  <a:lumOff val="50000"/>
+                </a:schemeClr>
+              </a:solidFill>
+            </a:endParaRPr>
           </a:p>
           <a:p>
             <a:pPr algn="l"/>
@@ -6480,6 +6534,11 @@
 <file path=ppt/slides/slide10.xml><?xml version="1.0" encoding="utf-8"?>
 <p:sld xmlns:a="http://schemas.openxmlformats.org/drawingml/2006/main" xmlns:r="http://schemas.openxmlformats.org/officeDocument/2006/relationships" xmlns:p="http://schemas.openxmlformats.org/presentationml/2006/main">
   <p:cSld>
+    <p:bg>
+      <p:bgRef idx="1001">
+        <a:schemeClr val="bg1"/>
+      </p:bgRef>
+    </p:bg>
     <p:spTree>
       <p:nvGrpSpPr>
         <p:cNvPr id="1" name=""/>
@@ -6526,7 +6585,7 @@
               <a:rPr lang="en-IN" sz="4400" dirty="0" smtClean="0">
                 <a:latin typeface="Arial"/>
               </a:rPr>
-              <a:t>Updating the ~/.bashrc file</a:t>
+              <a:t>Updating the slaves file</a:t>
             </a:r>
             <a:endParaRPr dirty="0"/>
           </a:p>
@@ -6556,6 +6615,17 @@
           <a:lstStyle/>
           <a:p>
             <a:r>
+              <a:rPr lang="en-IN" dirty="0">
+                <a:solidFill>
+                  <a:schemeClr val="tx1">
+                    <a:lumMod val="50000"/>
+                    <a:lumOff val="50000"/>
+                  </a:schemeClr>
+                </a:solidFill>
+              </a:rPr>
+              <a:t>sudo vi /usr/local/hadoop/etc/hadoop</a:t>
+            </a:r>
+            <a:r>
               <a:rPr lang="en-IN" dirty="0" smtClean="0">
                 <a:solidFill>
                   <a:schemeClr val="tx1">
@@ -6564,7 +6634,7 @@
                   </a:schemeClr>
                 </a:solidFill>
               </a:rPr>
-              <a:t>Update the bashrc file for updating the PATH variable across the user session for hadoop user by updating the ~/.bashrc file</a:t>
+              <a:t>/slaves</a:t>
             </a:r>
           </a:p>
           <a:p>
@@ -6587,30 +6657,10 @@
                   </a:schemeClr>
                 </a:solidFill>
               </a:rPr>
-              <a:t>sudo </a:t>
-            </a:r>
-            <a:r>
-              <a:rPr lang="en-IN" dirty="0">
-                <a:solidFill>
-                  <a:schemeClr val="tx1">
-                    <a:lumMod val="50000"/>
-                    <a:lumOff val="50000"/>
-                  </a:schemeClr>
-                </a:solidFill>
-              </a:rPr>
-              <a:t>vi </a:t>
-            </a:r>
-            <a:r>
-              <a:rPr lang="en-IN" dirty="0" smtClean="0">
-                <a:solidFill>
-                  <a:schemeClr val="tx1">
-                    <a:lumMod val="50000"/>
-                    <a:lumOff val="50000"/>
-                  </a:schemeClr>
-                </a:solidFill>
-              </a:rPr>
-              <a:t>~/.bashrc</a:t>
-            </a:r>
+              <a:t>Enter all the hostnames of the machines that would act as a datanode in side the cluser</a:t>
+            </a:r>
+          </a:p>
+          <a:p>
             <a:endParaRPr lang="en-IN" dirty="0">
               <a:solidFill>
                 <a:schemeClr val="tx1">
@@ -6622,6 +6672,19 @@
           </a:p>
           <a:p>
             <a:r>
+              <a:rPr lang="en-IN" dirty="0" smtClean="0">
+                <a:solidFill>
+                  <a:schemeClr val="tx1">
+                    <a:lumMod val="50000"/>
+                    <a:lumOff val="50000"/>
+                  </a:schemeClr>
+                </a:solidFill>
+              </a:rPr>
+              <a:t>For example in out case of 1 namenode and 2 datanodes we would make entries into this file as:</a:t>
+            </a:r>
+          </a:p>
+          <a:p>
+            <a:r>
               <a:rPr lang="en-IN" dirty="0">
                 <a:solidFill>
                   <a:schemeClr val="tx1">
@@ -6630,68 +6693,46 @@
                   </a:schemeClr>
                 </a:solidFill>
               </a:rPr>
-              <a:t>﻿</a:t>
-            </a:r>
-            <a:r>
-              <a:rPr lang="en-IN" i="1" dirty="0">
-                <a:solidFill>
-                  <a:schemeClr val="tx1">
-                    <a:lumMod val="50000"/>
-                    <a:lumOff val="50000"/>
-                  </a:schemeClr>
-                </a:solidFill>
-              </a:rPr>
-              <a:t>export HADOOP_PREFIX=/usr/local/</a:t>
-            </a:r>
-            <a:r>
-              <a:rPr lang="en-IN" i="1" dirty="0" smtClean="0">
-                <a:solidFill>
-                  <a:schemeClr val="tx1">
-                    <a:lumMod val="50000"/>
-                    <a:lumOff val="50000"/>
-                  </a:schemeClr>
-                </a:solidFill>
-              </a:rPr>
-              <a:t>hadoop</a:t>
-            </a:r>
-          </a:p>
-          <a:p>
-            <a:r>
-              <a:rPr lang="en-IN" i="1" dirty="0" smtClean="0">
-                <a:solidFill>
-                  <a:schemeClr val="tx1">
-                    <a:lumMod val="50000"/>
-                    <a:lumOff val="50000"/>
-                  </a:schemeClr>
-                </a:solidFill>
-              </a:rPr>
-              <a:t>export </a:t>
-            </a:r>
-            <a:r>
-              <a:rPr lang="en-IN" i="1" dirty="0">
-                <a:solidFill>
-                  <a:schemeClr val="tx1">
-                    <a:lumMod val="50000"/>
-                    <a:lumOff val="50000"/>
-                  </a:schemeClr>
-                </a:solidFill>
-              </a:rPr>
-              <a:t>PATH=$PATH:$HADOOP_PREFIX/</a:t>
-            </a:r>
-            <a:r>
-              <a:rPr lang="en-IN" i="1" dirty="0" smtClean="0">
-                <a:solidFill>
-                  <a:schemeClr val="tx1">
-                    <a:lumMod val="50000"/>
-                    <a:lumOff val="50000"/>
-                  </a:schemeClr>
-                </a:solidFill>
-              </a:rPr>
-              <a:t>bin</a:t>
-            </a:r>
-          </a:p>
-          <a:p>
-            <a:endParaRPr lang="en-IN" i="1" dirty="0">
+              <a:t>d</a:t>
+            </a:r>
+            <a:r>
+              <a:rPr lang="en-IN" dirty="0" smtClean="0">
+                <a:solidFill>
+                  <a:schemeClr val="tx1">
+                    <a:lumMod val="50000"/>
+                    <a:lumOff val="50000"/>
+                  </a:schemeClr>
+                </a:solidFill>
+              </a:rPr>
+              <a:t>atanode1</a:t>
+            </a:r>
+          </a:p>
+          <a:p>
+            <a:r>
+              <a:rPr lang="en-IN" dirty="0">
+                <a:solidFill>
+                  <a:schemeClr val="tx1">
+                    <a:lumMod val="50000"/>
+                    <a:lumOff val="50000"/>
+                  </a:schemeClr>
+                </a:solidFill>
+              </a:rPr>
+              <a:t>d</a:t>
+            </a:r>
+            <a:r>
+              <a:rPr lang="en-IN" dirty="0" smtClean="0">
+                <a:solidFill>
+                  <a:schemeClr val="tx1">
+                    <a:lumMod val="50000"/>
+                    <a:lumOff val="50000"/>
+                  </a:schemeClr>
+                </a:solidFill>
+              </a:rPr>
+              <a:t>atanode2</a:t>
+            </a:r>
+          </a:p>
+          <a:p>
+            <a:endParaRPr lang="en-IN" dirty="0">
               <a:solidFill>
                 <a:schemeClr val="tx1">
                   <a:lumMod val="50000"/>
@@ -6702,75 +6743,44 @@
           </a:p>
           <a:p>
             <a:r>
-              <a:rPr lang="en-IN" i="1" dirty="0" smtClean="0">
-                <a:solidFill>
-                  <a:schemeClr val="tx1">
-                    <a:lumMod val="50000"/>
-                    <a:lumOff val="50000"/>
-                  </a:schemeClr>
-                </a:solidFill>
-              </a:rPr>
-              <a:t>export </a:t>
-            </a:r>
-            <a:r>
-              <a:rPr lang="en-IN" i="1" dirty="0">
-                <a:solidFill>
-                  <a:schemeClr val="tx1">
-                    <a:lumMod val="50000"/>
-                    <a:lumOff val="50000"/>
-                  </a:schemeClr>
-                </a:solidFill>
-              </a:rPr>
-              <a:t>JAVA_HOME=/usr/lib/jvm/java-1.8.0-openjdk-</a:t>
-            </a:r>
-            <a:r>
-              <a:rPr lang="en-IN" i="1" dirty="0" smtClean="0">
-                <a:solidFill>
-                  <a:schemeClr val="tx1">
-                    <a:lumMod val="50000"/>
-                    <a:lumOff val="50000"/>
-                  </a:schemeClr>
-                </a:solidFill>
-              </a:rPr>
-              <a:t>amd64</a:t>
-            </a:r>
-          </a:p>
-          <a:p>
-            <a:r>
-              <a:rPr lang="en-IN" i="1" dirty="0" smtClean="0">
-                <a:solidFill>
-                  <a:schemeClr val="tx1">
-                    <a:lumMod val="50000"/>
-                    <a:lumOff val="50000"/>
-                  </a:schemeClr>
-                </a:solidFill>
-              </a:rPr>
-              <a:t>export </a:t>
-            </a:r>
-            <a:r>
-              <a:rPr lang="en-IN" i="1" dirty="0">
-                <a:solidFill>
-                  <a:schemeClr val="tx1">
-                    <a:lumMod val="50000"/>
-                    <a:lumOff val="50000"/>
-                  </a:schemeClr>
-                </a:solidFill>
-              </a:rPr>
-              <a:t>PATH=$PATH:$JAVA_HOME/bin</a:t>
-            </a:r>
-            <a:endParaRPr i="1" dirty="0"/>
+              <a:rPr lang="en-IN" dirty="0" smtClean="0">
+                <a:solidFill>
+                  <a:schemeClr val="tx1">
+                    <a:lumMod val="50000"/>
+                    <a:lumOff val="50000"/>
+                  </a:schemeClr>
+                </a:solidFill>
+              </a:rPr>
+              <a:t>Note - These names should match the entries of the /etc/hosts file</a:t>
+            </a:r>
+            <a:endParaRPr lang="en-IN" dirty="0">
+              <a:solidFill>
+                <a:schemeClr val="tx1">
+                  <a:lumMod val="50000"/>
+                  <a:lumOff val="50000"/>
+                </a:schemeClr>
+              </a:solidFill>
+            </a:endParaRPr>
+          </a:p>
+          <a:p>
+            <a:pPr>
+              <a:lnSpc>
+                <a:spcPct val="100000"/>
+              </a:lnSpc>
+            </a:pPr>
+            <a:endParaRPr dirty="0"/>
           </a:p>
         </p:txBody>
       </p:sp>
     </p:spTree>
     <p:extLst>
       <p:ext uri="{BB962C8B-B14F-4D97-AF65-F5344CB8AC3E}">
-        <p14:creationId xmlns:p14="http://schemas.microsoft.com/office/powerpoint/2010/main" val="3128823538"/>
+        <p14:creationId xmlns:p14="http://schemas.microsoft.com/office/powerpoint/2010/main" val="2116834139"/>
       </p:ext>
     </p:extLst>
   </p:cSld>
   <p:clrMapOvr>
-    <a:masterClrMapping/>
+    <a:overrideClrMapping bg1="lt1" tx1="dk1" bg2="lt2" tx2="dk2" accent1="accent1" accent2="accent2" accent3="accent3" accent4="accent4" accent5="accent5" accent6="accent6" hlink="hlink" folHlink="folHlink"/>
   </p:clrMapOvr>
   <p:timing>
     <p:tnLst>
@@ -6851,7 +6861,7 @@
               <a:rPr lang="en-IN" sz="4400" dirty="0" smtClean="0">
                 <a:latin typeface="Arial"/>
               </a:rPr>
-              <a:t>Configuring the datanodes</a:t>
+              <a:t>Updating the ~/.bashrc file</a:t>
             </a:r>
             <a:endParaRPr dirty="0"/>
           </a:p>
@@ -6889,7 +6899,7 @@
                   </a:schemeClr>
                 </a:solidFill>
               </a:rPr>
-              <a:t>The datanodes also need to be configured with configured hadoop binaries, hence copy over the /usr/local/hadoop directory with all it’s content.</a:t>
+              <a:t>Update the bashrc file for updating the PATH variable across the user session for hadoop user by updating the ~/.bashrc file</a:t>
             </a:r>
           </a:p>
           <a:p>
@@ -6912,7 +6922,29 @@
                   </a:schemeClr>
                 </a:solidFill>
               </a:rPr>
-              <a:t>The command to copy over the directory is:</a:t>
+              <a:t>sudo </a:t>
+            </a:r>
+            <a:r>
+              <a:rPr lang="en-IN" dirty="0">
+                <a:solidFill>
+                  <a:schemeClr val="tx1">
+                    <a:lumMod val="50000"/>
+                    <a:lumOff val="50000"/>
+                  </a:schemeClr>
+                </a:solidFill>
+              </a:rPr>
+              <a:t>vi </a:t>
+            </a:r>
+            <a:r>
+              <a:rPr lang="en-IN" dirty="0" smtClean="0">
+                <a:solidFill>
+                  <a:schemeClr val="tx1">
+                    <a:lumMod val="50000"/>
+                    <a:lumOff val="50000"/>
+                  </a:schemeClr>
+                </a:solidFill>
+              </a:rPr>
+              <a:t>~/.bashrc</a:t>
             </a:r>
             <a:endParaRPr lang="en-IN" dirty="0">
               <a:solidFill>
@@ -6924,49 +6956,77 @@
             </a:endParaRPr>
           </a:p>
           <a:p>
-            <a:pPr lvl="1"/>
-            <a:r>
-              <a:rPr lang="en-IN" dirty="0" smtClean="0">
-                <a:solidFill>
-                  <a:schemeClr val="tx1">
-                    <a:lumMod val="50000"/>
-                    <a:lumOff val="50000"/>
-                  </a:schemeClr>
-                </a:solidFill>
-              </a:rPr>
-              <a:t>cd /usr/local</a:t>
-            </a:r>
-          </a:p>
-          <a:p>
-            <a:pPr lvl="1"/>
-            <a:r>
-              <a:rPr lang="en-IN" dirty="0" smtClean="0">
-                <a:solidFill>
-                  <a:schemeClr val="tx1">
-                    <a:lumMod val="50000"/>
-                    <a:lumOff val="50000"/>
-                  </a:schemeClr>
-                </a:solidFill>
-              </a:rPr>
-              <a:t>scp –r hadoop datanode1:/usr/local</a:t>
-            </a:r>
-          </a:p>
-          <a:p>
-            <a:pPr lvl="1"/>
-            <a:r>
-              <a:rPr lang="en-IN" dirty="0" smtClean="0">
-                <a:solidFill>
-                  <a:schemeClr val="tx1">
-                    <a:lumMod val="50000"/>
-                    <a:lumOff val="50000"/>
-                  </a:schemeClr>
-                </a:solidFill>
-              </a:rPr>
-              <a:t>scp –r hadoop datanode1:/usr/local</a:t>
-            </a:r>
-          </a:p>
-          <a:p>
-            <a:endParaRPr lang="en-IN" dirty="0" smtClean="0">
+            <a:r>
+              <a:rPr lang="en-IN" dirty="0">
+                <a:solidFill>
+                  <a:schemeClr val="tx1">
+                    <a:lumMod val="50000"/>
+                    <a:lumOff val="50000"/>
+                  </a:schemeClr>
+                </a:solidFill>
+              </a:rPr>
+              <a:t>﻿</a:t>
+            </a:r>
+            <a:r>
+              <a:rPr lang="en-IN" i="1" dirty="0">
+                <a:solidFill>
+                  <a:schemeClr val="tx1">
+                    <a:lumMod val="50000"/>
+                    <a:lumOff val="50000"/>
+                  </a:schemeClr>
+                </a:solidFill>
+              </a:rPr>
+              <a:t>export HADOOP_PREFIX=/usr/local/</a:t>
+            </a:r>
+            <a:r>
+              <a:rPr lang="en-IN" i="1" dirty="0" smtClean="0">
+                <a:solidFill>
+                  <a:schemeClr val="tx1">
+                    <a:lumMod val="50000"/>
+                    <a:lumOff val="50000"/>
+                  </a:schemeClr>
+                </a:solidFill>
+              </a:rPr>
+              <a:t>hadoop</a:t>
+            </a:r>
+          </a:p>
+          <a:p>
+            <a:r>
+              <a:rPr lang="en-IN" i="1" dirty="0" smtClean="0">
+                <a:solidFill>
+                  <a:schemeClr val="tx1">
+                    <a:lumMod val="50000"/>
+                    <a:lumOff val="50000"/>
+                  </a:schemeClr>
+                </a:solidFill>
+              </a:rPr>
+              <a:t>export </a:t>
+            </a:r>
+            <a:r>
+              <a:rPr lang="en-IN" i="1" dirty="0">
+                <a:solidFill>
+                  <a:schemeClr val="tx1">
+                    <a:lumMod val="50000"/>
+                    <a:lumOff val="50000"/>
+                  </a:schemeClr>
+                </a:solidFill>
+              </a:rPr>
+              <a:t>PATH=$PATH:$HADOOP_PREFIX/</a:t>
+            </a:r>
+            <a:r>
+              <a:rPr lang="en-IN" i="1" dirty="0" smtClean="0">
+                <a:solidFill>
+                  <a:schemeClr val="tx1">
+                    <a:lumMod val="50000"/>
+                    <a:lumOff val="50000"/>
+                  </a:schemeClr>
+                </a:solidFill>
+              </a:rPr>
+              <a:t>bin</a:t>
+            </a:r>
+          </a:p>
+          <a:p>
+            <a:endParaRPr lang="en-IN" i="1" dirty="0">
               <a:solidFill>
                 <a:schemeClr val="tx1">
                   <a:lumMod val="50000"/>
@@ -6977,278 +7037,70 @@
           </a:p>
           <a:p>
             <a:r>
-              <a:rPr lang="en-IN" dirty="0" smtClean="0">
-                <a:solidFill>
-                  <a:schemeClr val="tx1">
-                    <a:lumMod val="50000"/>
-                    <a:lumOff val="50000"/>
-                  </a:schemeClr>
-                </a:solidFill>
-              </a:rPr>
-              <a:t>The above commands would not require any password since we already have the keys shared.</a:t>
-            </a:r>
-            <a:endParaRPr lang="en-IN" dirty="0">
-              <a:solidFill>
-                <a:schemeClr val="tx1">
-                  <a:lumMod val="50000"/>
-                  <a:lumOff val="50000"/>
-                </a:schemeClr>
-              </a:solidFill>
-            </a:endParaRPr>
-          </a:p>
-          <a:p>
-            <a:endParaRPr lang="en-IN" dirty="0" smtClean="0">
-              <a:solidFill>
-                <a:schemeClr val="tx1">
-                  <a:lumMod val="50000"/>
-                  <a:lumOff val="50000"/>
-                </a:schemeClr>
-              </a:solidFill>
-            </a:endParaRPr>
-          </a:p>
-          <a:p>
-            <a:r>
-              <a:rPr lang="en-IN" dirty="0" smtClean="0">
-                <a:solidFill>
-                  <a:schemeClr val="tx1">
-                    <a:lumMod val="50000"/>
-                    <a:lumOff val="50000"/>
-                  </a:schemeClr>
-                </a:solidFill>
-              </a:rPr>
-              <a:t>Once copy is done ssh onto the datanodes one by one and run the below commands:</a:t>
-            </a:r>
-          </a:p>
-          <a:p>
-            <a:pPr marL="742950" lvl="1" indent="-285750">
-              <a:buSzPct val="45000"/>
-              <a:buFont typeface="Wingdings" charset="2"/>
-              <a:buChar char="§"/>
-            </a:pPr>
-            <a:r>
-              <a:rPr lang="en-US" dirty="0" err="1">
-                <a:solidFill>
-                  <a:schemeClr val="tx1">
-                    <a:lumMod val="50000"/>
-                    <a:lumOff val="50000"/>
-                  </a:schemeClr>
-                </a:solidFill>
-              </a:rPr>
-              <a:t>sudo</a:t>
-            </a:r>
-            <a:r>
-              <a:rPr lang="en-US" dirty="0">
-                <a:solidFill>
-                  <a:schemeClr val="tx1">
-                    <a:lumMod val="50000"/>
-                    <a:lumOff val="50000"/>
-                  </a:schemeClr>
-                </a:solidFill>
-              </a:rPr>
-              <a:t> </a:t>
-            </a:r>
-            <a:r>
-              <a:rPr lang="en-US" dirty="0" err="1">
-                <a:solidFill>
-                  <a:schemeClr val="tx1">
-                    <a:lumMod val="50000"/>
-                    <a:lumOff val="50000"/>
-                  </a:schemeClr>
-                </a:solidFill>
-              </a:rPr>
-              <a:t>chmod</a:t>
-            </a:r>
-            <a:r>
-              <a:rPr lang="en-US" dirty="0">
-                <a:solidFill>
-                  <a:schemeClr val="tx1">
-                    <a:lumMod val="50000"/>
-                    <a:lumOff val="50000"/>
-                  </a:schemeClr>
-                </a:solidFill>
-              </a:rPr>
-              <a:t> –r 775 /</a:t>
-            </a:r>
-            <a:r>
-              <a:rPr lang="en-US" dirty="0" err="1">
-                <a:solidFill>
-                  <a:schemeClr val="tx1">
-                    <a:lumMod val="50000"/>
-                    <a:lumOff val="50000"/>
-                  </a:schemeClr>
-                </a:solidFill>
-              </a:rPr>
-              <a:t>usr</a:t>
-            </a:r>
-            <a:r>
-              <a:rPr lang="en-US" dirty="0">
-                <a:solidFill>
-                  <a:schemeClr val="tx1">
-                    <a:lumMod val="50000"/>
-                    <a:lumOff val="50000"/>
-                  </a:schemeClr>
-                </a:solidFill>
-              </a:rPr>
-              <a:t>/local/</a:t>
-            </a:r>
-            <a:r>
-              <a:rPr lang="en-US" dirty="0" err="1">
-                <a:solidFill>
-                  <a:schemeClr val="tx1">
-                    <a:lumMod val="50000"/>
-                    <a:lumOff val="50000"/>
-                  </a:schemeClr>
-                </a:solidFill>
-              </a:rPr>
-              <a:t>hadoop</a:t>
-            </a:r>
-            <a:endParaRPr lang="en-US" dirty="0">
-              <a:solidFill>
-                <a:schemeClr val="tx1">
-                  <a:lumMod val="50000"/>
-                  <a:lumOff val="50000"/>
-                </a:schemeClr>
-              </a:solidFill>
-            </a:endParaRPr>
-          </a:p>
-          <a:p>
-            <a:pPr marL="742950" lvl="1" indent="-285750">
-              <a:buSzPct val="45000"/>
-              <a:buFont typeface="Wingdings" charset="2"/>
-              <a:buChar char="§"/>
-            </a:pPr>
-            <a:r>
-              <a:rPr lang="en-US" dirty="0" err="1">
-                <a:solidFill>
-                  <a:schemeClr val="tx1">
-                    <a:lumMod val="50000"/>
-                    <a:lumOff val="50000"/>
-                  </a:schemeClr>
-                </a:solidFill>
-              </a:rPr>
-              <a:t>sudo</a:t>
-            </a:r>
-            <a:r>
-              <a:rPr lang="en-US" dirty="0">
-                <a:solidFill>
-                  <a:schemeClr val="tx1">
-                    <a:lumMod val="50000"/>
-                    <a:lumOff val="50000"/>
-                  </a:schemeClr>
-                </a:solidFill>
-              </a:rPr>
-              <a:t> </a:t>
-            </a:r>
-            <a:r>
-              <a:rPr lang="en-US" dirty="0" err="1">
-                <a:solidFill>
-                  <a:schemeClr val="tx1">
-                    <a:lumMod val="50000"/>
-                    <a:lumOff val="50000"/>
-                  </a:schemeClr>
-                </a:solidFill>
-              </a:rPr>
-              <a:t>chown</a:t>
-            </a:r>
-            <a:r>
-              <a:rPr lang="en-US" dirty="0">
-                <a:solidFill>
-                  <a:schemeClr val="tx1">
-                    <a:lumMod val="50000"/>
-                    <a:lumOff val="50000"/>
-                  </a:schemeClr>
-                </a:solidFill>
-              </a:rPr>
-              <a:t> –r </a:t>
-            </a:r>
-            <a:r>
-              <a:rPr lang="en-US" dirty="0" err="1">
-                <a:solidFill>
-                  <a:schemeClr val="tx1">
-                    <a:lumMod val="50000"/>
-                    <a:lumOff val="50000"/>
-                  </a:schemeClr>
-                </a:solidFill>
-              </a:rPr>
-              <a:t>hadoop</a:t>
-            </a:r>
-            <a:r>
-              <a:rPr lang="en-US" dirty="0">
-                <a:solidFill>
-                  <a:schemeClr val="tx1">
-                    <a:lumMod val="50000"/>
-                    <a:lumOff val="50000"/>
-                  </a:schemeClr>
-                </a:solidFill>
-              </a:rPr>
-              <a:t> /</a:t>
-            </a:r>
-            <a:r>
-              <a:rPr lang="en-US" dirty="0" err="1">
-                <a:solidFill>
-                  <a:schemeClr val="tx1">
-                    <a:lumMod val="50000"/>
-                    <a:lumOff val="50000"/>
-                  </a:schemeClr>
-                </a:solidFill>
-              </a:rPr>
-              <a:t>usr</a:t>
-            </a:r>
-            <a:r>
-              <a:rPr lang="en-US" dirty="0">
-                <a:solidFill>
-                  <a:schemeClr val="tx1">
-                    <a:lumMod val="50000"/>
-                    <a:lumOff val="50000"/>
-                  </a:schemeClr>
-                </a:solidFill>
-              </a:rPr>
-              <a:t>/local/</a:t>
-            </a:r>
-            <a:r>
-              <a:rPr lang="en-US" dirty="0" err="1">
-                <a:solidFill>
-                  <a:schemeClr val="tx1">
-                    <a:lumMod val="50000"/>
-                    <a:lumOff val="50000"/>
-                  </a:schemeClr>
-                </a:solidFill>
-              </a:rPr>
-              <a:t>hadoop</a:t>
-            </a:r>
-            <a:endParaRPr lang="en-US" dirty="0">
-              <a:solidFill>
-                <a:schemeClr val="tx1">
-                  <a:lumMod val="50000"/>
-                  <a:lumOff val="50000"/>
-                </a:schemeClr>
-              </a:solidFill>
-            </a:endParaRPr>
-          </a:p>
-          <a:p>
-            <a:endParaRPr lang="en-IN" dirty="0">
-              <a:solidFill>
-                <a:schemeClr val="tx1">
-                  <a:lumMod val="50000"/>
-                  <a:lumOff val="50000"/>
-                </a:schemeClr>
-              </a:solidFill>
-            </a:endParaRPr>
-          </a:p>
-          <a:p>
-            <a:pPr>
-              <a:lnSpc>
-                <a:spcPct val="100000"/>
-              </a:lnSpc>
-            </a:pPr>
-            <a:endParaRPr dirty="0"/>
+              <a:rPr lang="en-IN" i="1" dirty="0" smtClean="0">
+                <a:solidFill>
+                  <a:schemeClr val="tx1">
+                    <a:lumMod val="50000"/>
+                    <a:lumOff val="50000"/>
+                  </a:schemeClr>
+                </a:solidFill>
+              </a:rPr>
+              <a:t>export </a:t>
+            </a:r>
+            <a:r>
+              <a:rPr lang="en-IN" i="1" dirty="0">
+                <a:solidFill>
+                  <a:schemeClr val="tx1">
+                    <a:lumMod val="50000"/>
+                    <a:lumOff val="50000"/>
+                  </a:schemeClr>
+                </a:solidFill>
+              </a:rPr>
+              <a:t>JAVA_HOME=/usr/lib/jvm/java-1.8.0-openjdk-</a:t>
+            </a:r>
+            <a:r>
+              <a:rPr lang="en-IN" i="1" dirty="0" smtClean="0">
+                <a:solidFill>
+                  <a:schemeClr val="tx1">
+                    <a:lumMod val="50000"/>
+                    <a:lumOff val="50000"/>
+                  </a:schemeClr>
+                </a:solidFill>
+              </a:rPr>
+              <a:t>amd64</a:t>
+            </a:r>
+          </a:p>
+          <a:p>
+            <a:r>
+              <a:rPr lang="en-IN" i="1" dirty="0" smtClean="0">
+                <a:solidFill>
+                  <a:schemeClr val="tx1">
+                    <a:lumMod val="50000"/>
+                    <a:lumOff val="50000"/>
+                  </a:schemeClr>
+                </a:solidFill>
+              </a:rPr>
+              <a:t>export </a:t>
+            </a:r>
+            <a:r>
+              <a:rPr lang="en-IN" i="1" dirty="0">
+                <a:solidFill>
+                  <a:schemeClr val="tx1">
+                    <a:lumMod val="50000"/>
+                    <a:lumOff val="50000"/>
+                  </a:schemeClr>
+                </a:solidFill>
+              </a:rPr>
+              <a:t>PATH=$PATH:$JAVA_HOME/bin</a:t>
+            </a:r>
+            <a:endParaRPr i="1" dirty="0"/>
           </a:p>
         </p:txBody>
       </p:sp>
     </p:spTree>
     <p:extLst>
       <p:ext uri="{BB962C8B-B14F-4D97-AF65-F5344CB8AC3E}">
-        <p14:creationId xmlns:p14="http://schemas.microsoft.com/office/powerpoint/2010/main" val="35000692"/>
+        <p14:creationId xmlns:p14="http://schemas.microsoft.com/office/powerpoint/2010/main" val="3128823538"/>
       </p:ext>
     </p:extLst>
   </p:cSld>
@@ -7304,7 +7156,7 @@
       </p:grpSpPr>
       <p:sp>
         <p:nvSpPr>
-          <p:cNvPr id="94" name="CustomShape 1"/>
+          <p:cNvPr id="84" name="CustomShape 1"/>
           <p:cNvSpPr/>
           <p:nvPr/>
         </p:nvSpPr>
@@ -7334,19 +7186,7 @@
               <a:rPr lang="en-IN" sz="4400" dirty="0" smtClean="0">
                 <a:latin typeface="Arial"/>
               </a:rPr>
-              <a:t>Starting and stoping </a:t>
-            </a:r>
-            <a:r>
-              <a:rPr lang="en-IN" sz="4400" dirty="0">
-                <a:latin typeface="Arial"/>
-              </a:rPr>
-              <a:t>the </a:t>
-            </a:r>
-            <a:r>
-              <a:rPr lang="en-IN" sz="4400" dirty="0" smtClean="0">
-                <a:latin typeface="Arial"/>
-              </a:rPr>
-              <a:t>services</a:t>
+              <a:t>Configuring the datanodes</a:t>
             </a:r>
             <a:endParaRPr dirty="0"/>
           </a:p>
@@ -7354,14 +7194,14 @@
       </p:sp>
       <p:sp>
         <p:nvSpPr>
-          <p:cNvPr id="95" name="CustomShape 2"/>
+          <p:cNvPr id="85" name="CustomShape 2"/>
           <p:cNvSpPr/>
           <p:nvPr/>
         </p:nvSpPr>
         <p:spPr>
           <a:xfrm>
             <a:off x="504000" y="1769040"/>
-            <a:ext cx="9070560" cy="4383360"/>
+            <a:ext cx="9070560" cy="5261458"/>
           </a:xfrm>
           <a:prstGeom prst="rect">
             <a:avLst/>
@@ -7375,6 +7215,470 @@
           <a:bodyPr lIns="0" tIns="0" rIns="0" bIns="0"/>
           <a:lstStyle/>
           <a:p>
+            <a:r>
+              <a:rPr lang="en-IN" dirty="0" smtClean="0">
+                <a:solidFill>
+                  <a:schemeClr val="tx1">
+                    <a:lumMod val="50000"/>
+                    <a:lumOff val="50000"/>
+                  </a:schemeClr>
+                </a:solidFill>
+              </a:rPr>
+              <a:t>The datanodes also need to be configured with configured hadoop binaries, hence copy over the /usr/local/hadoop directory with all it’s content.</a:t>
+            </a:r>
+          </a:p>
+          <a:p>
+            <a:endParaRPr lang="en-IN" dirty="0">
+              <a:solidFill>
+                <a:schemeClr val="tx1">
+                  <a:lumMod val="50000"/>
+                  <a:lumOff val="50000"/>
+                </a:schemeClr>
+              </a:solidFill>
+            </a:endParaRPr>
+          </a:p>
+          <a:p>
+            <a:r>
+              <a:rPr lang="en-IN" dirty="0" smtClean="0">
+                <a:solidFill>
+                  <a:schemeClr val="tx1">
+                    <a:lumMod val="50000"/>
+                    <a:lumOff val="50000"/>
+                  </a:schemeClr>
+                </a:solidFill>
+              </a:rPr>
+              <a:t>The command to copy over the directory </a:t>
+            </a:r>
+            <a:r>
+              <a:rPr lang="en-IN" dirty="0" smtClean="0">
+                <a:solidFill>
+                  <a:schemeClr val="tx1">
+                    <a:lumMod val="50000"/>
+                    <a:lumOff val="50000"/>
+                  </a:schemeClr>
+                </a:solidFill>
+              </a:rPr>
+              <a:t>from namenode machine onto the datanodes is</a:t>
+            </a:r>
+            <a:r>
+              <a:rPr lang="en-IN" dirty="0" smtClean="0">
+                <a:solidFill>
+                  <a:schemeClr val="tx1">
+                    <a:lumMod val="50000"/>
+                    <a:lumOff val="50000"/>
+                  </a:schemeClr>
+                </a:solidFill>
+              </a:rPr>
+              <a:t>:</a:t>
+            </a:r>
+            <a:endParaRPr lang="en-IN" dirty="0">
+              <a:solidFill>
+                <a:schemeClr val="tx1">
+                  <a:lumMod val="50000"/>
+                  <a:lumOff val="50000"/>
+                </a:schemeClr>
+              </a:solidFill>
+            </a:endParaRPr>
+          </a:p>
+          <a:p>
+            <a:pPr lvl="1"/>
+            <a:r>
+              <a:rPr lang="en-IN" dirty="0" smtClean="0">
+                <a:solidFill>
+                  <a:schemeClr val="tx1">
+                    <a:lumMod val="50000"/>
+                    <a:lumOff val="50000"/>
+                  </a:schemeClr>
+                </a:solidFill>
+              </a:rPr>
+              <a:t>cd /usr/local</a:t>
+            </a:r>
+          </a:p>
+          <a:p>
+            <a:pPr lvl="1"/>
+            <a:r>
+              <a:rPr lang="en-IN" dirty="0" smtClean="0">
+                <a:solidFill>
+                  <a:schemeClr val="tx1">
+                    <a:lumMod val="50000"/>
+                    <a:lumOff val="50000"/>
+                  </a:schemeClr>
+                </a:solidFill>
+              </a:rPr>
+              <a:t>scp –r hadoop datanode1:/usr/local</a:t>
+            </a:r>
+          </a:p>
+          <a:p>
+            <a:pPr lvl="1"/>
+            <a:r>
+              <a:rPr lang="en-IN" dirty="0" smtClean="0">
+                <a:solidFill>
+                  <a:schemeClr val="tx1">
+                    <a:lumMod val="50000"/>
+                    <a:lumOff val="50000"/>
+                  </a:schemeClr>
+                </a:solidFill>
+              </a:rPr>
+              <a:t>scp –r hadoop datanode1:/usr/local</a:t>
+            </a:r>
+          </a:p>
+          <a:p>
+            <a:endParaRPr lang="en-IN" dirty="0" smtClean="0">
+              <a:solidFill>
+                <a:schemeClr val="tx1">
+                  <a:lumMod val="50000"/>
+                  <a:lumOff val="50000"/>
+                </a:schemeClr>
+              </a:solidFill>
+            </a:endParaRPr>
+          </a:p>
+          <a:p>
+            <a:r>
+              <a:rPr lang="en-IN" dirty="0" smtClean="0">
+                <a:solidFill>
+                  <a:schemeClr val="tx1">
+                    <a:lumMod val="50000"/>
+                    <a:lumOff val="50000"/>
+                  </a:schemeClr>
+                </a:solidFill>
+              </a:rPr>
+              <a:t>The above commands would not require any password since we already have the keys shared.</a:t>
+            </a:r>
+            <a:endParaRPr lang="en-IN" dirty="0">
+              <a:solidFill>
+                <a:schemeClr val="tx1">
+                  <a:lumMod val="50000"/>
+                  <a:lumOff val="50000"/>
+                </a:schemeClr>
+              </a:solidFill>
+            </a:endParaRPr>
+          </a:p>
+          <a:p>
+            <a:endParaRPr lang="en-IN" dirty="0" smtClean="0">
+              <a:solidFill>
+                <a:schemeClr val="tx1">
+                  <a:lumMod val="50000"/>
+                  <a:lumOff val="50000"/>
+                </a:schemeClr>
+              </a:solidFill>
+            </a:endParaRPr>
+          </a:p>
+          <a:p>
+            <a:r>
+              <a:rPr lang="en-IN" dirty="0" smtClean="0">
+                <a:solidFill>
+                  <a:schemeClr val="tx1">
+                    <a:lumMod val="50000"/>
+                    <a:lumOff val="50000"/>
+                  </a:schemeClr>
+                </a:solidFill>
+              </a:rPr>
+              <a:t>Once copy is done ssh onto the datanodes one by one and run the below commands:</a:t>
+            </a:r>
+          </a:p>
+          <a:p>
+            <a:pPr marL="742950" lvl="1" indent="-285750">
+              <a:buSzPct val="45000"/>
+              <a:buFont typeface="Wingdings" charset="2"/>
+              <a:buChar char="§"/>
+            </a:pPr>
+            <a:r>
+              <a:rPr lang="en-US" dirty="0" err="1">
+                <a:solidFill>
+                  <a:schemeClr val="tx1">
+                    <a:lumMod val="50000"/>
+                    <a:lumOff val="50000"/>
+                  </a:schemeClr>
+                </a:solidFill>
+              </a:rPr>
+              <a:t>sudo</a:t>
+            </a:r>
+            <a:r>
+              <a:rPr lang="en-US" dirty="0">
+                <a:solidFill>
+                  <a:schemeClr val="tx1">
+                    <a:lumMod val="50000"/>
+                    <a:lumOff val="50000"/>
+                  </a:schemeClr>
+                </a:solidFill>
+              </a:rPr>
+              <a:t> </a:t>
+            </a:r>
+            <a:r>
+              <a:rPr lang="en-US" dirty="0" err="1">
+                <a:solidFill>
+                  <a:schemeClr val="tx1">
+                    <a:lumMod val="50000"/>
+                    <a:lumOff val="50000"/>
+                  </a:schemeClr>
+                </a:solidFill>
+              </a:rPr>
+              <a:t>chmod</a:t>
+            </a:r>
+            <a:r>
+              <a:rPr lang="en-US" dirty="0">
+                <a:solidFill>
+                  <a:schemeClr val="tx1">
+                    <a:lumMod val="50000"/>
+                    <a:lumOff val="50000"/>
+                  </a:schemeClr>
+                </a:solidFill>
+              </a:rPr>
+              <a:t> –r 775 /</a:t>
+            </a:r>
+            <a:r>
+              <a:rPr lang="en-US" dirty="0" err="1">
+                <a:solidFill>
+                  <a:schemeClr val="tx1">
+                    <a:lumMod val="50000"/>
+                    <a:lumOff val="50000"/>
+                  </a:schemeClr>
+                </a:solidFill>
+              </a:rPr>
+              <a:t>usr</a:t>
+            </a:r>
+            <a:r>
+              <a:rPr lang="en-US" dirty="0">
+                <a:solidFill>
+                  <a:schemeClr val="tx1">
+                    <a:lumMod val="50000"/>
+                    <a:lumOff val="50000"/>
+                  </a:schemeClr>
+                </a:solidFill>
+              </a:rPr>
+              <a:t>/local/</a:t>
+            </a:r>
+            <a:r>
+              <a:rPr lang="en-US" dirty="0" err="1">
+                <a:solidFill>
+                  <a:schemeClr val="tx1">
+                    <a:lumMod val="50000"/>
+                    <a:lumOff val="50000"/>
+                  </a:schemeClr>
+                </a:solidFill>
+              </a:rPr>
+              <a:t>hadoop</a:t>
+            </a:r>
+            <a:endParaRPr lang="en-US" dirty="0">
+              <a:solidFill>
+                <a:schemeClr val="tx1">
+                  <a:lumMod val="50000"/>
+                  <a:lumOff val="50000"/>
+                </a:schemeClr>
+              </a:solidFill>
+            </a:endParaRPr>
+          </a:p>
+          <a:p>
+            <a:pPr marL="742950" lvl="1" indent="-285750">
+              <a:buSzPct val="45000"/>
+              <a:buFont typeface="Wingdings" charset="2"/>
+              <a:buChar char="§"/>
+            </a:pPr>
+            <a:r>
+              <a:rPr lang="en-US" dirty="0" err="1">
+                <a:solidFill>
+                  <a:schemeClr val="tx1">
+                    <a:lumMod val="50000"/>
+                    <a:lumOff val="50000"/>
+                  </a:schemeClr>
+                </a:solidFill>
+              </a:rPr>
+              <a:t>sudo</a:t>
+            </a:r>
+            <a:r>
+              <a:rPr lang="en-US" dirty="0">
+                <a:solidFill>
+                  <a:schemeClr val="tx1">
+                    <a:lumMod val="50000"/>
+                    <a:lumOff val="50000"/>
+                  </a:schemeClr>
+                </a:solidFill>
+              </a:rPr>
+              <a:t> </a:t>
+            </a:r>
+            <a:r>
+              <a:rPr lang="en-US" dirty="0" err="1">
+                <a:solidFill>
+                  <a:schemeClr val="tx1">
+                    <a:lumMod val="50000"/>
+                    <a:lumOff val="50000"/>
+                  </a:schemeClr>
+                </a:solidFill>
+              </a:rPr>
+              <a:t>chown</a:t>
+            </a:r>
+            <a:r>
+              <a:rPr lang="en-US" dirty="0">
+                <a:solidFill>
+                  <a:schemeClr val="tx1">
+                    <a:lumMod val="50000"/>
+                    <a:lumOff val="50000"/>
+                  </a:schemeClr>
+                </a:solidFill>
+              </a:rPr>
+              <a:t> –r </a:t>
+            </a:r>
+            <a:r>
+              <a:rPr lang="en-US" dirty="0" err="1">
+                <a:solidFill>
+                  <a:schemeClr val="tx1">
+                    <a:lumMod val="50000"/>
+                    <a:lumOff val="50000"/>
+                  </a:schemeClr>
+                </a:solidFill>
+              </a:rPr>
+              <a:t>hadoop</a:t>
+            </a:r>
+            <a:r>
+              <a:rPr lang="en-US" dirty="0">
+                <a:solidFill>
+                  <a:schemeClr val="tx1">
+                    <a:lumMod val="50000"/>
+                    <a:lumOff val="50000"/>
+                  </a:schemeClr>
+                </a:solidFill>
+              </a:rPr>
+              <a:t> /</a:t>
+            </a:r>
+            <a:r>
+              <a:rPr lang="en-US" dirty="0" err="1">
+                <a:solidFill>
+                  <a:schemeClr val="tx1">
+                    <a:lumMod val="50000"/>
+                    <a:lumOff val="50000"/>
+                  </a:schemeClr>
+                </a:solidFill>
+              </a:rPr>
+              <a:t>usr</a:t>
+            </a:r>
+            <a:r>
+              <a:rPr lang="en-US" dirty="0">
+                <a:solidFill>
+                  <a:schemeClr val="tx1">
+                    <a:lumMod val="50000"/>
+                    <a:lumOff val="50000"/>
+                  </a:schemeClr>
+                </a:solidFill>
+              </a:rPr>
+              <a:t>/local/</a:t>
+            </a:r>
+            <a:r>
+              <a:rPr lang="en-US" dirty="0" err="1" smtClean="0">
+                <a:solidFill>
+                  <a:schemeClr val="tx1">
+                    <a:lumMod val="50000"/>
+                    <a:lumOff val="50000"/>
+                  </a:schemeClr>
+                </a:solidFill>
+              </a:rPr>
+              <a:t>hadoop</a:t>
+            </a:r>
+            <a:endParaRPr lang="en-US" dirty="0" smtClean="0">
+              <a:solidFill>
+                <a:schemeClr val="tx1">
+                  <a:lumMod val="50000"/>
+                  <a:lumOff val="50000"/>
+                </a:schemeClr>
+              </a:solidFill>
+            </a:endParaRPr>
+          </a:p>
+          <a:p>
+            <a:pPr marL="742950" lvl="1" indent="-285750">
+              <a:buSzPct val="45000"/>
+              <a:buFont typeface="Wingdings" charset="2"/>
+              <a:buChar char="§"/>
+            </a:pPr>
+            <a:endParaRPr lang="en-US" dirty="0">
+              <a:solidFill>
+                <a:schemeClr val="tx1">
+                  <a:lumMod val="50000"/>
+                  <a:lumOff val="50000"/>
+                </a:schemeClr>
+              </a:solidFill>
+            </a:endParaRPr>
+          </a:p>
+          <a:p>
+            <a:pPr marL="285750" indent="-285750">
+              <a:buSzPct val="45000"/>
+              <a:buFont typeface="Wingdings" charset="2"/>
+              <a:buChar char="§"/>
+            </a:pPr>
+            <a:r>
+              <a:rPr lang="en-US" dirty="0" smtClean="0">
+                <a:solidFill>
+                  <a:schemeClr val="tx1">
+                    <a:lumMod val="50000"/>
+                    <a:lumOff val="50000"/>
+                  </a:schemeClr>
+                </a:solidFill>
+              </a:rPr>
+              <a:t>Make entries to the .</a:t>
+            </a:r>
+            <a:r>
+              <a:rPr lang="en-US" dirty="0" err="1" smtClean="0">
+                <a:solidFill>
+                  <a:schemeClr val="tx1">
+                    <a:lumMod val="50000"/>
+                    <a:lumOff val="50000"/>
+                  </a:schemeClr>
+                </a:solidFill>
+              </a:rPr>
+              <a:t>bashrc</a:t>
+            </a:r>
+            <a:r>
+              <a:rPr lang="en-US" dirty="0" smtClean="0">
+                <a:solidFill>
+                  <a:schemeClr val="tx1">
+                    <a:lumMod val="50000"/>
+                    <a:lumOff val="50000"/>
+                  </a:schemeClr>
+                </a:solidFill>
+              </a:rPr>
+              <a:t> file on the </a:t>
+            </a:r>
+            <a:r>
+              <a:rPr lang="en-US" dirty="0" err="1" smtClean="0">
+                <a:solidFill>
+                  <a:schemeClr val="tx1">
+                    <a:lumMod val="50000"/>
+                    <a:lumOff val="50000"/>
+                  </a:schemeClr>
+                </a:solidFill>
+              </a:rPr>
+              <a:t>datanodes</a:t>
+            </a:r>
+            <a:r>
+              <a:rPr lang="en-US" dirty="0" smtClean="0">
+                <a:solidFill>
+                  <a:schemeClr val="tx1">
+                    <a:lumMod val="50000"/>
+                    <a:lumOff val="50000"/>
+                  </a:schemeClr>
+                </a:solidFill>
+              </a:rPr>
+              <a:t> also as was done for </a:t>
+            </a:r>
+            <a:r>
+              <a:rPr lang="en-US" dirty="0" err="1" smtClean="0">
+                <a:solidFill>
+                  <a:schemeClr val="tx1">
+                    <a:lumMod val="50000"/>
+                    <a:lumOff val="50000"/>
+                  </a:schemeClr>
+                </a:solidFill>
+              </a:rPr>
+              <a:t>namenode</a:t>
+            </a:r>
+            <a:endParaRPr lang="en-IN" dirty="0">
+              <a:solidFill>
+                <a:schemeClr val="tx1">
+                  <a:lumMod val="50000"/>
+                  <a:lumOff val="50000"/>
+                </a:schemeClr>
+              </a:solidFill>
+            </a:endParaRPr>
+          </a:p>
+          <a:p>
             <a:pPr>
               <a:lnSpc>
                 <a:spcPct val="100000"/>
@@ -7382,79 +7686,838 @@
             </a:pPr>
             <a:endParaRPr dirty="0"/>
           </a:p>
+        </p:txBody>
+      </p:sp>
+    </p:spTree>
+    <p:extLst>
+      <p:ext uri="{BB962C8B-B14F-4D97-AF65-F5344CB8AC3E}">
+        <p14:creationId xmlns:p14="http://schemas.microsoft.com/office/powerpoint/2010/main" val="35000692"/>
+      </p:ext>
+    </p:extLst>
+  </p:cSld>
+  <p:clrMapOvr>
+    <a:masterClrMapping/>
+  </p:clrMapOvr>
+  <p:timing>
+    <p:tnLst>
+      <p:par>
+        <p:cTn xmlns:p14="http://schemas.microsoft.com/office/powerpoint/2010/main" id="1" dur="indefinite" restart="never" nodeType="tmRoot">
+          <p:childTnLst>
+            <p:seq>
+              <p:cTn id="2" nodeType="mainSeq"/>
+              <p:prevCondLst>
+                <p:cond evt="onPrev" delay="0">
+                  <p:tgtEl>
+                    <p:sldTgt/>
+                  </p:tgtEl>
+                </p:cond>
+              </p:prevCondLst>
+              <p:nextCondLst>
+                <p:cond evt="onNext" delay="0">
+                  <p:tgtEl>
+                    <p:sldTgt/>
+                  </p:tgtEl>
+                </p:cond>
+              </p:nextCondLst>
+            </p:seq>
+          </p:childTnLst>
+        </p:cTn>
+      </p:par>
+    </p:tnLst>
+  </p:timing>
+</p:sld>
+</file>
+
+<file path=ppt/slides/slide13.xml><?xml version="1.0" encoding="utf-8"?>
+<p:sld xmlns:a="http://schemas.openxmlformats.org/drawingml/2006/main" xmlns:r="http://schemas.openxmlformats.org/officeDocument/2006/relationships" xmlns:p="http://schemas.openxmlformats.org/presentationml/2006/main">
+  <p:cSld>
+    <p:spTree>
+      <p:nvGrpSpPr>
+        <p:cNvPr id="1" name=""/>
+        <p:cNvGrpSpPr/>
+        <p:nvPr/>
+      </p:nvGrpSpPr>
+      <p:grpSpPr>
+        <a:xfrm>
+          <a:off x="0" y="0"/>
+          <a:ext cx="0" cy="0"/>
+          <a:chOff x="0" y="0"/>
+          <a:chExt cx="0" cy="0"/>
+        </a:xfrm>
+      </p:grpSpPr>
+      <p:sp>
+        <p:nvSpPr>
+          <p:cNvPr id="84" name="CustomShape 1"/>
+          <p:cNvSpPr/>
+          <p:nvPr/>
+        </p:nvSpPr>
+        <p:spPr>
+          <a:xfrm>
+            <a:off x="504000" y="301320"/>
+            <a:ext cx="9070560" cy="1261080"/>
+          </a:xfrm>
+          <a:prstGeom prst="rect">
+            <a:avLst/>
+          </a:prstGeom>
+          <a:noFill/>
+          <a:ln>
+            <a:noFill/>
+          </a:ln>
+        </p:spPr>
+        <p:txBody>
+          <a:bodyPr lIns="0" tIns="0" rIns="0" bIns="0" anchor="ctr"/>
+          <a:lstStyle/>
+          <a:p>
+            <a:pPr algn="ctr">
+              <a:lnSpc>
+                <a:spcPct val="100000"/>
+              </a:lnSpc>
+            </a:pPr>
+            <a:r>
+              <a:rPr lang="en-IN" sz="4400" dirty="0" smtClean="0">
+                <a:latin typeface="Arial"/>
+              </a:rPr>
+              <a:t>Configuring the datanodes cont</a:t>
+            </a:r>
+            <a:r>
+              <a:rPr lang="is-IS" sz="4400" dirty="0" smtClean="0">
+                <a:latin typeface="Arial"/>
+              </a:rPr>
+              <a:t>…</a:t>
+            </a:r>
+            <a:endParaRPr dirty="0"/>
+          </a:p>
+        </p:txBody>
+      </p:sp>
+      <p:sp>
+        <p:nvSpPr>
+          <p:cNvPr id="85" name="CustomShape 2"/>
+          <p:cNvSpPr/>
+          <p:nvPr/>
+        </p:nvSpPr>
+        <p:spPr>
+          <a:xfrm>
+            <a:off x="504000" y="1769040"/>
+            <a:ext cx="9070560" cy="5261458"/>
+          </a:xfrm>
+          <a:prstGeom prst="rect">
+            <a:avLst/>
+          </a:prstGeom>
+          <a:noFill/>
+          <a:ln>
+            <a:noFill/>
+          </a:ln>
+        </p:spPr>
+        <p:txBody>
+          <a:bodyPr lIns="0" tIns="0" rIns="0" bIns="0"/>
+          <a:lstStyle/>
+          <a:p>
+            <a:pPr marL="285750" indent="-285750">
+              <a:buSzPct val="45000"/>
+              <a:buFont typeface="Arial"/>
+              <a:buChar char="•"/>
+            </a:pPr>
+            <a:r>
+              <a:rPr lang="en-US" dirty="0" smtClean="0">
+                <a:solidFill>
+                  <a:schemeClr val="tx1">
+                    <a:lumMod val="50000"/>
+                    <a:lumOff val="50000"/>
+                  </a:schemeClr>
+                </a:solidFill>
+              </a:rPr>
+              <a:t>Create a file named </a:t>
+            </a:r>
+            <a:r>
+              <a:rPr lang="en-US" smtClean="0">
+                <a:solidFill>
+                  <a:schemeClr val="tx1">
+                    <a:lumMod val="50000"/>
+                    <a:lumOff val="50000"/>
+                  </a:schemeClr>
+                </a:solidFill>
+              </a:rPr>
+              <a:t>“masters” </a:t>
+            </a:r>
+            <a:r>
+              <a:rPr lang="en-US" dirty="0" smtClean="0">
+                <a:solidFill>
+                  <a:schemeClr val="tx1">
+                    <a:lumMod val="50000"/>
+                    <a:lumOff val="50000"/>
+                  </a:schemeClr>
+                </a:solidFill>
+              </a:rPr>
+              <a:t>at location /</a:t>
+            </a:r>
+            <a:r>
+              <a:rPr lang="en-US" dirty="0" err="1" smtClean="0">
+                <a:solidFill>
+                  <a:schemeClr val="tx1">
+                    <a:lumMod val="50000"/>
+                    <a:lumOff val="50000"/>
+                  </a:schemeClr>
+                </a:solidFill>
+              </a:rPr>
+              <a:t>usr</a:t>
+            </a:r>
+            <a:r>
+              <a:rPr lang="en-US" dirty="0" smtClean="0">
+                <a:solidFill>
+                  <a:schemeClr val="tx1">
+                    <a:lumMod val="50000"/>
+                    <a:lumOff val="50000"/>
+                  </a:schemeClr>
+                </a:solidFill>
+              </a:rPr>
+              <a:t>/local/</a:t>
+            </a:r>
+            <a:r>
+              <a:rPr lang="en-US" dirty="0" err="1" smtClean="0">
+                <a:solidFill>
+                  <a:schemeClr val="tx1">
+                    <a:lumMod val="50000"/>
+                    <a:lumOff val="50000"/>
+                  </a:schemeClr>
+                </a:solidFill>
+              </a:rPr>
+              <a:t>hadoop</a:t>
+            </a:r>
+            <a:r>
+              <a:rPr lang="en-US" dirty="0" smtClean="0">
+                <a:solidFill>
+                  <a:schemeClr val="tx1">
+                    <a:lumMod val="50000"/>
+                    <a:lumOff val="50000"/>
+                  </a:schemeClr>
+                </a:solidFill>
+              </a:rPr>
+              <a:t>/</a:t>
+            </a:r>
+            <a:r>
+              <a:rPr lang="en-US" dirty="0" err="1" smtClean="0">
+                <a:solidFill>
+                  <a:schemeClr val="tx1">
+                    <a:lumMod val="50000"/>
+                    <a:lumOff val="50000"/>
+                  </a:schemeClr>
+                </a:solidFill>
+              </a:rPr>
+              <a:t>etc</a:t>
+            </a:r>
+            <a:r>
+              <a:rPr lang="en-US" dirty="0" smtClean="0">
+                <a:solidFill>
+                  <a:schemeClr val="tx1">
+                    <a:lumMod val="50000"/>
+                    <a:lumOff val="50000"/>
+                  </a:schemeClr>
+                </a:solidFill>
+              </a:rPr>
+              <a:t>/</a:t>
+            </a:r>
+            <a:r>
+              <a:rPr lang="en-US" dirty="0" err="1" smtClean="0">
+                <a:solidFill>
+                  <a:schemeClr val="tx1">
+                    <a:lumMod val="50000"/>
+                    <a:lumOff val="50000"/>
+                  </a:schemeClr>
+                </a:solidFill>
+              </a:rPr>
+              <a:t>hadoop</a:t>
+            </a:r>
+            <a:r>
+              <a:rPr lang="en-US" dirty="0" smtClean="0">
+                <a:solidFill>
+                  <a:schemeClr val="tx1">
+                    <a:lumMod val="50000"/>
+                    <a:lumOff val="50000"/>
+                  </a:schemeClr>
+                </a:solidFill>
+              </a:rPr>
+              <a:t> and put the name of the </a:t>
+            </a:r>
+            <a:r>
+              <a:rPr lang="en-US" dirty="0" err="1" smtClean="0">
+                <a:solidFill>
+                  <a:schemeClr val="tx1">
+                    <a:lumMod val="50000"/>
+                    <a:lumOff val="50000"/>
+                  </a:schemeClr>
+                </a:solidFill>
+              </a:rPr>
+              <a:t>namenode</a:t>
+            </a:r>
+            <a:r>
+              <a:rPr lang="en-US" dirty="0" smtClean="0">
+                <a:solidFill>
+                  <a:schemeClr val="tx1">
+                    <a:lumMod val="50000"/>
+                    <a:lumOff val="50000"/>
+                  </a:schemeClr>
+                </a:solidFill>
+              </a:rPr>
+              <a:t> inside it</a:t>
+            </a:r>
+          </a:p>
+          <a:p>
+            <a:pPr marL="285750" indent="-285750">
+              <a:buSzPct val="45000"/>
+              <a:buFont typeface="Arial"/>
+              <a:buChar char="•"/>
+            </a:pPr>
+            <a:endParaRPr lang="en-US" dirty="0">
+              <a:solidFill>
+                <a:schemeClr val="tx1">
+                  <a:lumMod val="50000"/>
+                  <a:lumOff val="50000"/>
+                </a:schemeClr>
+              </a:solidFill>
+            </a:endParaRPr>
+          </a:p>
+          <a:p>
+            <a:pPr marL="285750" indent="-285750">
+              <a:buSzPct val="45000"/>
+              <a:buFont typeface="Arial"/>
+              <a:buChar char="•"/>
+            </a:pPr>
+            <a:r>
+              <a:rPr lang="en-US" dirty="0" smtClean="0">
+                <a:solidFill>
+                  <a:schemeClr val="tx1">
+                    <a:lumMod val="50000"/>
+                    <a:lumOff val="50000"/>
+                  </a:schemeClr>
+                </a:solidFill>
+              </a:rPr>
+              <a:t>Change the entry in /</a:t>
+            </a:r>
+            <a:r>
+              <a:rPr lang="en-US" dirty="0" err="1" smtClean="0">
+                <a:solidFill>
+                  <a:schemeClr val="tx1">
+                    <a:lumMod val="50000"/>
+                    <a:lumOff val="50000"/>
+                  </a:schemeClr>
+                </a:solidFill>
+              </a:rPr>
+              <a:t>usr</a:t>
+            </a:r>
+            <a:r>
+              <a:rPr lang="en-US" dirty="0" smtClean="0">
+                <a:solidFill>
+                  <a:schemeClr val="tx1">
+                    <a:lumMod val="50000"/>
+                    <a:lumOff val="50000"/>
+                  </a:schemeClr>
+                </a:solidFill>
+              </a:rPr>
+              <a:t>/local/</a:t>
+            </a:r>
+            <a:r>
+              <a:rPr lang="en-US" dirty="0" err="1" smtClean="0">
+                <a:solidFill>
+                  <a:schemeClr val="tx1">
+                    <a:lumMod val="50000"/>
+                    <a:lumOff val="50000"/>
+                  </a:schemeClr>
+                </a:solidFill>
+              </a:rPr>
+              <a:t>hadoop</a:t>
+            </a:r>
+            <a:r>
+              <a:rPr lang="en-US" dirty="0" smtClean="0">
+                <a:solidFill>
+                  <a:schemeClr val="tx1">
+                    <a:lumMod val="50000"/>
+                    <a:lumOff val="50000"/>
+                  </a:schemeClr>
+                </a:solidFill>
+              </a:rPr>
+              <a:t>/</a:t>
+            </a:r>
+            <a:r>
+              <a:rPr lang="en-US" dirty="0" err="1" smtClean="0">
+                <a:solidFill>
+                  <a:schemeClr val="tx1">
+                    <a:lumMod val="50000"/>
+                    <a:lumOff val="50000"/>
+                  </a:schemeClr>
+                </a:solidFill>
+              </a:rPr>
+              <a:t>etc</a:t>
+            </a:r>
+            <a:r>
+              <a:rPr lang="en-US" dirty="0" smtClean="0">
+                <a:solidFill>
+                  <a:schemeClr val="tx1">
+                    <a:lumMod val="50000"/>
+                    <a:lumOff val="50000"/>
+                  </a:schemeClr>
+                </a:solidFill>
+              </a:rPr>
+              <a:t>/</a:t>
+            </a:r>
+            <a:r>
+              <a:rPr lang="en-US" dirty="0" err="1" smtClean="0">
+                <a:solidFill>
+                  <a:schemeClr val="tx1">
+                    <a:lumMod val="50000"/>
+                    <a:lumOff val="50000"/>
+                  </a:schemeClr>
+                </a:solidFill>
+              </a:rPr>
+              <a:t>hadoop</a:t>
+            </a:r>
+            <a:r>
+              <a:rPr lang="en-US" dirty="0" smtClean="0">
+                <a:solidFill>
+                  <a:schemeClr val="tx1">
+                    <a:lumMod val="50000"/>
+                    <a:lumOff val="50000"/>
+                  </a:schemeClr>
+                </a:solidFill>
+              </a:rPr>
+              <a:t>/core-</a:t>
+            </a:r>
+            <a:r>
+              <a:rPr lang="en-US" dirty="0" err="1" smtClean="0">
+                <a:solidFill>
+                  <a:schemeClr val="tx1">
+                    <a:lumMod val="50000"/>
+                    <a:lumOff val="50000"/>
+                  </a:schemeClr>
+                </a:solidFill>
+              </a:rPr>
+              <a:t>site.xml</a:t>
+            </a:r>
+            <a:r>
+              <a:rPr lang="en-US" dirty="0" smtClean="0">
+                <a:solidFill>
+                  <a:schemeClr val="tx1">
+                    <a:lumMod val="50000"/>
+                    <a:lumOff val="50000"/>
+                  </a:schemeClr>
+                </a:solidFill>
+              </a:rPr>
+              <a:t> file so that it points back to the </a:t>
+            </a:r>
+            <a:r>
+              <a:rPr lang="en-US" dirty="0" err="1" smtClean="0">
+                <a:solidFill>
+                  <a:schemeClr val="tx1">
+                    <a:lumMod val="50000"/>
+                    <a:lumOff val="50000"/>
+                  </a:schemeClr>
+                </a:solidFill>
+              </a:rPr>
+              <a:t>hdfs</a:t>
+            </a:r>
+            <a:r>
+              <a:rPr lang="en-US" dirty="0" smtClean="0">
+                <a:solidFill>
+                  <a:schemeClr val="tx1">
+                    <a:lumMod val="50000"/>
+                    <a:lumOff val="50000"/>
+                  </a:schemeClr>
+                </a:solidFill>
+              </a:rPr>
+              <a:t> parent directory</a:t>
+            </a:r>
+          </a:p>
+          <a:p>
+            <a:pPr lvl="1">
+              <a:buSzPct val="45000"/>
+            </a:pPr>
+            <a:endParaRPr lang="en-US" dirty="0">
+              <a:solidFill>
+                <a:schemeClr val="tx1">
+                  <a:lumMod val="50000"/>
+                  <a:lumOff val="50000"/>
+                </a:schemeClr>
+              </a:solidFill>
+            </a:endParaRPr>
+          </a:p>
+          <a:p>
+            <a:pPr lvl="1"/>
+            <a:r>
+              <a:rPr lang="en-US" dirty="0">
+                <a:solidFill>
+                  <a:schemeClr val="tx1">
+                    <a:lumMod val="50000"/>
+                    <a:lumOff val="50000"/>
+                  </a:schemeClr>
+                </a:solidFill>
+              </a:rPr>
+              <a:t>﻿&lt;property</a:t>
+            </a:r>
+            <a:r>
+              <a:rPr lang="en-US" dirty="0" smtClean="0">
+                <a:solidFill>
+                  <a:schemeClr val="tx1">
+                    <a:lumMod val="50000"/>
+                    <a:lumOff val="50000"/>
+                  </a:schemeClr>
+                </a:solidFill>
+              </a:rPr>
+              <a:t>&gt;</a:t>
+            </a:r>
+          </a:p>
+          <a:p>
+            <a:pPr lvl="1"/>
+            <a:r>
+              <a:rPr lang="en-US" dirty="0" smtClean="0">
+                <a:solidFill>
+                  <a:schemeClr val="tx1">
+                    <a:lumMod val="50000"/>
+                    <a:lumOff val="50000"/>
+                  </a:schemeClr>
+                </a:solidFill>
+              </a:rPr>
+              <a:t>&lt;</a:t>
+            </a:r>
+            <a:r>
+              <a:rPr lang="en-US" dirty="0">
+                <a:solidFill>
+                  <a:schemeClr val="tx1">
+                    <a:lumMod val="50000"/>
+                    <a:lumOff val="50000"/>
+                  </a:schemeClr>
+                </a:solidFill>
+              </a:rPr>
+              <a:t>name&gt;</a:t>
+            </a:r>
+            <a:r>
+              <a:rPr lang="en-US" dirty="0" err="1">
+                <a:solidFill>
+                  <a:schemeClr val="tx1">
+                    <a:lumMod val="50000"/>
+                    <a:lumOff val="50000"/>
+                  </a:schemeClr>
+                </a:solidFill>
+              </a:rPr>
+              <a:t>fs.default.name</a:t>
+            </a:r>
+            <a:r>
+              <a:rPr lang="en-US" dirty="0">
+                <a:solidFill>
+                  <a:schemeClr val="tx1">
+                    <a:lumMod val="50000"/>
+                    <a:lumOff val="50000"/>
+                  </a:schemeClr>
+                </a:solidFill>
+              </a:rPr>
+              <a:t>&lt;/name</a:t>
+            </a:r>
+            <a:r>
+              <a:rPr lang="en-US" dirty="0" smtClean="0">
+                <a:solidFill>
+                  <a:schemeClr val="tx1">
+                    <a:lumMod val="50000"/>
+                    <a:lumOff val="50000"/>
+                  </a:schemeClr>
+                </a:solidFill>
+              </a:rPr>
+              <a:t>&gt;</a:t>
+            </a:r>
+          </a:p>
+          <a:p>
+            <a:pPr lvl="1"/>
+            <a:r>
+              <a:rPr lang="en-US" dirty="0" smtClean="0">
+                <a:solidFill>
+                  <a:schemeClr val="tx1">
+                    <a:lumMod val="50000"/>
+                    <a:lumOff val="50000"/>
+                  </a:schemeClr>
+                </a:solidFill>
+              </a:rPr>
+              <a:t>&lt;</a:t>
+            </a:r>
+            <a:r>
+              <a:rPr lang="en-US" dirty="0">
+                <a:solidFill>
+                  <a:schemeClr val="tx1">
+                    <a:lumMod val="50000"/>
+                    <a:lumOff val="50000"/>
+                  </a:schemeClr>
+                </a:solidFill>
+              </a:rPr>
+              <a:t>value&gt;</a:t>
+            </a:r>
+            <a:r>
+              <a:rPr lang="en-US" dirty="0" err="1">
+                <a:solidFill>
+                  <a:schemeClr val="tx1">
+                    <a:lumMod val="50000"/>
+                    <a:lumOff val="50000"/>
+                  </a:schemeClr>
+                </a:solidFill>
+              </a:rPr>
+              <a:t>hdfs</a:t>
+            </a:r>
+            <a:r>
+              <a:rPr lang="en-US" dirty="0">
+                <a:solidFill>
+                  <a:schemeClr val="tx1">
+                    <a:lumMod val="50000"/>
+                    <a:lumOff val="50000"/>
+                  </a:schemeClr>
+                </a:solidFill>
+              </a:rPr>
+              <a:t>://namenode1:10001&lt;/value</a:t>
+            </a:r>
+            <a:r>
+              <a:rPr lang="en-US" dirty="0" smtClean="0">
+                <a:solidFill>
+                  <a:schemeClr val="tx1">
+                    <a:lumMod val="50000"/>
+                    <a:lumOff val="50000"/>
+                  </a:schemeClr>
+                </a:solidFill>
+              </a:rPr>
+              <a:t>&gt;</a:t>
+            </a:r>
+          </a:p>
+          <a:p>
+            <a:pPr lvl="1"/>
+            <a:r>
+              <a:rPr lang="en-US" dirty="0" smtClean="0">
+                <a:solidFill>
+                  <a:schemeClr val="tx1">
+                    <a:lumMod val="50000"/>
+                    <a:lumOff val="50000"/>
+                  </a:schemeClr>
+                </a:solidFill>
+              </a:rPr>
+              <a:t>&lt;</a:t>
+            </a:r>
+            <a:r>
+              <a:rPr lang="en-US" dirty="0">
+                <a:solidFill>
+                  <a:schemeClr val="tx1">
+                    <a:lumMod val="50000"/>
+                    <a:lumOff val="50000"/>
+                  </a:schemeClr>
+                </a:solidFill>
+              </a:rPr>
+              <a:t>/property&gt;</a:t>
+            </a:r>
+            <a:endParaRPr lang="en-IN" dirty="0">
+              <a:solidFill>
+                <a:schemeClr val="tx1">
+                  <a:lumMod val="50000"/>
+                  <a:lumOff val="50000"/>
+                </a:schemeClr>
+              </a:solidFill>
+            </a:endParaRPr>
+          </a:p>
           <a:p>
             <a:pPr>
               <a:lnSpc>
                 <a:spcPct val="100000"/>
               </a:lnSpc>
-              <a:buSzPct val="45000"/>
             </a:pPr>
-            <a:r>
-              <a:rPr lang="en-IN" dirty="0">
-                <a:solidFill>
-                  <a:schemeClr val="tx1">
-                    <a:lumMod val="50000"/>
-                    <a:lumOff val="50000"/>
-                  </a:schemeClr>
-                </a:solidFill>
-              </a:rPr>
-              <a:t>The server can be started by triggering the wrapper </a:t>
-            </a:r>
-            <a:r>
-              <a:rPr lang="en-IN" dirty="0" smtClean="0">
-                <a:solidFill>
-                  <a:schemeClr val="tx1">
-                    <a:lumMod val="50000"/>
-                    <a:lumOff val="50000"/>
-                  </a:schemeClr>
-                </a:solidFill>
-              </a:rPr>
-              <a:t>script using </a:t>
-            </a:r>
-            <a:r>
-              <a:rPr lang="en-IN" dirty="0">
-                <a:solidFill>
-                  <a:schemeClr val="tx1">
-                    <a:lumMod val="50000"/>
-                    <a:lumOff val="50000"/>
-                  </a:schemeClr>
-                </a:solidFill>
-              </a:rPr>
-              <a:t>/usr/local/hadoop</a:t>
-            </a:r>
-            <a:r>
-              <a:rPr lang="en-IN" dirty="0" smtClean="0">
-                <a:solidFill>
-                  <a:schemeClr val="tx1">
-                    <a:lumMod val="50000"/>
-                    <a:lumOff val="50000"/>
-                  </a:schemeClr>
-                </a:solidFill>
-              </a:rPr>
-              <a:t>/sbin/start-all.sh and stopped using </a:t>
-            </a:r>
-            <a:r>
-              <a:rPr lang="en-IN" dirty="0">
-                <a:solidFill>
-                  <a:schemeClr val="tx1">
-                    <a:lumMod val="50000"/>
-                    <a:lumOff val="50000"/>
-                  </a:schemeClr>
-                </a:solidFill>
-              </a:rPr>
-              <a:t>/usr/local/hadoop/sbin</a:t>
-            </a:r>
-            <a:r>
-              <a:rPr lang="en-IN" dirty="0" smtClean="0">
-                <a:solidFill>
-                  <a:schemeClr val="tx1">
-                    <a:lumMod val="50000"/>
-                    <a:lumOff val="50000"/>
-                  </a:schemeClr>
-                </a:solidFill>
-              </a:rPr>
-              <a:t>/stop-all.sh. </a:t>
-            </a:r>
+            <a:endParaRPr dirty="0"/>
+          </a:p>
+        </p:txBody>
+      </p:sp>
+    </p:spTree>
+    <p:extLst>
+      <p:ext uri="{BB962C8B-B14F-4D97-AF65-F5344CB8AC3E}">
+        <p14:creationId xmlns:p14="http://schemas.microsoft.com/office/powerpoint/2010/main" val="3946198100"/>
+      </p:ext>
+    </p:extLst>
+  </p:cSld>
+  <p:clrMapOvr>
+    <a:masterClrMapping/>
+  </p:clrMapOvr>
+  <p:timing>
+    <p:tnLst>
+      <p:par>
+        <p:cTn xmlns:p14="http://schemas.microsoft.com/office/powerpoint/2010/main" id="1" dur="indefinite" restart="never" nodeType="tmRoot">
+          <p:childTnLst>
+            <p:seq>
+              <p:cTn id="2" nodeType="mainSeq"/>
+              <p:prevCondLst>
+                <p:cond evt="onPrev" delay="0">
+                  <p:tgtEl>
+                    <p:sldTgt/>
+                  </p:tgtEl>
+                </p:cond>
+              </p:prevCondLst>
+              <p:nextCondLst>
+                <p:cond evt="onNext" delay="0">
+                  <p:tgtEl>
+                    <p:sldTgt/>
+                  </p:tgtEl>
+                </p:cond>
+              </p:nextCondLst>
+            </p:seq>
+          </p:childTnLst>
+        </p:cTn>
+      </p:par>
+    </p:tnLst>
+  </p:timing>
+</p:sld>
+</file>
+
+<file path=ppt/slides/slide14.xml><?xml version="1.0" encoding="utf-8"?>
+<p:sld xmlns:a="http://schemas.openxmlformats.org/drawingml/2006/main" xmlns:r="http://schemas.openxmlformats.org/officeDocument/2006/relationships" xmlns:p="http://schemas.openxmlformats.org/presentationml/2006/main">
+  <p:cSld>
+    <p:spTree>
+      <p:nvGrpSpPr>
+        <p:cNvPr id="1" name=""/>
+        <p:cNvGrpSpPr/>
+        <p:nvPr/>
+      </p:nvGrpSpPr>
+      <p:grpSpPr>
+        <a:xfrm>
+          <a:off x="0" y="0"/>
+          <a:ext cx="0" cy="0"/>
+          <a:chOff x="0" y="0"/>
+          <a:chExt cx="0" cy="0"/>
+        </a:xfrm>
+      </p:grpSpPr>
+      <p:sp>
+        <p:nvSpPr>
+          <p:cNvPr id="94" name="CustomShape 1"/>
+          <p:cNvSpPr/>
+          <p:nvPr/>
+        </p:nvSpPr>
+        <p:spPr>
+          <a:xfrm>
+            <a:off x="504000" y="301320"/>
+            <a:ext cx="9070560" cy="1261080"/>
+          </a:xfrm>
+          <a:prstGeom prst="rect">
+            <a:avLst/>
+          </a:prstGeom>
+          <a:noFill/>
+          <a:ln>
+            <a:noFill/>
+          </a:ln>
+        </p:spPr>
+        <p:txBody>
+          <a:bodyPr lIns="0" tIns="0" rIns="0" bIns="0" anchor="ctr"/>
+          <a:lstStyle/>
+          <a:p>
+            <a:pPr algn="ctr">
+              <a:lnSpc>
+                <a:spcPct val="100000"/>
+              </a:lnSpc>
+            </a:pPr>
+            <a:r>
+              <a:rPr lang="en-IN" sz="4400" dirty="0" smtClean="0">
+                <a:latin typeface="Arial"/>
+              </a:rPr>
+              <a:t>Starting and stoping </a:t>
+            </a:r>
+            <a:r>
+              <a:rPr lang="en-IN" sz="4400" dirty="0">
+                <a:latin typeface="Arial"/>
+              </a:rPr>
+              <a:t>the </a:t>
+            </a:r>
+            <a:r>
+              <a:rPr lang="en-IN" sz="4400" dirty="0" smtClean="0">
+                <a:latin typeface="Arial"/>
+              </a:rPr>
+              <a:t>services</a:t>
+            </a:r>
+            <a:endParaRPr dirty="0"/>
+          </a:p>
+        </p:txBody>
+      </p:sp>
+      <p:sp>
+        <p:nvSpPr>
+          <p:cNvPr id="95" name="CustomShape 2"/>
+          <p:cNvSpPr/>
+          <p:nvPr/>
+        </p:nvSpPr>
+        <p:spPr>
+          <a:xfrm>
+            <a:off x="504000" y="1769040"/>
+            <a:ext cx="9070560" cy="4928832"/>
+          </a:xfrm>
+          <a:prstGeom prst="rect">
+            <a:avLst/>
+          </a:prstGeom>
+          <a:noFill/>
+          <a:ln>
+            <a:noFill/>
+          </a:ln>
+        </p:spPr>
+        <p:txBody>
+          <a:bodyPr lIns="0" tIns="0" rIns="0" bIns="0"/>
+          <a:lstStyle/>
+          <a:p>
+            <a:r>
+              <a:rPr lang="en-US" dirty="0" smtClean="0">
+                <a:solidFill>
+                  <a:schemeClr val="tx1">
+                    <a:lumMod val="50000"/>
+                    <a:lumOff val="50000"/>
+                  </a:schemeClr>
+                </a:solidFill>
+              </a:rPr>
+              <a:t>Before starting the services for the first time only execute the below command</a:t>
+            </a:r>
+          </a:p>
+          <a:p>
+            <a:r>
+              <a:rPr lang="en-US" i="1" dirty="0" err="1" smtClean="0">
+                <a:solidFill>
+                  <a:schemeClr val="tx1">
+                    <a:lumMod val="50000"/>
+                    <a:lumOff val="50000"/>
+                  </a:schemeClr>
+                </a:solidFill>
+              </a:rPr>
+              <a:t>hdfs</a:t>
+            </a:r>
+            <a:r>
+              <a:rPr lang="en-US" i="1" dirty="0" smtClean="0">
+                <a:solidFill>
+                  <a:schemeClr val="tx1">
+                    <a:lumMod val="50000"/>
+                    <a:lumOff val="50000"/>
+                  </a:schemeClr>
+                </a:solidFill>
+              </a:rPr>
+              <a:t> </a:t>
+            </a:r>
+            <a:r>
+              <a:rPr lang="en-US" i="1" dirty="0" err="1">
+                <a:solidFill>
+                  <a:schemeClr val="tx1">
+                    <a:lumMod val="50000"/>
+                    <a:lumOff val="50000"/>
+                  </a:schemeClr>
+                </a:solidFill>
+              </a:rPr>
+              <a:t>namenode</a:t>
+            </a:r>
+            <a:r>
+              <a:rPr lang="en-US" i="1" dirty="0">
+                <a:solidFill>
+                  <a:schemeClr val="tx1">
+                    <a:lumMod val="50000"/>
+                    <a:lumOff val="50000"/>
+                  </a:schemeClr>
+                </a:solidFill>
+              </a:rPr>
+              <a:t> -format</a:t>
+            </a:r>
+            <a:endParaRPr i="1" dirty="0">
+              <a:solidFill>
+                <a:schemeClr val="tx1">
+                  <a:lumMod val="50000"/>
+                  <a:lumOff val="50000"/>
+                </a:schemeClr>
+              </a:solidFill>
+            </a:endParaRPr>
           </a:p>
           <a:p>
             <a:pPr>
@@ -7471,6 +8534,91 @@
                 </a:schemeClr>
               </a:solidFill>
             </a:endParaRPr>
+          </a:p>
+          <a:p>
+            <a:pPr>
+              <a:lnSpc>
+                <a:spcPct val="100000"/>
+              </a:lnSpc>
+              <a:buSzPct val="45000"/>
+            </a:pPr>
+            <a:r>
+              <a:rPr lang="en-IN" dirty="0" smtClean="0">
+                <a:solidFill>
+                  <a:schemeClr val="tx1">
+                    <a:lumMod val="50000"/>
+                    <a:lumOff val="50000"/>
+                  </a:schemeClr>
+                </a:solidFill>
+              </a:rPr>
+              <a:t>The </a:t>
+            </a:r>
+            <a:r>
+              <a:rPr lang="en-IN" dirty="0">
+                <a:solidFill>
+                  <a:schemeClr val="tx1">
+                    <a:lumMod val="50000"/>
+                    <a:lumOff val="50000"/>
+                  </a:schemeClr>
+                </a:solidFill>
+              </a:rPr>
+              <a:t>server can be started by triggering the wrapper </a:t>
+            </a:r>
+            <a:r>
+              <a:rPr lang="en-IN" dirty="0" smtClean="0">
+                <a:solidFill>
+                  <a:schemeClr val="tx1">
+                    <a:lumMod val="50000"/>
+                    <a:lumOff val="50000"/>
+                  </a:schemeClr>
+                </a:solidFill>
+              </a:rPr>
+              <a:t>script using </a:t>
+            </a:r>
+            <a:r>
+              <a:rPr lang="en-IN" dirty="0">
+                <a:solidFill>
+                  <a:schemeClr val="tx1">
+                    <a:lumMod val="50000"/>
+                    <a:lumOff val="50000"/>
+                  </a:schemeClr>
+                </a:solidFill>
+              </a:rPr>
+              <a:t>/usr/local/hadoop</a:t>
+            </a:r>
+            <a:r>
+              <a:rPr lang="en-IN" dirty="0" smtClean="0">
+                <a:solidFill>
+                  <a:schemeClr val="tx1">
+                    <a:lumMod val="50000"/>
+                    <a:lumOff val="50000"/>
+                  </a:schemeClr>
+                </a:solidFill>
+              </a:rPr>
+              <a:t>/sbin/start-all.sh and stopped using </a:t>
+            </a:r>
+            <a:r>
+              <a:rPr lang="en-IN" dirty="0">
+                <a:solidFill>
+                  <a:schemeClr val="tx1">
+                    <a:lumMod val="50000"/>
+                    <a:lumOff val="50000"/>
+                  </a:schemeClr>
+                </a:solidFill>
+              </a:rPr>
+              <a:t>/usr/local/hadoop/sbin</a:t>
+            </a:r>
+            <a:r>
+              <a:rPr lang="en-IN" dirty="0" smtClean="0">
+                <a:solidFill>
+                  <a:schemeClr val="tx1">
+                    <a:lumMod val="50000"/>
+                    <a:lumOff val="50000"/>
+                  </a:schemeClr>
+                </a:solidFill>
+              </a:rPr>
+              <a:t>/stop-all.sh. </a:t>
+            </a:r>
           </a:p>
           <a:p>
             <a:pPr>
@@ -7974,7 +9122,7 @@
 </p:sld>
 </file>
 
-<file path=ppt/slides/slide13.xml><?xml version="1.0" encoding="utf-8"?>
+<file path=ppt/slides/slide15.xml><?xml version="1.0" encoding="utf-8"?>
 <p:sld xmlns:a="http://schemas.openxmlformats.org/drawingml/2006/main" xmlns:r="http://schemas.openxmlformats.org/officeDocument/2006/relationships" xmlns:p="http://schemas.openxmlformats.org/presentationml/2006/main">
   <p:cSld>
     <p:spTree>
@@ -8099,7 +9247,7 @@
 </p:sld>
 </file>
 
-<file path=ppt/slides/slide14.xml><?xml version="1.0" encoding="utf-8"?>
+<file path=ppt/slides/slide16.xml><?xml version="1.0" encoding="utf-8"?>
 <p:sld xmlns:a="http://schemas.openxmlformats.org/drawingml/2006/main" xmlns:r="http://schemas.openxmlformats.org/officeDocument/2006/relationships" xmlns:p="http://schemas.openxmlformats.org/presentationml/2006/main">
   <p:cSld>
     <p:spTree>
@@ -8518,7 +9666,7 @@
 </p:sld>
 </file>
 
-<file path=ppt/slides/slide15.xml><?xml version="1.0" encoding="utf-8"?>
+<file path=ppt/slides/slide17.xml><?xml version="1.0" encoding="utf-8"?>
 <p:sld xmlns:a="http://schemas.openxmlformats.org/drawingml/2006/main" xmlns:r="http://schemas.openxmlformats.org/officeDocument/2006/relationships" xmlns:p="http://schemas.openxmlformats.org/presentationml/2006/main">
   <p:cSld>
     <p:spTree>
@@ -8704,7 +9852,7 @@
 </p:sld>
 </file>
 
-<file path=ppt/slides/slide16.xml><?xml version="1.0" encoding="utf-8"?>
+<file path=ppt/slides/slide18.xml><?xml version="1.0" encoding="utf-8"?>
 <p:sld xmlns:a="http://schemas.openxmlformats.org/drawingml/2006/main" xmlns:r="http://schemas.openxmlformats.org/officeDocument/2006/relationships" xmlns:p="http://schemas.openxmlformats.org/presentationml/2006/main">
   <p:cSld>
     <p:spTree>
@@ -8890,7 +10038,7 @@
 </p:sld>
 </file>
 
-<file path=ppt/slides/slide17.xml><?xml version="1.0" encoding="utf-8"?>
+<file path=ppt/slides/slide19.xml><?xml version="1.0" encoding="utf-8"?>
 <p:sld xmlns:a="http://schemas.openxmlformats.org/drawingml/2006/main" xmlns:r="http://schemas.openxmlformats.org/officeDocument/2006/relationships" xmlns:p="http://schemas.openxmlformats.org/presentationml/2006/main">
   <p:cSld>
     <p:spTree>
@@ -8981,19 +10129,7 @@
                 </a:solidFill>
                 <a:hlinkClick r:id="rId2"/>
               </a:rPr>
-              <a:t>https</a:t>
-            </a:r>
-            <a:r>
-              <a:rPr lang="en-US" cap="none" dirty="0" smtClean="0">
-                <a:solidFill>
-                  <a:schemeClr val="tx1">
-                    <a:lumMod val="50000"/>
-                    <a:lumOff val="50000"/>
-                  </a:schemeClr>
-                </a:solidFill>
-                <a:hlinkClick r:id="rId2"/>
-              </a:rPr>
-              <a:t>://github.com/saranshsk/bigdata</a:t>
+              <a:t>https://github.com/saranshsk/bigdata</a:t>
             </a:r>
             <a:endParaRPr lang="en-US" cap="none" dirty="0" smtClean="0">
               <a:solidFill>
@@ -9202,13 +10338,7 @@
               <a:rPr lang="en-IN" sz="4400" dirty="0" smtClean="0">
                 <a:latin typeface="Arial"/>
               </a:rPr>
-              <a:t>Installing </a:t>
-            </a:r>
-            <a:r>
-              <a:rPr lang="en-IN" sz="4400" dirty="0" smtClean="0">
-                <a:latin typeface="Arial"/>
-              </a:rPr>
-              <a:t>hadoop</a:t>
+              <a:t>Installing hadoop</a:t>
             </a:r>
             <a:endParaRPr dirty="0"/>
           </a:p>
@@ -9474,18 +10604,7 @@
                   </a:schemeClr>
                 </a:solidFill>
               </a:rPr>
-              <a:t>Open a terminal and type in th</a:t>
-            </a:r>
-            <a:r>
-              <a:rPr lang="en-US" dirty="0" smtClean="0">
-                <a:solidFill>
-                  <a:schemeClr val="tx1">
-                    <a:lumMod val="50000"/>
-                    <a:lumOff val="50000"/>
-                  </a:schemeClr>
-                </a:solidFill>
-              </a:rPr>
-              <a:t>e below commands in sequence:</a:t>
+              <a:t>Open a terminal and type in the below commands in sequence:</a:t>
             </a:r>
           </a:p>
           <a:p>
@@ -9598,18 +10717,7 @@
                   </a:schemeClr>
                 </a:solidFill>
               </a:rPr>
-              <a:t> </a:t>
-            </a:r>
-            <a:r>
-              <a:rPr lang="en-US" dirty="0" smtClean="0">
-                <a:solidFill>
-                  <a:schemeClr val="tx1">
-                    <a:lumMod val="50000"/>
-                    <a:lumOff val="50000"/>
-                  </a:schemeClr>
-                </a:solidFill>
-              </a:rPr>
-              <a:t>mv /home/</a:t>
+              <a:t> mv /home/</a:t>
             </a:r>
             <a:r>
               <a:rPr lang="en-US" dirty="0" err="1" smtClean="0">
@@ -9621,28 +10729,6 @@
                 </a:solidFill>
               </a:rPr>
               <a:t>hadoop</a:t>
-            </a:r>
-            <a:r>
-              <a:rPr lang="en-US" dirty="0" smtClean="0">
-                <a:solidFill>
-                  <a:schemeClr val="tx1">
-                    <a:lumMod val="50000"/>
-                    <a:lumOff val="50000"/>
-                  </a:schemeClr>
-                </a:solidFill>
-              </a:rPr>
-              <a:t>/</a:t>
-            </a:r>
-            <a:r>
-              <a:rPr lang="en-US" dirty="0" err="1" smtClean="0">
-                <a:solidFill>
-                  <a:schemeClr val="tx1">
-                    <a:lumMod val="50000"/>
-                    <a:lumOff val="50000"/>
-                  </a:schemeClr>
-                </a:solidFill>
-              </a:rPr>
-              <a:t>softwares</a:t>
             </a:r>
             <a:r>
               <a:rPr lang="en-US" dirty="0" smtClean="0">
@@ -9767,7 +10853,7 @@
                   </a:schemeClr>
                 </a:solidFill>
               </a:rPr>
-              <a:t> –r 775 /</a:t>
+              <a:t> –R 775 /</a:t>
             </a:r>
             <a:r>
               <a:rPr lang="en-US" dirty="0" err="1" smtClean="0">
@@ -9957,14 +11043,6 @@
               </a:rPr>
               <a:t>Now its time to start configuring the files one by one.</a:t>
             </a:r>
-            <a:endParaRPr lang="en-US" dirty="0" smtClean="0">
-              <a:solidFill>
-                <a:schemeClr val="tx1">
-                  <a:lumMod val="50000"/>
-                  <a:lumOff val="50000"/>
-                </a:schemeClr>
-              </a:solidFill>
-            </a:endParaRPr>
           </a:p>
           <a:p>
             <a:pPr>
@@ -10169,18 +11247,7 @@
                   </a:schemeClr>
                 </a:solidFill>
               </a:rPr>
-              <a:t>Now to tell hadoop which Java to use make the below entry into the hadoop environment </a:t>
-            </a:r>
-            <a:r>
-              <a:rPr lang="en-IN" dirty="0">
-                <a:solidFill>
-                  <a:schemeClr val="tx1">
-                    <a:lumMod val="50000"/>
-                    <a:lumOff val="50000"/>
-                  </a:schemeClr>
-                </a:solidFill>
-              </a:rPr>
-              <a:t>file:</a:t>
+              <a:t>Now to tell hadoop which Java to use make the below entry into the hadoop environment file:</a:t>
             </a:r>
           </a:p>
           <a:p>
@@ -10215,18 +11282,7 @@
                   </a:schemeClr>
                 </a:solidFill>
               </a:rPr>
-              <a:t>sudo vi /usr/local/hadoop/etc</a:t>
-            </a:r>
-            <a:r>
-              <a:rPr lang="en-IN" dirty="0">
-                <a:solidFill>
-                  <a:schemeClr val="tx1">
-                    <a:lumMod val="50000"/>
-                    <a:lumOff val="50000"/>
-                  </a:schemeClr>
-                </a:solidFill>
-              </a:rPr>
-              <a:t>/hadoop/hadoop-env.sh</a:t>
+              <a:t>sudo vi /usr/local/hadoop/etc/hadoop/hadoop-env.sh</a:t>
             </a:r>
             <a:endParaRPr dirty="0">
               <a:solidFill>
@@ -10536,18 +11592,7 @@
                   </a:schemeClr>
                 </a:solidFill>
               </a:rPr>
-              <a:t>vi /usr/local/hadoop/etc</a:t>
-            </a:r>
-            <a:r>
-              <a:rPr lang="en-IN" dirty="0">
-                <a:solidFill>
-                  <a:schemeClr val="tx1">
-                    <a:lumMod val="50000"/>
-                    <a:lumOff val="50000"/>
-                  </a:schemeClr>
-                </a:solidFill>
-              </a:rPr>
-              <a:t>/hadoop</a:t>
+              <a:t>vi /usr/local/hadoop/etc/hadoop</a:t>
             </a:r>
             <a:r>
               <a:rPr lang="en-IN" dirty="0" smtClean="0">
@@ -11075,18 +12120,7 @@
                   </a:schemeClr>
                 </a:solidFill>
               </a:rPr>
-              <a:t>vi /usr/local/hadoop/etc</a:t>
-            </a:r>
-            <a:r>
-              <a:rPr lang="en-IN" dirty="0">
-                <a:solidFill>
-                  <a:schemeClr val="tx1">
-                    <a:lumMod val="50000"/>
-                    <a:lumOff val="50000"/>
-                  </a:schemeClr>
-                </a:solidFill>
-              </a:rPr>
-              <a:t>/hadoop</a:t>
+              <a:t>vi /usr/local/hadoop/etc/hadoop</a:t>
             </a:r>
             <a:r>
               <a:rPr lang="en-IN" dirty="0" smtClean="0">
@@ -12027,7 +13061,13 @@
               <a:rPr lang="en-IN" sz="4400" dirty="0" smtClean="0">
                 <a:latin typeface="Arial"/>
               </a:rPr>
-              <a:t>mapred-site.xml</a:t>
+              <a:t>hdfs-site.xml cont</a:t>
+            </a:r>
+            <a:r>
+              <a:rPr lang="is-IS" sz="4400" dirty="0" smtClean="0">
+                <a:latin typeface="Arial"/>
+              </a:rPr>
+              <a:t>…</a:t>
             </a:r>
             <a:endParaRPr dirty="0"/>
           </a:p>
@@ -12062,163 +13102,6 @@
               </a:lnSpc>
               <a:buSzPct val="45000"/>
             </a:pPr>
-            <a:r>
-              <a:rPr lang="en-IN" dirty="0" smtClean="0">
-                <a:solidFill>
-                  <a:schemeClr val="tx1">
-                    <a:lumMod val="50000"/>
-                    <a:lumOff val="50000"/>
-                  </a:schemeClr>
-                </a:solidFill>
-              </a:rPr>
-              <a:t>cp </a:t>
-            </a:r>
-            <a:r>
-              <a:rPr lang="en-IN" dirty="0">
-                <a:solidFill>
-                  <a:schemeClr val="tx1">
-                    <a:lumMod val="50000"/>
-                    <a:lumOff val="50000"/>
-                  </a:schemeClr>
-                </a:solidFill>
-              </a:rPr>
-              <a:t>/usr/local/hadoop/etc/hadoop/﻿mapred-</a:t>
-            </a:r>
-            <a:r>
-              <a:rPr lang="en-IN" dirty="0" smtClean="0">
-                <a:solidFill>
-                  <a:schemeClr val="tx1">
-                    <a:lumMod val="50000"/>
-                    <a:lumOff val="50000"/>
-                  </a:schemeClr>
-                </a:solidFill>
-              </a:rPr>
-              <a:t>site.xml.template /</a:t>
-            </a:r>
-            <a:r>
-              <a:rPr lang="en-IN" dirty="0">
-                <a:solidFill>
-                  <a:schemeClr val="tx1">
-                    <a:lumMod val="50000"/>
-                    <a:lumOff val="50000"/>
-                  </a:schemeClr>
-                </a:solidFill>
-              </a:rPr>
-              <a:t>usr/local/hadoop/etc/hadoop/</a:t>
-            </a:r>
-            <a:r>
-              <a:rPr lang="en-US" dirty="0" err="1">
-                <a:solidFill>
-                  <a:schemeClr val="tx1">
-                    <a:lumMod val="50000"/>
-                    <a:lumOff val="50000"/>
-                  </a:schemeClr>
-                </a:solidFill>
-              </a:rPr>
-              <a:t>hdfs-site.xml</a:t>
-            </a:r>
-            <a:endParaRPr lang="en-IN" dirty="0" smtClean="0">
-              <a:solidFill>
-                <a:schemeClr val="tx1">
-                  <a:lumMod val="50000"/>
-                  <a:lumOff val="50000"/>
-                </a:schemeClr>
-              </a:solidFill>
-            </a:endParaRPr>
-          </a:p>
-          <a:p>
-            <a:pPr>
-              <a:lnSpc>
-                <a:spcPct val="100000"/>
-              </a:lnSpc>
-              <a:buSzPct val="45000"/>
-            </a:pPr>
-            <a:endParaRPr lang="en-IN" dirty="0">
-              <a:solidFill>
-                <a:schemeClr val="tx1">
-                  <a:lumMod val="50000"/>
-                  <a:lumOff val="50000"/>
-                </a:schemeClr>
-              </a:solidFill>
-            </a:endParaRPr>
-          </a:p>
-          <a:p>
-            <a:pPr>
-              <a:lnSpc>
-                <a:spcPct val="100000"/>
-              </a:lnSpc>
-              <a:buSzPct val="45000"/>
-            </a:pPr>
-            <a:r>
-              <a:rPr lang="en-IN" dirty="0" smtClean="0">
-                <a:solidFill>
-                  <a:schemeClr val="tx1">
-                    <a:lumMod val="50000"/>
-                    <a:lumOff val="50000"/>
-                  </a:schemeClr>
-                </a:solidFill>
-              </a:rPr>
-              <a:t>sudo </a:t>
-            </a:r>
-            <a:r>
-              <a:rPr lang="en-IN" dirty="0">
-                <a:solidFill>
-                  <a:schemeClr val="tx1">
-                    <a:lumMod val="50000"/>
-                    <a:lumOff val="50000"/>
-                  </a:schemeClr>
-                </a:solidFill>
-              </a:rPr>
-              <a:t>vi /usr/local/hadoop/etc</a:t>
-            </a:r>
-            <a:r>
-              <a:rPr lang="en-IN" dirty="0">
-                <a:solidFill>
-                  <a:schemeClr val="tx1">
-                    <a:lumMod val="50000"/>
-                    <a:lumOff val="50000"/>
-                  </a:schemeClr>
-                </a:solidFill>
-              </a:rPr>
-              <a:t>/hadoop</a:t>
-            </a:r>
-            <a:r>
-              <a:rPr lang="en-IN" dirty="0" smtClean="0">
-                <a:solidFill>
-                  <a:schemeClr val="tx1">
-                    <a:lumMod val="50000"/>
-                    <a:lumOff val="50000"/>
-                  </a:schemeClr>
-                </a:solidFill>
-              </a:rPr>
-              <a:t>/</a:t>
-            </a:r>
-            <a:r>
-              <a:rPr lang="en-US" dirty="0" err="1" smtClean="0">
-                <a:solidFill>
-                  <a:schemeClr val="tx1">
-                    <a:lumMod val="50000"/>
-                    <a:lumOff val="50000"/>
-                  </a:schemeClr>
-                </a:solidFill>
-              </a:rPr>
-              <a:t>hdfs-site.xml</a:t>
-            </a:r>
-            <a:endParaRPr dirty="0">
-              <a:solidFill>
-                <a:schemeClr val="tx1">
-                  <a:lumMod val="50000"/>
-                  <a:lumOff val="50000"/>
-                </a:schemeClr>
-              </a:solidFill>
-            </a:endParaRPr>
-          </a:p>
-          <a:p>
-            <a:pPr>
-              <a:lnSpc>
-                <a:spcPct val="100000"/>
-              </a:lnSpc>
-            </a:pPr>
             <a:endParaRPr lang="en-US" dirty="0" smtClean="0">
               <a:solidFill>
                 <a:schemeClr val="tx1">
@@ -12228,14 +13111,40 @@
               </a:solidFill>
             </a:endParaRPr>
           </a:p>
-          <a:p>
-            <a:pPr marL="285750" indent="-285750">
-              <a:lnSpc>
-                <a:spcPct val="100000"/>
-              </a:lnSpc>
-              <a:buFont typeface="Arial"/>
-              <a:buChar char="•"/>
-            </a:pPr>
+        </p:txBody>
+      </p:sp>
+      <p:sp>
+        <p:nvSpPr>
+          <p:cNvPr id="2" name="Rectangle 1"/>
+          <p:cNvSpPr/>
+          <p:nvPr/>
+        </p:nvSpPr>
+        <p:spPr>
+          <a:xfrm>
+            <a:off x="504000" y="1419762"/>
+            <a:ext cx="9070560" cy="5632312"/>
+          </a:xfrm>
+          <a:prstGeom prst="rect">
+            <a:avLst/>
+          </a:prstGeom>
+        </p:spPr>
+        <p:txBody>
+          <a:bodyPr wrap="square">
+            <a:spAutoFit/>
+          </a:bodyPr>
+          <a:lstStyle/>
+          <a:p>
+            <a:r>
+              <a:rPr lang="en-US" dirty="0">
+                <a:solidFill>
+                  <a:schemeClr val="tx1">
+                    <a:lumMod val="50000"/>
+                    <a:lumOff val="50000"/>
+                  </a:schemeClr>
+                </a:solidFill>
+              </a:rPr>
+              <a:t>&lt;property</a:t>
+            </a:r>
             <a:r>
               <a:rPr lang="en-US" dirty="0" smtClean="0">
                 <a:solidFill>
@@ -12245,19 +13154,10 @@
                   </a:schemeClr>
                 </a:solidFill>
               </a:rPr>
-              <a:t>Here we are telling </a:t>
-            </a:r>
-            <a:r>
-              <a:rPr lang="en-US" dirty="0" err="1" smtClean="0">
-                <a:solidFill>
-                  <a:schemeClr val="tx1">
-                    <a:lumMod val="50000"/>
-                    <a:lumOff val="50000"/>
-                  </a:schemeClr>
-                </a:solidFill>
-              </a:rPr>
-              <a:t>hadoop</a:t>
-            </a:r>
+              <a:t>&gt;</a:t>
+            </a:r>
+          </a:p>
+          <a:p>
             <a:r>
               <a:rPr lang="en-US" dirty="0" smtClean="0">
                 <a:solidFill>
@@ -12267,18 +13167,66 @@
                   </a:schemeClr>
                 </a:solidFill>
               </a:rPr>
-              <a:t> to use yarn as the </a:t>
-            </a:r>
-            <a:r>
-              <a:rPr lang="en-US" dirty="0" err="1" smtClean="0">
-                <a:solidFill>
-                  <a:schemeClr val="tx1">
-                    <a:lumMod val="50000"/>
-                    <a:lumOff val="50000"/>
-                  </a:schemeClr>
-                </a:solidFill>
-              </a:rPr>
-              <a:t>mapreduce</a:t>
+              <a:t>&lt;</a:t>
+            </a:r>
+            <a:r>
+              <a:rPr lang="en-US" dirty="0">
+                <a:solidFill>
+                  <a:schemeClr val="tx1">
+                    <a:lumMod val="50000"/>
+                    <a:lumOff val="50000"/>
+                  </a:schemeClr>
+                </a:solidFill>
+              </a:rPr>
+              <a:t>name&gt;</a:t>
+            </a:r>
+            <a:r>
+              <a:rPr lang="en-US" dirty="0" err="1">
+                <a:solidFill>
+                  <a:schemeClr val="tx1">
+                    <a:lumMod val="50000"/>
+                    <a:lumOff val="50000"/>
+                  </a:schemeClr>
+                </a:solidFill>
+              </a:rPr>
+              <a:t>dfs.permissions</a:t>
+            </a:r>
+            <a:r>
+              <a:rPr lang="en-US" dirty="0">
+                <a:solidFill>
+                  <a:schemeClr val="tx1">
+                    <a:lumMod val="50000"/>
+                    <a:lumOff val="50000"/>
+                  </a:schemeClr>
+                </a:solidFill>
+              </a:rPr>
+              <a:t>&lt;/name&gt;</a:t>
+            </a:r>
+          </a:p>
+          <a:p>
+            <a:r>
+              <a:rPr lang="en-US" dirty="0">
+                <a:solidFill>
+                  <a:schemeClr val="tx1">
+                    <a:lumMod val="50000"/>
+                    <a:lumOff val="50000"/>
+                  </a:schemeClr>
+                </a:solidFill>
+              </a:rPr>
+              <a:t>&lt;value&gt;false&lt;/value&gt;</a:t>
+            </a:r>
+          </a:p>
+          <a:p>
+            <a:r>
+              <a:rPr lang="en-US" dirty="0">
+                <a:solidFill>
+                  <a:schemeClr val="tx1">
+                    <a:lumMod val="50000"/>
+                    <a:lumOff val="50000"/>
+                  </a:schemeClr>
+                </a:solidFill>
+              </a:rPr>
+              <a:t>&lt;/property</a:t>
             </a:r>
             <a:r>
               <a:rPr lang="en-US" dirty="0" smtClean="0">
@@ -12289,18 +13237,11 @@
                   </a:schemeClr>
                 </a:solidFill>
               </a:rPr>
-              <a:t> framework</a:t>
-            </a:r>
-          </a:p>
-          <a:p>
-            <a:pPr marL="285750" indent="-285750">
-              <a:lnSpc>
-                <a:spcPct val="100000"/>
-              </a:lnSpc>
-              <a:buFont typeface="Arial"/>
-              <a:buChar char="•"/>
-            </a:pPr>
-            <a:endParaRPr lang="en-US" dirty="0" smtClean="0">
+              <a:t>&gt;</a:t>
+            </a:r>
+          </a:p>
+          <a:p>
+            <a:endParaRPr lang="en-US" dirty="0">
               <a:solidFill>
                 <a:schemeClr val="tx1">
                   <a:lumMod val="50000"/>
@@ -12310,7 +13251,6 @@
             </a:endParaRPr>
           </a:p>
           <a:p>
-            <a:pPr lvl="1"/>
             <a:r>
               <a:rPr lang="en-US" dirty="0">
                 <a:solidFill>
@@ -12320,7 +13260,68 @@
                   </a:schemeClr>
                 </a:solidFill>
               </a:rPr>
-              <a:t>﻿﻿&lt;configuration</a:t>
+              <a:t>&lt;property&gt;</a:t>
+            </a:r>
+          </a:p>
+          <a:p>
+            <a:r>
+              <a:rPr lang="en-US" dirty="0">
+                <a:solidFill>
+                  <a:schemeClr val="tx1">
+                    <a:lumMod val="50000"/>
+                    <a:lumOff val="50000"/>
+                  </a:schemeClr>
+                </a:solidFill>
+              </a:rPr>
+              <a:t>&lt;name&gt;</a:t>
+            </a:r>
+            <a:r>
+              <a:rPr lang="en-US" dirty="0" err="1">
+                <a:solidFill>
+                  <a:schemeClr val="tx1">
+                    <a:lumMod val="50000"/>
+                    <a:lumOff val="50000"/>
+                  </a:schemeClr>
+                </a:solidFill>
+              </a:rPr>
+              <a:t>dfs.datanode.use.datanode.hostname</a:t>
+            </a:r>
+            <a:r>
+              <a:rPr lang="en-US" dirty="0">
+                <a:solidFill>
+                  <a:schemeClr val="tx1">
+                    <a:lumMod val="50000"/>
+                    <a:lumOff val="50000"/>
+                  </a:schemeClr>
+                </a:solidFill>
+              </a:rPr>
+              <a:t>&lt;/name&gt;</a:t>
+            </a:r>
+          </a:p>
+          <a:p>
+            <a:r>
+              <a:rPr lang="en-US" dirty="0">
+                <a:solidFill>
+                  <a:schemeClr val="tx1">
+                    <a:lumMod val="50000"/>
+                    <a:lumOff val="50000"/>
+                  </a:schemeClr>
+                </a:solidFill>
+              </a:rPr>
+              <a:t>&lt;value&gt;false&lt;/value&gt;</a:t>
+            </a:r>
+          </a:p>
+          <a:p>
+            <a:r>
+              <a:rPr lang="en-US" dirty="0">
+                <a:solidFill>
+                  <a:schemeClr val="tx1">
+                    <a:lumMod val="50000"/>
+                    <a:lumOff val="50000"/>
+                  </a:schemeClr>
+                </a:solidFill>
+              </a:rPr>
+              <a:t>&lt;/property</a:t>
             </a:r>
             <a:r>
               <a:rPr lang="en-US" dirty="0" smtClean="0">
@@ -12335,124 +13336,7 @@
             </a:r>
           </a:p>
           <a:p>
-            <a:pPr lvl="1"/>
-            <a:r>
-              <a:rPr lang="en-US" dirty="0" smtClean="0">
-                <a:solidFill>
-                  <a:schemeClr val="tx1">
-                    <a:lumMod val="50000"/>
-                    <a:lumOff val="50000"/>
-                  </a:schemeClr>
-                </a:solidFill>
-              </a:rPr>
-              <a:t>&lt;</a:t>
-            </a:r>
-            <a:r>
-              <a:rPr lang="en-US" dirty="0">
-                <a:solidFill>
-                  <a:schemeClr val="tx1">
-                    <a:lumMod val="50000"/>
-                    <a:lumOff val="50000"/>
-                  </a:schemeClr>
-                </a:solidFill>
-              </a:rPr>
-              <a:t>property&gt;&lt;name&gt;</a:t>
-            </a:r>
-            <a:r>
-              <a:rPr lang="en-US" dirty="0" err="1">
-                <a:solidFill>
-                  <a:schemeClr val="tx1">
-                    <a:lumMod val="50000"/>
-                    <a:lumOff val="50000"/>
-                  </a:schemeClr>
-                </a:solidFill>
-              </a:rPr>
-              <a:t>mapreduce.framework.name</a:t>
-            </a:r>
-            <a:r>
-              <a:rPr lang="en-US" dirty="0">
-                <a:solidFill>
-                  <a:schemeClr val="tx1">
-                    <a:lumMod val="50000"/>
-                    <a:lumOff val="50000"/>
-                  </a:schemeClr>
-                </a:solidFill>
-              </a:rPr>
-              <a:t>&lt;/name</a:t>
-            </a:r>
-            <a:r>
-              <a:rPr lang="en-US" dirty="0" smtClean="0">
-                <a:solidFill>
-                  <a:schemeClr val="tx1">
-                    <a:lumMod val="50000"/>
-                    <a:lumOff val="50000"/>
-                  </a:schemeClr>
-                </a:solidFill>
-              </a:rPr>
-              <a:t>&gt;</a:t>
-            </a:r>
-          </a:p>
-          <a:p>
-            <a:pPr lvl="1"/>
-            <a:r>
-              <a:rPr lang="en-US" dirty="0" smtClean="0">
-                <a:solidFill>
-                  <a:schemeClr val="tx1">
-                    <a:lumMod val="50000"/>
-                    <a:lumOff val="50000"/>
-                  </a:schemeClr>
-                </a:solidFill>
-              </a:rPr>
-              <a:t>&lt;</a:t>
-            </a:r>
-            <a:r>
-              <a:rPr lang="en-US" dirty="0">
-                <a:solidFill>
-                  <a:schemeClr val="tx1">
-                    <a:lumMod val="50000"/>
-                    <a:lumOff val="50000"/>
-                  </a:schemeClr>
-                </a:solidFill>
-              </a:rPr>
-              <a:t>value&gt;yarn&lt;/value</a:t>
-            </a:r>
-            <a:r>
-              <a:rPr lang="en-US" dirty="0" smtClean="0">
-                <a:solidFill>
-                  <a:schemeClr val="tx1">
-                    <a:lumMod val="50000"/>
-                    <a:lumOff val="50000"/>
-                  </a:schemeClr>
-                </a:solidFill>
-              </a:rPr>
-              <a:t>&gt;</a:t>
-            </a:r>
-          </a:p>
-          <a:p>
-            <a:pPr lvl="1"/>
-            <a:r>
-              <a:rPr lang="en-US" dirty="0" smtClean="0">
-                <a:solidFill>
-                  <a:schemeClr val="tx1">
-                    <a:lumMod val="50000"/>
-                    <a:lumOff val="50000"/>
-                  </a:schemeClr>
-                </a:solidFill>
-              </a:rPr>
-              <a:t>&lt;</a:t>
-            </a:r>
-            <a:r>
-              <a:rPr lang="en-US" dirty="0">
-                <a:solidFill>
-                  <a:schemeClr val="tx1">
-                    <a:lumMod val="50000"/>
-                    <a:lumOff val="50000"/>
-                  </a:schemeClr>
-                </a:solidFill>
-              </a:rPr>
-              <a:t>/property&gt;</a:t>
-            </a:r>
-            <a:endParaRPr lang="en-US" dirty="0" smtClean="0">
+            <a:endParaRPr lang="en-US" dirty="0">
               <a:solidFill>
                 <a:schemeClr val="tx1">
                   <a:lumMod val="50000"/>
@@ -12461,12 +13345,238 @@
               </a:solidFill>
             </a:endParaRPr>
           </a:p>
+          <a:p>
+            <a:r>
+              <a:rPr lang="en-US" dirty="0">
+                <a:solidFill>
+                  <a:schemeClr val="tx1">
+                    <a:lumMod val="50000"/>
+                    <a:lumOff val="50000"/>
+                  </a:schemeClr>
+                </a:solidFill>
+              </a:rPr>
+              <a:t>&lt;property&gt;</a:t>
+            </a:r>
+          </a:p>
+          <a:p>
+            <a:r>
+              <a:rPr lang="en-US" dirty="0">
+                <a:solidFill>
+                  <a:schemeClr val="tx1">
+                    <a:lumMod val="50000"/>
+                    <a:lumOff val="50000"/>
+                  </a:schemeClr>
+                </a:solidFill>
+              </a:rPr>
+              <a:t>&lt;name&gt;</a:t>
+            </a:r>
+            <a:r>
+              <a:rPr lang="en-US" dirty="0" err="1">
+                <a:solidFill>
+                  <a:schemeClr val="tx1">
+                    <a:lumMod val="50000"/>
+                    <a:lumOff val="50000"/>
+                  </a:schemeClr>
+                </a:solidFill>
+              </a:rPr>
+              <a:t>dfs.namenode.datanode.registration.ip</a:t>
+            </a:r>
+            <a:r>
+              <a:rPr lang="en-US" dirty="0">
+                <a:solidFill>
+                  <a:schemeClr val="tx1">
+                    <a:lumMod val="50000"/>
+                    <a:lumOff val="50000"/>
+                  </a:schemeClr>
+                </a:solidFill>
+              </a:rPr>
+              <a:t>-hostname-check&lt;/name&gt;</a:t>
+            </a:r>
+          </a:p>
+          <a:p>
+            <a:r>
+              <a:rPr lang="en-US" dirty="0">
+                <a:solidFill>
+                  <a:schemeClr val="tx1">
+                    <a:lumMod val="50000"/>
+                    <a:lumOff val="50000"/>
+                  </a:schemeClr>
+                </a:solidFill>
+              </a:rPr>
+              <a:t>&lt;value&gt;false&lt;/value&gt;</a:t>
+            </a:r>
+          </a:p>
+          <a:p>
+            <a:r>
+              <a:rPr lang="en-US" dirty="0">
+                <a:solidFill>
+                  <a:schemeClr val="tx1">
+                    <a:lumMod val="50000"/>
+                    <a:lumOff val="50000"/>
+                  </a:schemeClr>
+                </a:solidFill>
+              </a:rPr>
+              <a:t>&lt;/property</a:t>
+            </a:r>
+            <a:r>
+              <a:rPr lang="en-US" dirty="0" smtClean="0">
+                <a:solidFill>
+                  <a:schemeClr val="tx1">
+                    <a:lumMod val="50000"/>
+                    <a:lumOff val="50000"/>
+                  </a:schemeClr>
+                </a:solidFill>
+              </a:rPr>
+              <a:t>&gt;</a:t>
+            </a:r>
+          </a:p>
+          <a:p>
+            <a:endParaRPr lang="en-US" dirty="0">
+              <a:solidFill>
+                <a:schemeClr val="tx1">
+                  <a:lumMod val="50000"/>
+                  <a:lumOff val="50000"/>
+                </a:schemeClr>
+              </a:solidFill>
+            </a:endParaRPr>
+          </a:p>
+          <a:p>
+            <a:r>
+              <a:rPr lang="en-US" dirty="0">
+                <a:solidFill>
+                  <a:schemeClr val="tx1">
+                    <a:lumMod val="50000"/>
+                    <a:lumOff val="50000"/>
+                  </a:schemeClr>
+                </a:solidFill>
+              </a:rPr>
+              <a:t>&lt;property&gt;</a:t>
+            </a:r>
+          </a:p>
+          <a:p>
+            <a:r>
+              <a:rPr lang="en-US" dirty="0">
+                <a:solidFill>
+                  <a:schemeClr val="tx1">
+                    <a:lumMod val="50000"/>
+                    <a:lumOff val="50000"/>
+                  </a:schemeClr>
+                </a:solidFill>
+              </a:rPr>
+              <a:t>&lt;name&gt;</a:t>
+            </a:r>
+            <a:r>
+              <a:rPr lang="en-US" dirty="0" err="1">
+                <a:solidFill>
+                  <a:schemeClr val="tx1">
+                    <a:lumMod val="50000"/>
+                    <a:lumOff val="50000"/>
+                  </a:schemeClr>
+                </a:solidFill>
+              </a:rPr>
+              <a:t>dfs.namenode.http</a:t>
+            </a:r>
+            <a:r>
+              <a:rPr lang="en-US" dirty="0">
+                <a:solidFill>
+                  <a:schemeClr val="tx1">
+                    <a:lumMod val="50000"/>
+                    <a:lumOff val="50000"/>
+                  </a:schemeClr>
+                </a:solidFill>
+              </a:rPr>
+              <a:t>-address&lt;/name&gt;</a:t>
+            </a:r>
+          </a:p>
+          <a:p>
+            <a:r>
+              <a:rPr lang="en-US" dirty="0">
+                <a:solidFill>
+                  <a:schemeClr val="tx1">
+                    <a:lumMod val="50000"/>
+                    <a:lumOff val="50000"/>
+                  </a:schemeClr>
+                </a:solidFill>
+              </a:rPr>
+              <a:t>&lt;value</a:t>
+            </a:r>
+            <a:r>
+              <a:rPr lang="en-US" dirty="0" smtClean="0">
+                <a:solidFill>
+                  <a:schemeClr val="tx1">
+                    <a:lumMod val="50000"/>
+                    <a:lumOff val="50000"/>
+                  </a:schemeClr>
+                </a:solidFill>
+              </a:rPr>
+              <a:t>&gt;namenode1</a:t>
+            </a:r>
+            <a:r>
+              <a:rPr lang="en-US" dirty="0">
+                <a:solidFill>
+                  <a:schemeClr val="tx1">
+                    <a:lumMod val="50000"/>
+                    <a:lumOff val="50000"/>
+                  </a:schemeClr>
+                </a:solidFill>
+              </a:rPr>
+              <a:t>:50070&lt;/value&gt;</a:t>
+            </a:r>
+          </a:p>
+          <a:p>
+            <a:r>
+              <a:rPr lang="en-US" dirty="0">
+                <a:solidFill>
+                  <a:schemeClr val="tx1">
+                    <a:lumMod val="50000"/>
+                    <a:lumOff val="50000"/>
+                  </a:schemeClr>
+                </a:solidFill>
+              </a:rPr>
+              <a:t>&lt;description&gt;Your </a:t>
+            </a:r>
+            <a:r>
+              <a:rPr lang="en-US" dirty="0" err="1">
+                <a:solidFill>
+                  <a:schemeClr val="tx1">
+                    <a:lumMod val="50000"/>
+                    <a:lumOff val="50000"/>
+                  </a:schemeClr>
+                </a:solidFill>
+              </a:rPr>
+              <a:t>NameNode</a:t>
+            </a:r>
+            <a:r>
+              <a:rPr lang="en-US" dirty="0">
+                <a:solidFill>
+                  <a:schemeClr val="tx1">
+                    <a:lumMod val="50000"/>
+                    <a:lumOff val="50000"/>
+                  </a:schemeClr>
+                </a:solidFill>
+              </a:rPr>
+              <a:t> hostname for http access.&lt;/description&gt;</a:t>
+            </a:r>
+          </a:p>
+          <a:p>
+            <a:r>
+              <a:rPr lang="en-US" dirty="0">
+                <a:solidFill>
+                  <a:schemeClr val="tx1">
+                    <a:lumMod val="50000"/>
+                    <a:lumOff val="50000"/>
+                  </a:schemeClr>
+                </a:solidFill>
+              </a:rPr>
+              <a:t>&lt;/property&gt;</a:t>
+            </a:r>
+          </a:p>
         </p:txBody>
       </p:sp>
     </p:spTree>
     <p:extLst>
       <p:ext uri="{BB962C8B-B14F-4D97-AF65-F5344CB8AC3E}">
-        <p14:creationId xmlns:p14="http://schemas.microsoft.com/office/powerpoint/2010/main" val="498431162"/>
+        <p14:creationId xmlns:p14="http://schemas.microsoft.com/office/powerpoint/2010/main" val="789116012"/>
       </p:ext>
     </p:extLst>
   </p:cSld>
@@ -12558,7 +13668,7 @@
               <a:rPr lang="en-IN" sz="4400" dirty="0" smtClean="0">
                 <a:latin typeface="Arial"/>
               </a:rPr>
-              <a:t>yarn-site.xml</a:t>
+              <a:t>mapred-site.xml</a:t>
             </a:r>
             <a:endParaRPr dirty="0"/>
           </a:p>
@@ -12572,8 +13682,8 @@
         </p:nvSpPr>
         <p:spPr>
           <a:xfrm>
-            <a:off x="504000" y="1451459"/>
-            <a:ext cx="9070560" cy="5563920"/>
+            <a:off x="504000" y="1753918"/>
+            <a:ext cx="9070560" cy="4853235"/>
           </a:xfrm>
           <a:prstGeom prst="rect">
             <a:avLst/>
@@ -12602,6 +13712,115 @@
                   </a:schemeClr>
                 </a:solidFill>
               </a:rPr>
+              <a:t>cp </a:t>
+            </a:r>
+            <a:r>
+              <a:rPr lang="en-IN" dirty="0">
+                <a:solidFill>
+                  <a:schemeClr val="tx1">
+                    <a:lumMod val="50000"/>
+                    <a:lumOff val="50000"/>
+                  </a:schemeClr>
+                </a:solidFill>
+              </a:rPr>
+              <a:t>/usr/local/hadoop/etc/hadoop/﻿mapred-</a:t>
+            </a:r>
+            <a:r>
+              <a:rPr lang="en-IN" dirty="0" smtClean="0">
+                <a:solidFill>
+                  <a:schemeClr val="tx1">
+                    <a:lumMod val="50000"/>
+                    <a:lumOff val="50000"/>
+                  </a:schemeClr>
+                </a:solidFill>
+              </a:rPr>
+              <a:t>site.xml.template /</a:t>
+            </a:r>
+            <a:r>
+              <a:rPr lang="en-IN" dirty="0">
+                <a:solidFill>
+                  <a:schemeClr val="tx1">
+                    <a:lumMod val="50000"/>
+                    <a:lumOff val="50000"/>
+                  </a:schemeClr>
+                </a:solidFill>
+              </a:rPr>
+              <a:t>usr/local/hadoop/etc/hadoop</a:t>
+            </a:r>
+            <a:r>
+              <a:rPr lang="en-IN" dirty="0" smtClean="0">
+                <a:solidFill>
+                  <a:schemeClr val="tx1">
+                    <a:lumMod val="50000"/>
+                    <a:lumOff val="50000"/>
+                  </a:schemeClr>
+                </a:solidFill>
+              </a:rPr>
+              <a:t>/</a:t>
+            </a:r>
+            <a:r>
+              <a:rPr lang="en-US" dirty="0" err="1" smtClean="0">
+                <a:solidFill>
+                  <a:schemeClr val="tx1">
+                    <a:lumMod val="50000"/>
+                    <a:lumOff val="50000"/>
+                  </a:schemeClr>
+                </a:solidFill>
+              </a:rPr>
+              <a:t>mapred-</a:t>
+            </a:r>
+            <a:r>
+              <a:rPr lang="en-US" dirty="0" err="1">
+                <a:solidFill>
+                  <a:schemeClr val="tx1">
+                    <a:lumMod val="50000"/>
+                    <a:lumOff val="50000"/>
+                  </a:schemeClr>
+                </a:solidFill>
+              </a:rPr>
+              <a:t>site.xml</a:t>
+            </a:r>
+            <a:endParaRPr lang="en-IN" dirty="0" smtClean="0">
+              <a:solidFill>
+                <a:schemeClr val="tx1">
+                  <a:lumMod val="50000"/>
+                  <a:lumOff val="50000"/>
+                </a:schemeClr>
+              </a:solidFill>
+            </a:endParaRPr>
+          </a:p>
+          <a:p>
+            <a:pPr>
+              <a:lnSpc>
+                <a:spcPct val="100000"/>
+              </a:lnSpc>
+              <a:buSzPct val="45000"/>
+            </a:pPr>
+            <a:endParaRPr lang="en-IN" dirty="0">
+              <a:solidFill>
+                <a:schemeClr val="tx1">
+                  <a:lumMod val="50000"/>
+                  <a:lumOff val="50000"/>
+                </a:schemeClr>
+              </a:solidFill>
+            </a:endParaRPr>
+          </a:p>
+          <a:p>
+            <a:pPr>
+              <a:lnSpc>
+                <a:spcPct val="100000"/>
+              </a:lnSpc>
+              <a:buSzPct val="45000"/>
+            </a:pPr>
+            <a:r>
+              <a:rPr lang="en-IN" dirty="0" smtClean="0">
+                <a:solidFill>
+                  <a:schemeClr val="tx1">
+                    <a:lumMod val="50000"/>
+                    <a:lumOff val="50000"/>
+                  </a:schemeClr>
+                </a:solidFill>
+              </a:rPr>
               <a:t>sudo </a:t>
             </a:r>
             <a:r>
@@ -12613,18 +13832,7 @@
                   </a:schemeClr>
                 </a:solidFill>
               </a:rPr>
-              <a:t>vi /usr/local/hadoop/etc</a:t>
-            </a:r>
-            <a:r>
-              <a:rPr lang="en-IN" dirty="0">
-                <a:solidFill>
-                  <a:schemeClr val="tx1">
-                    <a:lumMod val="50000"/>
-                    <a:lumOff val="50000"/>
-                  </a:schemeClr>
-                </a:solidFill>
-              </a:rPr>
-              <a:t>/hadoop</a:t>
+              <a:t>vi /usr/local/hadoop/etc/hadoop</a:t>
             </a:r>
             <a:r>
               <a:rPr lang="en-IN" dirty="0" smtClean="0">
@@ -12638,15 +13846,15 @@
               <a:t>/</a:t>
             </a:r>
             <a:r>
-              <a:rPr lang="en-US" dirty="0" smtClean="0">
-                <a:solidFill>
-                  <a:schemeClr val="tx1">
-                    <a:lumMod val="50000"/>
-                    <a:lumOff val="50000"/>
-                  </a:schemeClr>
-                </a:solidFill>
-              </a:rPr>
-              <a:t>yarn-</a:t>
+              <a:rPr lang="en-US" dirty="0" err="1">
+                <a:solidFill>
+                  <a:schemeClr val="tx1">
+                    <a:lumMod val="50000"/>
+                    <a:lumOff val="50000"/>
+                  </a:schemeClr>
+                </a:solidFill>
+              </a:rPr>
+              <a:t>mapred-</a:t>
             </a:r>
             <a:r>
               <a:rPr lang="en-US" dirty="0" err="1" smtClean="0">
@@ -12692,39 +13900,6 @@
               <a:buChar char="•"/>
             </a:pPr>
             <a:r>
-              <a:rPr lang="en-US" dirty="0">
-                <a:solidFill>
-                  <a:schemeClr val="tx1">
-                    <a:lumMod val="50000"/>
-                    <a:lumOff val="50000"/>
-                  </a:schemeClr>
-                </a:solidFill>
-              </a:rPr>
-              <a:t>Long running service which executes on Node Manager(s) and provides </a:t>
-            </a:r>
-            <a:r>
-              <a:rPr lang="en-US" dirty="0" err="1">
-                <a:solidFill>
-                  <a:schemeClr val="tx1">
-                    <a:lumMod val="50000"/>
-                    <a:lumOff val="50000"/>
-                  </a:schemeClr>
-                </a:solidFill>
-              </a:rPr>
-              <a:t>MapReduce</a:t>
-            </a:r>
-            <a:r>
-              <a:rPr lang="en-US" dirty="0">
-                <a:solidFill>
-                  <a:schemeClr val="tx1">
-                    <a:lumMod val="50000"/>
-                    <a:lumOff val="50000"/>
-                  </a:schemeClr>
-                </a:solidFill>
-              </a:rPr>
-              <a:t> Sort and Shuffle </a:t>
-            </a:r>
-            <a:r>
               <a:rPr lang="en-US" dirty="0" smtClean="0">
                 <a:solidFill>
                   <a:schemeClr val="tx1">
@@ -12733,11 +13908,19 @@
                   </a:schemeClr>
                 </a:solidFill>
               </a:rPr>
-              <a:t>functionality</a:t>
-            </a:r>
-          </a:p>
-          <a:p>
-            <a:pPr lvl="1"/>
+              <a:t>Here we are telling </a:t>
+            </a:r>
+            <a:r>
+              <a:rPr lang="en-US" dirty="0" err="1" smtClean="0">
+                <a:solidFill>
+                  <a:schemeClr val="tx1">
+                    <a:lumMod val="50000"/>
+                    <a:lumOff val="50000"/>
+                  </a:schemeClr>
+                </a:solidFill>
+              </a:rPr>
+              <a:t>hadoop</a:t>
+            </a:r>
             <a:r>
               <a:rPr lang="en-US" dirty="0" smtClean="0">
                 <a:solidFill>
@@ -12747,18 +13930,18 @@
                   </a:schemeClr>
                 </a:solidFill>
               </a:rPr>
-              <a:t>&lt;</a:t>
-            </a:r>
-            <a:r>
-              <a:rPr lang="en-US" dirty="0">
-                <a:solidFill>
-                  <a:schemeClr val="tx1">
-                    <a:lumMod val="50000"/>
-                    <a:lumOff val="50000"/>
-                  </a:schemeClr>
-                </a:solidFill>
-              </a:rPr>
-              <a:t>property</a:t>
+              <a:t> to use yarn as the </a:t>
+            </a:r>
+            <a:r>
+              <a:rPr lang="en-US" dirty="0" err="1" smtClean="0">
+                <a:solidFill>
+                  <a:schemeClr val="tx1">
+                    <a:lumMod val="50000"/>
+                    <a:lumOff val="50000"/>
+                  </a:schemeClr>
+                </a:solidFill>
+              </a:rPr>
+              <a:t>mapreduce</a:t>
             </a:r>
             <a:r>
               <a:rPr lang="en-US" dirty="0" smtClean="0">
@@ -12769,163 +13952,17 @@
                   </a:schemeClr>
                 </a:solidFill>
               </a:rPr>
-              <a:t>&gt;</a:t>
-            </a:r>
-          </a:p>
-          <a:p>
-            <a:pPr lvl="1"/>
-            <a:r>
-              <a:rPr lang="en-US" dirty="0" smtClean="0">
-                <a:solidFill>
-                  <a:schemeClr val="tx1">
-                    <a:lumMod val="50000"/>
-                    <a:lumOff val="50000"/>
-                  </a:schemeClr>
-                </a:solidFill>
-              </a:rPr>
-              <a:t>&lt;</a:t>
-            </a:r>
-            <a:r>
-              <a:rPr lang="en-US" dirty="0">
-                <a:solidFill>
-                  <a:schemeClr val="tx1">
-                    <a:lumMod val="50000"/>
-                    <a:lumOff val="50000"/>
-                  </a:schemeClr>
-                </a:solidFill>
-              </a:rPr>
-              <a:t>name&gt;</a:t>
-            </a:r>
-            <a:r>
-              <a:rPr lang="en-US" dirty="0" err="1">
-                <a:solidFill>
-                  <a:schemeClr val="tx1">
-                    <a:lumMod val="50000"/>
-                    <a:lumOff val="50000"/>
-                  </a:schemeClr>
-                </a:solidFill>
-              </a:rPr>
-              <a:t>yarn.nodemanager.aux</a:t>
-            </a:r>
-            <a:r>
-              <a:rPr lang="en-US" dirty="0">
-                <a:solidFill>
-                  <a:schemeClr val="tx1">
-                    <a:lumMod val="50000"/>
-                    <a:lumOff val="50000"/>
-                  </a:schemeClr>
-                </a:solidFill>
-              </a:rPr>
-              <a:t>-services&lt;/name</a:t>
-            </a:r>
-            <a:r>
-              <a:rPr lang="en-US" dirty="0" smtClean="0">
-                <a:solidFill>
-                  <a:schemeClr val="tx1">
-                    <a:lumMod val="50000"/>
-                    <a:lumOff val="50000"/>
-                  </a:schemeClr>
-                </a:solidFill>
-              </a:rPr>
-              <a:t>&gt;</a:t>
-            </a:r>
-          </a:p>
-          <a:p>
-            <a:pPr lvl="1"/>
-            <a:r>
-              <a:rPr lang="en-US" dirty="0" smtClean="0">
-                <a:solidFill>
-                  <a:schemeClr val="tx1">
-                    <a:lumMod val="50000"/>
-                    <a:lumOff val="50000"/>
-                  </a:schemeClr>
-                </a:solidFill>
-              </a:rPr>
-              <a:t>&lt;</a:t>
-            </a:r>
-            <a:r>
-              <a:rPr lang="en-US" dirty="0">
-                <a:solidFill>
-                  <a:schemeClr val="tx1">
-                    <a:lumMod val="50000"/>
-                    <a:lumOff val="50000"/>
-                  </a:schemeClr>
-                </a:solidFill>
-              </a:rPr>
-              <a:t>value&gt;</a:t>
-            </a:r>
-            <a:r>
-              <a:rPr lang="en-US" dirty="0" err="1">
-                <a:solidFill>
-                  <a:schemeClr val="tx1">
-                    <a:lumMod val="50000"/>
-                    <a:lumOff val="50000"/>
-                  </a:schemeClr>
-                </a:solidFill>
-              </a:rPr>
-              <a:t>mapreduce_shuffle</a:t>
-            </a:r>
-            <a:r>
-              <a:rPr lang="en-US" dirty="0">
-                <a:solidFill>
-                  <a:schemeClr val="tx1">
-                    <a:lumMod val="50000"/>
-                    <a:lumOff val="50000"/>
-                  </a:schemeClr>
-                </a:solidFill>
-              </a:rPr>
-              <a:t>&lt;/value</a:t>
-            </a:r>
-            <a:r>
-              <a:rPr lang="en-US" dirty="0" smtClean="0">
-                <a:solidFill>
-                  <a:schemeClr val="tx1">
-                    <a:lumMod val="50000"/>
-                    <a:lumOff val="50000"/>
-                  </a:schemeClr>
-                </a:solidFill>
-              </a:rPr>
-              <a:t>&gt;</a:t>
-            </a:r>
-          </a:p>
-          <a:p>
-            <a:pPr lvl="1"/>
-            <a:r>
-              <a:rPr lang="en-US" dirty="0" smtClean="0">
-                <a:solidFill>
-                  <a:schemeClr val="tx1">
-                    <a:lumMod val="50000"/>
-                    <a:lumOff val="50000"/>
-                  </a:schemeClr>
-                </a:solidFill>
-              </a:rPr>
-              <a:t>&lt;</a:t>
-            </a:r>
-            <a:r>
-              <a:rPr lang="en-US" dirty="0">
-                <a:solidFill>
-                  <a:schemeClr val="tx1">
-                    <a:lumMod val="50000"/>
-                    <a:lumOff val="50000"/>
-                  </a:schemeClr>
-                </a:solidFill>
-              </a:rPr>
-              <a:t>/property</a:t>
-            </a:r>
-            <a:r>
-              <a:rPr lang="en-US" dirty="0" smtClean="0">
-                <a:solidFill>
-                  <a:schemeClr val="tx1">
-                    <a:lumMod val="50000"/>
-                    <a:lumOff val="50000"/>
-                  </a:schemeClr>
-                </a:solidFill>
-              </a:rPr>
-              <a:t>&gt;</a:t>
-            </a:r>
-          </a:p>
-          <a:p>
-            <a:pPr lvl="1"/>
+              <a:t> framework</a:t>
+            </a:r>
+          </a:p>
+          <a:p>
+            <a:pPr marL="285750" indent="-285750">
+              <a:lnSpc>
+                <a:spcPct val="100000"/>
+              </a:lnSpc>
+              <a:buFont typeface="Arial"/>
+              <a:buChar char="•"/>
+            </a:pPr>
             <a:endParaRPr lang="en-US" dirty="0" smtClean="0">
               <a:solidFill>
                 <a:schemeClr val="tx1">
@@ -12936,10 +13973,7 @@
             </a:endParaRPr>
           </a:p>
           <a:p>
-            <a:pPr marL="285750" indent="-285750">
-              <a:buFont typeface="Arial"/>
-              <a:buChar char="•"/>
-            </a:pPr>
+            <a:pPr lvl="1"/>
             <a:r>
               <a:rPr lang="en-US" dirty="0">
                 <a:solidFill>
@@ -12949,7 +13983,43 @@
                   </a:schemeClr>
                 </a:solidFill>
               </a:rPr>
-              <a:t>Enable log aggregation so application logs are moved onto </a:t>
+              <a:t>﻿﻿&lt;configuration</a:t>
+            </a:r>
+            <a:r>
+              <a:rPr lang="en-US" dirty="0" smtClean="0">
+                <a:solidFill>
+                  <a:schemeClr val="tx1">
+                    <a:lumMod val="50000"/>
+                    <a:lumOff val="50000"/>
+                  </a:schemeClr>
+                </a:solidFill>
+              </a:rPr>
+              <a:t>&gt;</a:t>
+            </a:r>
+          </a:p>
+          <a:p>
+            <a:pPr lvl="1"/>
+            <a:r>
+              <a:rPr lang="en-US" dirty="0" smtClean="0">
+                <a:solidFill>
+                  <a:schemeClr val="tx1">
+                    <a:lumMod val="50000"/>
+                    <a:lumOff val="50000"/>
+                  </a:schemeClr>
+                </a:solidFill>
+              </a:rPr>
+              <a:t>&lt;</a:t>
+            </a:r>
+            <a:r>
+              <a:rPr lang="en-US" dirty="0">
+                <a:solidFill>
+                  <a:schemeClr val="tx1">
+                    <a:lumMod val="50000"/>
+                    <a:lumOff val="50000"/>
+                  </a:schemeClr>
+                </a:solidFill>
+              </a:rPr>
+              <a:t>property&gt;&lt;name&gt;</a:t>
             </a:r>
             <a:r>
               <a:rPr lang="en-US" dirty="0" err="1">
@@ -12960,7 +14030,7 @@
                   </a:schemeClr>
                 </a:solidFill>
               </a:rPr>
-              <a:t>hdfs</a:t>
+              <a:t>mapreduce.framework.name</a:t>
             </a:r>
             <a:r>
               <a:rPr lang="en-US" dirty="0">
@@ -12971,7 +14041,18 @@
                   </a:schemeClr>
                 </a:solidFill>
               </a:rPr>
-              <a:t> </a:t>
+              <a:t>&lt;/name</a:t>
+            </a:r>
+            <a:r>
+              <a:rPr lang="en-US" dirty="0" smtClean="0">
+                <a:solidFill>
+                  <a:schemeClr val="tx1">
+                    <a:lumMod val="50000"/>
+                    <a:lumOff val="50000"/>
+                  </a:schemeClr>
+                </a:solidFill>
+              </a:rPr>
+              <a:t>&gt;</a:t>
             </a:r>
           </a:p>
           <a:p>
@@ -12996,7 +14077,7 @@
                   </a:schemeClr>
                 </a:solidFill>
               </a:rPr>
-              <a:t>property</a:t>
+              <a:t>value&gt;yarn&lt;/value</a:t>
             </a:r>
             <a:r>
               <a:rPr lang="en-US" dirty="0" smtClean="0">
@@ -13032,116 +14113,8 @@
                   </a:schemeClr>
                 </a:solidFill>
               </a:rPr>
-              <a:t>name&gt;</a:t>
-            </a:r>
-            <a:r>
-              <a:rPr lang="en-US" dirty="0" err="1">
-                <a:solidFill>
-                  <a:schemeClr val="tx1">
-                    <a:lumMod val="50000"/>
-                    <a:lumOff val="50000"/>
-                  </a:schemeClr>
-                </a:solidFill>
-              </a:rPr>
-              <a:t>yarn.log</a:t>
-            </a:r>
-            <a:r>
-              <a:rPr lang="en-US" dirty="0">
-                <a:solidFill>
-                  <a:schemeClr val="tx1">
-                    <a:lumMod val="50000"/>
-                    <a:lumOff val="50000"/>
-                  </a:schemeClr>
-                </a:solidFill>
-              </a:rPr>
-              <a:t>-aggregation-enable&lt;/name</a:t>
-            </a:r>
-            <a:r>
-              <a:rPr lang="en-US" dirty="0" smtClean="0">
-                <a:solidFill>
-                  <a:schemeClr val="tx1">
-                    <a:lumMod val="50000"/>
-                    <a:lumOff val="50000"/>
-                  </a:schemeClr>
-                </a:solidFill>
-              </a:rPr>
-              <a:t>&gt;</a:t>
-            </a:r>
-          </a:p>
-          <a:p>
-            <a:pPr lvl="1"/>
-            <a:r>
-              <a:rPr lang="en-US" dirty="0" smtClean="0">
-                <a:solidFill>
-                  <a:schemeClr val="tx1">
-                    <a:lumMod val="50000"/>
-                    <a:lumOff val="50000"/>
-                  </a:schemeClr>
-                </a:solidFill>
-              </a:rPr>
-              <a:t>&lt;</a:t>
-            </a:r>
-            <a:r>
-              <a:rPr lang="en-US" dirty="0">
-                <a:solidFill>
-                  <a:schemeClr val="tx1">
-                    <a:lumMod val="50000"/>
-                    <a:lumOff val="50000"/>
-                  </a:schemeClr>
-                </a:solidFill>
-              </a:rPr>
-              <a:t>value&gt;true&lt;/value</a:t>
-            </a:r>
-            <a:r>
-              <a:rPr lang="en-US" dirty="0" smtClean="0">
-                <a:solidFill>
-                  <a:schemeClr val="tx1">
-                    <a:lumMod val="50000"/>
-                    <a:lumOff val="50000"/>
-                  </a:schemeClr>
-                </a:solidFill>
-              </a:rPr>
-              <a:t>&gt;</a:t>
-            </a:r>
-          </a:p>
-          <a:p>
-            <a:pPr lvl="1"/>
-            <a:r>
-              <a:rPr lang="en-US" dirty="0" smtClean="0">
-                <a:solidFill>
-                  <a:schemeClr val="tx1">
-                    <a:lumMod val="50000"/>
-                    <a:lumOff val="50000"/>
-                  </a:schemeClr>
-                </a:solidFill>
-              </a:rPr>
-              <a:t>&lt;</a:t>
-            </a:r>
-            <a:r>
-              <a:rPr lang="en-US" dirty="0">
-                <a:solidFill>
-                  <a:schemeClr val="tx1">
-                    <a:lumMod val="50000"/>
-                    <a:lumOff val="50000"/>
-                  </a:schemeClr>
-                </a:solidFill>
-              </a:rPr>
-              <a:t>/property</a:t>
-            </a:r>
-            <a:r>
-              <a:rPr lang="en-US" dirty="0" smtClean="0">
-                <a:solidFill>
-                  <a:schemeClr val="tx1">
-                    <a:lumMod val="50000"/>
-                    <a:lumOff val="50000"/>
-                  </a:schemeClr>
-                </a:solidFill>
-              </a:rPr>
-              <a:t>&gt;</a:t>
-            </a:r>
-          </a:p>
-          <a:p>
-            <a:pPr lvl="1"/>
+              <a:t>/property&gt;</a:t>
+            </a:r>
             <a:endParaRPr lang="en-US" dirty="0" smtClean="0">
               <a:solidFill>
                 <a:schemeClr val="tx1">
@@ -13151,203 +14124,12 @@
               </a:solidFill>
             </a:endParaRPr>
           </a:p>
-          <a:p>
-            <a:pPr marL="285750" indent="-285750">
-              <a:buFont typeface="Arial"/>
-              <a:buChar char="•"/>
-            </a:pPr>
-            <a:r>
-              <a:rPr lang="en-US" dirty="0" err="1" smtClean="0">
-                <a:solidFill>
-                  <a:schemeClr val="tx1">
-                    <a:lumMod val="50000"/>
-                    <a:lumOff val="50000"/>
-                  </a:schemeClr>
-                </a:solidFill>
-              </a:rPr>
-              <a:t>url</a:t>
-            </a:r>
-            <a:r>
-              <a:rPr lang="en-US" dirty="0" smtClean="0">
-                <a:solidFill>
-                  <a:schemeClr val="tx1">
-                    <a:lumMod val="50000"/>
-                    <a:lumOff val="50000"/>
-                  </a:schemeClr>
-                </a:solidFill>
-              </a:rPr>
-              <a:t> for yarn</a:t>
-            </a:r>
-          </a:p>
-          <a:p>
-            <a:pPr lvl="1"/>
-            <a:r>
-              <a:rPr lang="en-US" dirty="0" smtClean="0">
-                <a:solidFill>
-                  <a:schemeClr val="tx1">
-                    <a:lumMod val="50000"/>
-                    <a:lumOff val="50000"/>
-                  </a:schemeClr>
-                </a:solidFill>
-              </a:rPr>
-              <a:t>&lt;</a:t>
-            </a:r>
-            <a:r>
-              <a:rPr lang="en-US" dirty="0">
-                <a:solidFill>
-                  <a:schemeClr val="tx1">
-                    <a:lumMod val="50000"/>
-                    <a:lumOff val="50000"/>
-                  </a:schemeClr>
-                </a:solidFill>
-              </a:rPr>
-              <a:t>property</a:t>
-            </a:r>
-            <a:r>
-              <a:rPr lang="en-US" dirty="0" smtClean="0">
-                <a:solidFill>
-                  <a:schemeClr val="tx1">
-                    <a:lumMod val="50000"/>
-                    <a:lumOff val="50000"/>
-                  </a:schemeClr>
-                </a:solidFill>
-              </a:rPr>
-              <a:t>&gt;</a:t>
-            </a:r>
-          </a:p>
-          <a:p>
-            <a:pPr lvl="1"/>
-            <a:r>
-              <a:rPr lang="en-US" dirty="0" smtClean="0">
-                <a:solidFill>
-                  <a:schemeClr val="tx1">
-                    <a:lumMod val="50000"/>
-                    <a:lumOff val="50000"/>
-                  </a:schemeClr>
-                </a:solidFill>
-              </a:rPr>
-              <a:t>&lt;</a:t>
-            </a:r>
-            <a:r>
-              <a:rPr lang="en-US" dirty="0">
-                <a:solidFill>
-                  <a:schemeClr val="tx1">
-                    <a:lumMod val="50000"/>
-                    <a:lumOff val="50000"/>
-                  </a:schemeClr>
-                </a:solidFill>
-              </a:rPr>
-              <a:t>name&gt;</a:t>
-            </a:r>
-            <a:r>
-              <a:rPr lang="en-US" dirty="0" err="1">
-                <a:solidFill>
-                  <a:schemeClr val="tx1">
-                    <a:lumMod val="50000"/>
-                    <a:lumOff val="50000"/>
-                  </a:schemeClr>
-                </a:solidFill>
-              </a:rPr>
-              <a:t>yarn.resourcemanager.scheduler.address</a:t>
-            </a:r>
-            <a:r>
-              <a:rPr lang="en-US" dirty="0">
-                <a:solidFill>
-                  <a:schemeClr val="tx1">
-                    <a:lumMod val="50000"/>
-                    <a:lumOff val="50000"/>
-                  </a:schemeClr>
-                </a:solidFill>
-              </a:rPr>
-              <a:t>&lt;/name</a:t>
-            </a:r>
-            <a:r>
-              <a:rPr lang="en-US" dirty="0" smtClean="0">
-                <a:solidFill>
-                  <a:schemeClr val="tx1">
-                    <a:lumMod val="50000"/>
-                    <a:lumOff val="50000"/>
-                  </a:schemeClr>
-                </a:solidFill>
-              </a:rPr>
-              <a:t>&gt;</a:t>
-            </a:r>
-          </a:p>
-          <a:p>
-            <a:pPr lvl="1"/>
-            <a:r>
-              <a:rPr lang="en-US" dirty="0" smtClean="0">
-                <a:solidFill>
-                  <a:schemeClr val="tx1">
-                    <a:lumMod val="50000"/>
-                    <a:lumOff val="50000"/>
-                  </a:schemeClr>
-                </a:solidFill>
-              </a:rPr>
-              <a:t>&lt;</a:t>
-            </a:r>
-            <a:r>
-              <a:rPr lang="en-US" dirty="0">
-                <a:solidFill>
-                  <a:schemeClr val="tx1">
-                    <a:lumMod val="50000"/>
-                    <a:lumOff val="50000"/>
-                  </a:schemeClr>
-                </a:solidFill>
-              </a:rPr>
-              <a:t>value&gt;namenode1:8030&lt;/value</a:t>
-            </a:r>
-            <a:r>
-              <a:rPr lang="en-US" dirty="0" smtClean="0">
-                <a:solidFill>
-                  <a:schemeClr val="tx1">
-                    <a:lumMod val="50000"/>
-                    <a:lumOff val="50000"/>
-                  </a:schemeClr>
-                </a:solidFill>
-              </a:rPr>
-              <a:t>&gt;</a:t>
-            </a:r>
-          </a:p>
-          <a:p>
-            <a:pPr lvl="1"/>
-            <a:r>
-              <a:rPr lang="en-US" dirty="0" smtClean="0">
-                <a:solidFill>
-                  <a:schemeClr val="tx1">
-                    <a:lumMod val="50000"/>
-                    <a:lumOff val="50000"/>
-                  </a:schemeClr>
-                </a:solidFill>
-              </a:rPr>
-              <a:t>&lt;</a:t>
-            </a:r>
-            <a:r>
-              <a:rPr lang="en-US" dirty="0">
-                <a:solidFill>
-                  <a:schemeClr val="tx1">
-                    <a:lumMod val="50000"/>
-                    <a:lumOff val="50000"/>
-                  </a:schemeClr>
-                </a:solidFill>
-              </a:rPr>
-              <a:t>/property&gt;</a:t>
-            </a:r>
-            <a:endParaRPr lang="en-US" dirty="0" smtClean="0">
-              <a:solidFill>
-                <a:schemeClr val="tx1">
-                  <a:lumMod val="50000"/>
-                  <a:lumOff val="50000"/>
-                </a:schemeClr>
-              </a:solidFill>
-            </a:endParaRPr>
-          </a:p>
         </p:txBody>
       </p:sp>
     </p:spTree>
     <p:extLst>
       <p:ext uri="{BB962C8B-B14F-4D97-AF65-F5344CB8AC3E}">
-        <p14:creationId xmlns:p14="http://schemas.microsoft.com/office/powerpoint/2010/main" val="1072889488"/>
+        <p14:creationId xmlns:p14="http://schemas.microsoft.com/office/powerpoint/2010/main" val="498431162"/>
       </p:ext>
     </p:extLst>
   </p:cSld>
@@ -13410,7 +14192,7 @@
         <p:spPr>
           <a:xfrm>
             <a:off x="504000" y="301320"/>
-            <a:ext cx="9070560" cy="636080"/>
+            <a:ext cx="9070560" cy="1261080"/>
           </a:xfrm>
           <a:prstGeom prst="rect">
             <a:avLst/>
@@ -13439,13 +14221,7 @@
               <a:rPr lang="en-IN" sz="4400" dirty="0" smtClean="0">
                 <a:latin typeface="Arial"/>
               </a:rPr>
-              <a:t>yarn-site.xml cont</a:t>
-            </a:r>
-            <a:r>
-              <a:rPr lang="is-IS" sz="4400" dirty="0" smtClean="0">
-                <a:latin typeface="Arial"/>
-              </a:rPr>
-              <a:t>…</a:t>
+              <a:t>yarn-site.xml</a:t>
             </a:r>
             <a:endParaRPr dirty="0"/>
           </a:p>
@@ -13459,8 +14235,8 @@
         </p:nvSpPr>
         <p:spPr>
           <a:xfrm>
-            <a:off x="504000" y="1149071"/>
-            <a:ext cx="9070560" cy="5866308"/>
+            <a:off x="504000" y="1451459"/>
+            <a:ext cx="9070560" cy="5563920"/>
           </a:xfrm>
           <a:prstGeom prst="rect">
             <a:avLst/>
@@ -13500,18 +14276,7 @@
                   </a:schemeClr>
                 </a:solidFill>
               </a:rPr>
-              <a:t>vi /usr/local/hadoop/etc</a:t>
-            </a:r>
-            <a:r>
-              <a:rPr lang="en-IN" dirty="0">
-                <a:solidFill>
-                  <a:schemeClr val="tx1">
-                    <a:lumMod val="50000"/>
-                    <a:lumOff val="50000"/>
-                  </a:schemeClr>
-                </a:solidFill>
-              </a:rPr>
-              <a:t>/hadoop</a:t>
+              <a:t>vi /usr/local/hadoop/etc/hadoop</a:t>
             </a:r>
             <a:r>
               <a:rPr lang="en-IN" dirty="0" smtClean="0">
@@ -13579,6 +14344,39 @@
               <a:buChar char="•"/>
             </a:pPr>
             <a:r>
+              <a:rPr lang="en-US" dirty="0">
+                <a:solidFill>
+                  <a:schemeClr val="tx1">
+                    <a:lumMod val="50000"/>
+                    <a:lumOff val="50000"/>
+                  </a:schemeClr>
+                </a:solidFill>
+              </a:rPr>
+              <a:t>Long running service which executes on Node Manager(s) and provides </a:t>
+            </a:r>
+            <a:r>
+              <a:rPr lang="en-US" dirty="0" err="1">
+                <a:solidFill>
+                  <a:schemeClr val="tx1">
+                    <a:lumMod val="50000"/>
+                    <a:lumOff val="50000"/>
+                  </a:schemeClr>
+                </a:solidFill>
+              </a:rPr>
+              <a:t>MapReduce</a:t>
+            </a:r>
+            <a:r>
+              <a:rPr lang="en-US" dirty="0">
+                <a:solidFill>
+                  <a:schemeClr val="tx1">
+                    <a:lumMod val="50000"/>
+                    <a:lumOff val="50000"/>
+                  </a:schemeClr>
+                </a:solidFill>
+              </a:rPr>
+              <a:t> Sort and Shuffle </a:t>
+            </a:r>
+            <a:r>
               <a:rPr lang="en-US" dirty="0" smtClean="0">
                 <a:solidFill>
                   <a:schemeClr val="tx1">
@@ -13587,12 +14385,23 @@
                   </a:schemeClr>
                 </a:solidFill>
               </a:rPr>
-              <a:t>Few port numbers with the services they hold</a:t>
+              <a:t>functionality</a:t>
             </a:r>
           </a:p>
           <a:p>
             <a:pPr lvl="1"/>
             <a:r>
+              <a:rPr lang="en-US" dirty="0" smtClean="0">
+                <a:solidFill>
+                  <a:schemeClr val="tx1">
+                    <a:lumMod val="50000"/>
+                    <a:lumOff val="50000"/>
+                  </a:schemeClr>
+                </a:solidFill>
+              </a:rPr>
+              <a:t>&lt;</a:t>
+            </a:r>
+            <a:r>
               <a:rPr lang="en-US" dirty="0">
                 <a:solidFill>
                   <a:schemeClr val="tx1">
@@ -13601,7 +14410,7 @@
                   </a:schemeClr>
                 </a:solidFill>
               </a:rPr>
-              <a:t>﻿&lt;property</a:t>
+              <a:t>property</a:t>
             </a:r>
             <a:r>
               <a:rPr lang="en-US" dirty="0" smtClean="0">
@@ -13648,7 +14457,7 @@
                   </a:schemeClr>
                 </a:solidFill>
               </a:rPr>
-              <a:t>yarn.resourcemanager.resource-tracker.address</a:t>
+              <a:t>yarn.nodemanager.aux</a:t>
             </a:r>
             <a:r>
               <a:rPr lang="en-US" dirty="0">
@@ -13659,7 +14468,7 @@
                   </a:schemeClr>
                 </a:solidFill>
               </a:rPr>
-              <a:t>&lt;/name</a:t>
+              <a:t>-services&lt;/name</a:t>
             </a:r>
             <a:r>
               <a:rPr lang="en-US" dirty="0" smtClean="0">
@@ -13695,7 +14504,29 @@
                   </a:schemeClr>
                 </a:solidFill>
               </a:rPr>
-              <a:t>value&gt;namenode1:8025&lt;/value</a:t>
+              <a:t>value&gt;</a:t>
+            </a:r>
+            <a:r>
+              <a:rPr lang="en-US" dirty="0" err="1">
+                <a:solidFill>
+                  <a:schemeClr val="tx1">
+                    <a:lumMod val="50000"/>
+                    <a:lumOff val="50000"/>
+                  </a:schemeClr>
+                </a:solidFill>
+              </a:rPr>
+              <a:t>mapreduce_shuffle</a:t>
+            </a:r>
+            <a:r>
+              <a:rPr lang="en-US" dirty="0">
+                <a:solidFill>
+                  <a:schemeClr val="tx1">
+                    <a:lumMod val="50000"/>
+                    <a:lumOff val="50000"/>
+                  </a:schemeClr>
+                </a:solidFill>
+              </a:rPr>
+              <a:t>&lt;/value</a:t>
             </a:r>
             <a:r>
               <a:rPr lang="en-US" dirty="0" smtClean="0">
@@ -13744,509 +14575,9 @@
               </a:rPr>
               <a:t>&gt;</a:t>
             </a:r>
-            <a:endParaRPr lang="en-US" dirty="0">
-              <a:solidFill>
-                <a:schemeClr val="tx1">
-                  <a:lumMod val="50000"/>
-                  <a:lumOff val="50000"/>
-                </a:schemeClr>
-              </a:solidFill>
-            </a:endParaRPr>
           </a:p>
           <a:p>
             <a:pPr lvl="1"/>
-            <a:r>
-              <a:rPr lang="en-US" dirty="0" smtClean="0">
-                <a:solidFill>
-                  <a:schemeClr val="tx1">
-                    <a:lumMod val="50000"/>
-                    <a:lumOff val="50000"/>
-                  </a:schemeClr>
-                </a:solidFill>
-              </a:rPr>
-              <a:t>&lt;</a:t>
-            </a:r>
-            <a:r>
-              <a:rPr lang="en-US" dirty="0">
-                <a:solidFill>
-                  <a:schemeClr val="tx1">
-                    <a:lumMod val="50000"/>
-                    <a:lumOff val="50000"/>
-                  </a:schemeClr>
-                </a:solidFill>
-              </a:rPr>
-              <a:t>property</a:t>
-            </a:r>
-            <a:r>
-              <a:rPr lang="en-US" dirty="0" smtClean="0">
-                <a:solidFill>
-                  <a:schemeClr val="tx1">
-                    <a:lumMod val="50000"/>
-                    <a:lumOff val="50000"/>
-                  </a:schemeClr>
-                </a:solidFill>
-              </a:rPr>
-              <a:t>&gt;</a:t>
-            </a:r>
-          </a:p>
-          <a:p>
-            <a:pPr lvl="1"/>
-            <a:r>
-              <a:rPr lang="en-US" dirty="0" smtClean="0">
-                <a:solidFill>
-                  <a:schemeClr val="tx1">
-                    <a:lumMod val="50000"/>
-                    <a:lumOff val="50000"/>
-                  </a:schemeClr>
-                </a:solidFill>
-              </a:rPr>
-              <a:t>&lt;</a:t>
-            </a:r>
-            <a:r>
-              <a:rPr lang="en-US" dirty="0">
-                <a:solidFill>
-                  <a:schemeClr val="tx1">
-                    <a:lumMod val="50000"/>
-                    <a:lumOff val="50000"/>
-                  </a:schemeClr>
-                </a:solidFill>
-              </a:rPr>
-              <a:t>name&gt;</a:t>
-            </a:r>
-            <a:r>
-              <a:rPr lang="en-US" dirty="0" err="1">
-                <a:solidFill>
-                  <a:schemeClr val="tx1">
-                    <a:lumMod val="50000"/>
-                    <a:lumOff val="50000"/>
-                  </a:schemeClr>
-                </a:solidFill>
-              </a:rPr>
-              <a:t>yarn.resourcemanager.address</a:t>
-            </a:r>
-            <a:r>
-              <a:rPr lang="en-US" dirty="0">
-                <a:solidFill>
-                  <a:schemeClr val="tx1">
-                    <a:lumMod val="50000"/>
-                    <a:lumOff val="50000"/>
-                  </a:schemeClr>
-                </a:solidFill>
-              </a:rPr>
-              <a:t>&lt;/name</a:t>
-            </a:r>
-            <a:r>
-              <a:rPr lang="en-US" dirty="0" smtClean="0">
-                <a:solidFill>
-                  <a:schemeClr val="tx1">
-                    <a:lumMod val="50000"/>
-                    <a:lumOff val="50000"/>
-                  </a:schemeClr>
-                </a:solidFill>
-              </a:rPr>
-              <a:t>&gt;</a:t>
-            </a:r>
-          </a:p>
-          <a:p>
-            <a:pPr lvl="1"/>
-            <a:r>
-              <a:rPr lang="en-US" dirty="0" smtClean="0">
-                <a:solidFill>
-                  <a:schemeClr val="tx1">
-                    <a:lumMod val="50000"/>
-                    <a:lumOff val="50000"/>
-                  </a:schemeClr>
-                </a:solidFill>
-              </a:rPr>
-              <a:t>&lt;</a:t>
-            </a:r>
-            <a:r>
-              <a:rPr lang="en-US" dirty="0">
-                <a:solidFill>
-                  <a:schemeClr val="tx1">
-                    <a:lumMod val="50000"/>
-                    <a:lumOff val="50000"/>
-                  </a:schemeClr>
-                </a:solidFill>
-              </a:rPr>
-              <a:t>value&gt;namenode1:8050&lt;/value</a:t>
-            </a:r>
-            <a:r>
-              <a:rPr lang="en-US" dirty="0" smtClean="0">
-                <a:solidFill>
-                  <a:schemeClr val="tx1">
-                    <a:lumMod val="50000"/>
-                    <a:lumOff val="50000"/>
-                  </a:schemeClr>
-                </a:solidFill>
-              </a:rPr>
-              <a:t>&gt;</a:t>
-            </a:r>
-          </a:p>
-          <a:p>
-            <a:pPr lvl="1"/>
-            <a:r>
-              <a:rPr lang="en-US" dirty="0" smtClean="0">
-                <a:solidFill>
-                  <a:schemeClr val="tx1">
-                    <a:lumMod val="50000"/>
-                    <a:lumOff val="50000"/>
-                  </a:schemeClr>
-                </a:solidFill>
-              </a:rPr>
-              <a:t>&lt;</a:t>
-            </a:r>
-            <a:r>
-              <a:rPr lang="en-US" dirty="0">
-                <a:solidFill>
-                  <a:schemeClr val="tx1">
-                    <a:lumMod val="50000"/>
-                    <a:lumOff val="50000"/>
-                  </a:schemeClr>
-                </a:solidFill>
-              </a:rPr>
-              <a:t>/property</a:t>
-            </a:r>
-            <a:r>
-              <a:rPr lang="en-US" dirty="0" smtClean="0">
-                <a:solidFill>
-                  <a:schemeClr val="tx1">
-                    <a:lumMod val="50000"/>
-                    <a:lumOff val="50000"/>
-                  </a:schemeClr>
-                </a:solidFill>
-              </a:rPr>
-              <a:t>&gt;</a:t>
-            </a:r>
-            <a:endParaRPr lang="en-US" dirty="0">
-              <a:solidFill>
-                <a:schemeClr val="tx1">
-                  <a:lumMod val="50000"/>
-                  <a:lumOff val="50000"/>
-                </a:schemeClr>
-              </a:solidFill>
-            </a:endParaRPr>
-          </a:p>
-          <a:p>
-            <a:pPr lvl="1"/>
-            <a:r>
-              <a:rPr lang="en-US" dirty="0" smtClean="0">
-                <a:solidFill>
-                  <a:schemeClr val="tx1">
-                    <a:lumMod val="50000"/>
-                    <a:lumOff val="50000"/>
-                  </a:schemeClr>
-                </a:solidFill>
-              </a:rPr>
-              <a:t>&lt;</a:t>
-            </a:r>
-            <a:r>
-              <a:rPr lang="en-US" dirty="0">
-                <a:solidFill>
-                  <a:schemeClr val="tx1">
-                    <a:lumMod val="50000"/>
-                    <a:lumOff val="50000"/>
-                  </a:schemeClr>
-                </a:solidFill>
-              </a:rPr>
-              <a:t>property</a:t>
-            </a:r>
-            <a:r>
-              <a:rPr lang="en-US" dirty="0" smtClean="0">
-                <a:solidFill>
-                  <a:schemeClr val="tx1">
-                    <a:lumMod val="50000"/>
-                    <a:lumOff val="50000"/>
-                  </a:schemeClr>
-                </a:solidFill>
-              </a:rPr>
-              <a:t>&gt;</a:t>
-            </a:r>
-          </a:p>
-          <a:p>
-            <a:pPr lvl="1"/>
-            <a:r>
-              <a:rPr lang="en-US" dirty="0" smtClean="0">
-                <a:solidFill>
-                  <a:schemeClr val="tx1">
-                    <a:lumMod val="50000"/>
-                    <a:lumOff val="50000"/>
-                  </a:schemeClr>
-                </a:solidFill>
-              </a:rPr>
-              <a:t>&lt;</a:t>
-            </a:r>
-            <a:r>
-              <a:rPr lang="en-US" dirty="0">
-                <a:solidFill>
-                  <a:schemeClr val="tx1">
-                    <a:lumMod val="50000"/>
-                    <a:lumOff val="50000"/>
-                  </a:schemeClr>
-                </a:solidFill>
-              </a:rPr>
-              <a:t>name&gt;</a:t>
-            </a:r>
-            <a:r>
-              <a:rPr lang="en-US" dirty="0" err="1">
-                <a:solidFill>
-                  <a:schemeClr val="tx1">
-                    <a:lumMod val="50000"/>
-                    <a:lumOff val="50000"/>
-                  </a:schemeClr>
-                </a:solidFill>
-              </a:rPr>
-              <a:t>yarn.resourcemanager.admin.address</a:t>
-            </a:r>
-            <a:r>
-              <a:rPr lang="en-US" dirty="0">
-                <a:solidFill>
-                  <a:schemeClr val="tx1">
-                    <a:lumMod val="50000"/>
-                    <a:lumOff val="50000"/>
-                  </a:schemeClr>
-                </a:solidFill>
-              </a:rPr>
-              <a:t>&lt;/name</a:t>
-            </a:r>
-            <a:r>
-              <a:rPr lang="en-US" dirty="0" smtClean="0">
-                <a:solidFill>
-                  <a:schemeClr val="tx1">
-                    <a:lumMod val="50000"/>
-                    <a:lumOff val="50000"/>
-                  </a:schemeClr>
-                </a:solidFill>
-              </a:rPr>
-              <a:t>&gt;</a:t>
-            </a:r>
-          </a:p>
-          <a:p>
-            <a:pPr lvl="1"/>
-            <a:r>
-              <a:rPr lang="en-US" dirty="0" smtClean="0">
-                <a:solidFill>
-                  <a:schemeClr val="tx1">
-                    <a:lumMod val="50000"/>
-                    <a:lumOff val="50000"/>
-                  </a:schemeClr>
-                </a:solidFill>
-              </a:rPr>
-              <a:t>&lt;</a:t>
-            </a:r>
-            <a:r>
-              <a:rPr lang="en-US" dirty="0">
-                <a:solidFill>
-                  <a:schemeClr val="tx1">
-                    <a:lumMod val="50000"/>
-                    <a:lumOff val="50000"/>
-                  </a:schemeClr>
-                </a:solidFill>
-              </a:rPr>
-              <a:t>value&gt;namenode1:8033&lt;/value</a:t>
-            </a:r>
-            <a:r>
-              <a:rPr lang="en-US" dirty="0" smtClean="0">
-                <a:solidFill>
-                  <a:schemeClr val="tx1">
-                    <a:lumMod val="50000"/>
-                    <a:lumOff val="50000"/>
-                  </a:schemeClr>
-                </a:solidFill>
-              </a:rPr>
-              <a:t>&gt;</a:t>
-            </a:r>
-          </a:p>
-          <a:p>
-            <a:pPr lvl="1"/>
-            <a:r>
-              <a:rPr lang="en-US" dirty="0" smtClean="0">
-                <a:solidFill>
-                  <a:schemeClr val="tx1">
-                    <a:lumMod val="50000"/>
-                    <a:lumOff val="50000"/>
-                  </a:schemeClr>
-                </a:solidFill>
-              </a:rPr>
-              <a:t>&lt;</a:t>
-            </a:r>
-            <a:r>
-              <a:rPr lang="en-US" dirty="0">
-                <a:solidFill>
-                  <a:schemeClr val="tx1">
-                    <a:lumMod val="50000"/>
-                    <a:lumOff val="50000"/>
-                  </a:schemeClr>
-                </a:solidFill>
-              </a:rPr>
-              <a:t>/property</a:t>
-            </a:r>
-            <a:r>
-              <a:rPr lang="en-US" dirty="0" smtClean="0">
-                <a:solidFill>
-                  <a:schemeClr val="tx1">
-                    <a:lumMod val="50000"/>
-                    <a:lumOff val="50000"/>
-                  </a:schemeClr>
-                </a:solidFill>
-              </a:rPr>
-              <a:t>&gt;</a:t>
-            </a:r>
-          </a:p>
-          <a:p>
-            <a:pPr lvl="1"/>
-            <a:r>
-              <a:rPr lang="en-US" dirty="0" smtClean="0">
-                <a:solidFill>
-                  <a:schemeClr val="tx1">
-                    <a:lumMod val="50000"/>
-                    <a:lumOff val="50000"/>
-                  </a:schemeClr>
-                </a:solidFill>
-              </a:rPr>
-              <a:t>&lt;</a:t>
-            </a:r>
-            <a:r>
-              <a:rPr lang="en-US" dirty="0">
-                <a:solidFill>
-                  <a:schemeClr val="tx1">
-                    <a:lumMod val="50000"/>
-                    <a:lumOff val="50000"/>
-                  </a:schemeClr>
-                </a:solidFill>
-              </a:rPr>
-              <a:t>property</a:t>
-            </a:r>
-            <a:r>
-              <a:rPr lang="en-US" dirty="0" smtClean="0">
-                <a:solidFill>
-                  <a:schemeClr val="tx1">
-                    <a:lumMod val="50000"/>
-                    <a:lumOff val="50000"/>
-                  </a:schemeClr>
-                </a:solidFill>
-              </a:rPr>
-              <a:t>&gt;</a:t>
-            </a:r>
-          </a:p>
-          <a:p>
-            <a:pPr lvl="1"/>
-            <a:r>
-              <a:rPr lang="en-US" dirty="0" smtClean="0">
-                <a:solidFill>
-                  <a:schemeClr val="tx1">
-                    <a:lumMod val="50000"/>
-                    <a:lumOff val="50000"/>
-                  </a:schemeClr>
-                </a:solidFill>
-              </a:rPr>
-              <a:t>&lt;</a:t>
-            </a:r>
-            <a:r>
-              <a:rPr lang="en-US" dirty="0">
-                <a:solidFill>
-                  <a:schemeClr val="tx1">
-                    <a:lumMod val="50000"/>
-                    <a:lumOff val="50000"/>
-                  </a:schemeClr>
-                </a:solidFill>
-              </a:rPr>
-              <a:t>name&gt;</a:t>
-            </a:r>
-            <a:r>
-              <a:rPr lang="en-US" dirty="0" err="1">
-                <a:solidFill>
-                  <a:schemeClr val="tx1">
-                    <a:lumMod val="50000"/>
-                    <a:lumOff val="50000"/>
-                  </a:schemeClr>
-                </a:solidFill>
-              </a:rPr>
-              <a:t>yarn.resourcemanager.webapp.address</a:t>
-            </a:r>
-            <a:r>
-              <a:rPr lang="en-US" dirty="0">
-                <a:solidFill>
-                  <a:schemeClr val="tx1">
-                    <a:lumMod val="50000"/>
-                    <a:lumOff val="50000"/>
-                  </a:schemeClr>
-                </a:solidFill>
-              </a:rPr>
-              <a:t>&lt;/name</a:t>
-            </a:r>
-            <a:r>
-              <a:rPr lang="en-US" dirty="0" smtClean="0">
-                <a:solidFill>
-                  <a:schemeClr val="tx1">
-                    <a:lumMod val="50000"/>
-                    <a:lumOff val="50000"/>
-                  </a:schemeClr>
-                </a:solidFill>
-              </a:rPr>
-              <a:t>&gt;</a:t>
-            </a:r>
-          </a:p>
-          <a:p>
-            <a:pPr lvl="1"/>
-            <a:r>
-              <a:rPr lang="en-US" dirty="0" smtClean="0">
-                <a:solidFill>
-                  <a:schemeClr val="tx1">
-                    <a:lumMod val="50000"/>
-                    <a:lumOff val="50000"/>
-                  </a:schemeClr>
-                </a:solidFill>
-              </a:rPr>
-              <a:t>&lt;</a:t>
-            </a:r>
-            <a:r>
-              <a:rPr lang="en-US" dirty="0">
-                <a:solidFill>
-                  <a:schemeClr val="tx1">
-                    <a:lumMod val="50000"/>
-                    <a:lumOff val="50000"/>
-                  </a:schemeClr>
-                </a:solidFill>
-              </a:rPr>
-              <a:t>value&gt;namenode1:8088&lt;/value</a:t>
-            </a:r>
-            <a:r>
-              <a:rPr lang="en-US" dirty="0" smtClean="0">
-                <a:solidFill>
-                  <a:schemeClr val="tx1">
-                    <a:lumMod val="50000"/>
-                    <a:lumOff val="50000"/>
-                  </a:schemeClr>
-                </a:solidFill>
-              </a:rPr>
-              <a:t>&gt;</a:t>
-            </a:r>
-          </a:p>
-          <a:p>
-            <a:pPr lvl="1"/>
-            <a:r>
-              <a:rPr lang="en-US" dirty="0" smtClean="0">
-                <a:solidFill>
-                  <a:schemeClr val="tx1">
-                    <a:lumMod val="50000"/>
-                    <a:lumOff val="50000"/>
-                  </a:schemeClr>
-                </a:solidFill>
-              </a:rPr>
-              <a:t>&lt;</a:t>
-            </a:r>
-            <a:r>
-              <a:rPr lang="en-US" dirty="0">
-                <a:solidFill>
-                  <a:schemeClr val="tx1">
-                    <a:lumMod val="50000"/>
-                    <a:lumOff val="50000"/>
-                  </a:schemeClr>
-                </a:solidFill>
-              </a:rPr>
-              <a:t>/property&gt;</a:t>
-            </a:r>
             <a:endParaRPr lang="en-US" dirty="0" smtClean="0">
               <a:solidFill>
                 <a:schemeClr val="tx1">
@@ -14256,12 +14587,419 @@
               </a:solidFill>
             </a:endParaRPr>
           </a:p>
+          <a:p>
+            <a:pPr marL="285750" indent="-285750">
+              <a:buFont typeface="Arial"/>
+              <a:buChar char="•"/>
+            </a:pPr>
+            <a:r>
+              <a:rPr lang="en-US" dirty="0">
+                <a:solidFill>
+                  <a:schemeClr val="tx1">
+                    <a:lumMod val="50000"/>
+                    <a:lumOff val="50000"/>
+                  </a:schemeClr>
+                </a:solidFill>
+              </a:rPr>
+              <a:t>Enable log aggregation so application logs are moved onto </a:t>
+            </a:r>
+            <a:r>
+              <a:rPr lang="en-US" dirty="0" err="1">
+                <a:solidFill>
+                  <a:schemeClr val="tx1">
+                    <a:lumMod val="50000"/>
+                    <a:lumOff val="50000"/>
+                  </a:schemeClr>
+                </a:solidFill>
+              </a:rPr>
+              <a:t>hdfs</a:t>
+            </a:r>
+            <a:r>
+              <a:rPr lang="en-US" dirty="0">
+                <a:solidFill>
+                  <a:schemeClr val="tx1">
+                    <a:lumMod val="50000"/>
+                    <a:lumOff val="50000"/>
+                  </a:schemeClr>
+                </a:solidFill>
+              </a:rPr>
+              <a:t> </a:t>
+            </a:r>
+          </a:p>
+          <a:p>
+            <a:pPr lvl="1"/>
+            <a:r>
+              <a:rPr lang="en-US" dirty="0" smtClean="0">
+                <a:solidFill>
+                  <a:schemeClr val="tx1">
+                    <a:lumMod val="50000"/>
+                    <a:lumOff val="50000"/>
+                  </a:schemeClr>
+                </a:solidFill>
+              </a:rPr>
+              <a:t>&lt;</a:t>
+            </a:r>
+            <a:r>
+              <a:rPr lang="en-US" dirty="0">
+                <a:solidFill>
+                  <a:schemeClr val="tx1">
+                    <a:lumMod val="50000"/>
+                    <a:lumOff val="50000"/>
+                  </a:schemeClr>
+                </a:solidFill>
+              </a:rPr>
+              <a:t>property</a:t>
+            </a:r>
+            <a:r>
+              <a:rPr lang="en-US" dirty="0" smtClean="0">
+                <a:solidFill>
+                  <a:schemeClr val="tx1">
+                    <a:lumMod val="50000"/>
+                    <a:lumOff val="50000"/>
+                  </a:schemeClr>
+                </a:solidFill>
+              </a:rPr>
+              <a:t>&gt;</a:t>
+            </a:r>
+          </a:p>
+          <a:p>
+            <a:pPr lvl="1"/>
+            <a:r>
+              <a:rPr lang="en-US" dirty="0" smtClean="0">
+                <a:solidFill>
+                  <a:schemeClr val="tx1">
+                    <a:lumMod val="50000"/>
+                    <a:lumOff val="50000"/>
+                  </a:schemeClr>
+                </a:solidFill>
+              </a:rPr>
+              <a:t>&lt;</a:t>
+            </a:r>
+            <a:r>
+              <a:rPr lang="en-US" dirty="0">
+                <a:solidFill>
+                  <a:schemeClr val="tx1">
+                    <a:lumMod val="50000"/>
+                    <a:lumOff val="50000"/>
+                  </a:schemeClr>
+                </a:solidFill>
+              </a:rPr>
+              <a:t>name&gt;</a:t>
+            </a:r>
+            <a:r>
+              <a:rPr lang="en-US" dirty="0" err="1">
+                <a:solidFill>
+                  <a:schemeClr val="tx1">
+                    <a:lumMod val="50000"/>
+                    <a:lumOff val="50000"/>
+                  </a:schemeClr>
+                </a:solidFill>
+              </a:rPr>
+              <a:t>yarn.log</a:t>
+            </a:r>
+            <a:r>
+              <a:rPr lang="en-US" dirty="0">
+                <a:solidFill>
+                  <a:schemeClr val="tx1">
+                    <a:lumMod val="50000"/>
+                    <a:lumOff val="50000"/>
+                  </a:schemeClr>
+                </a:solidFill>
+              </a:rPr>
+              <a:t>-aggregation-enable&lt;/name</a:t>
+            </a:r>
+            <a:r>
+              <a:rPr lang="en-US" dirty="0" smtClean="0">
+                <a:solidFill>
+                  <a:schemeClr val="tx1">
+                    <a:lumMod val="50000"/>
+                    <a:lumOff val="50000"/>
+                  </a:schemeClr>
+                </a:solidFill>
+              </a:rPr>
+              <a:t>&gt;</a:t>
+            </a:r>
+          </a:p>
+          <a:p>
+            <a:pPr lvl="1"/>
+            <a:r>
+              <a:rPr lang="en-US" dirty="0" smtClean="0">
+                <a:solidFill>
+                  <a:schemeClr val="tx1">
+                    <a:lumMod val="50000"/>
+                    <a:lumOff val="50000"/>
+                  </a:schemeClr>
+                </a:solidFill>
+              </a:rPr>
+              <a:t>&lt;</a:t>
+            </a:r>
+            <a:r>
+              <a:rPr lang="en-US" dirty="0">
+                <a:solidFill>
+                  <a:schemeClr val="tx1">
+                    <a:lumMod val="50000"/>
+                    <a:lumOff val="50000"/>
+                  </a:schemeClr>
+                </a:solidFill>
+              </a:rPr>
+              <a:t>value&gt;true&lt;/value</a:t>
+            </a:r>
+            <a:r>
+              <a:rPr lang="en-US" dirty="0" smtClean="0">
+                <a:solidFill>
+                  <a:schemeClr val="tx1">
+                    <a:lumMod val="50000"/>
+                    <a:lumOff val="50000"/>
+                  </a:schemeClr>
+                </a:solidFill>
+              </a:rPr>
+              <a:t>&gt;</a:t>
+            </a:r>
+          </a:p>
+          <a:p>
+            <a:pPr lvl="1"/>
+            <a:r>
+              <a:rPr lang="en-US" dirty="0" smtClean="0">
+                <a:solidFill>
+                  <a:schemeClr val="tx1">
+                    <a:lumMod val="50000"/>
+                    <a:lumOff val="50000"/>
+                  </a:schemeClr>
+                </a:solidFill>
+              </a:rPr>
+              <a:t>&lt;</a:t>
+            </a:r>
+            <a:r>
+              <a:rPr lang="en-US" dirty="0">
+                <a:solidFill>
+                  <a:schemeClr val="tx1">
+                    <a:lumMod val="50000"/>
+                    <a:lumOff val="50000"/>
+                  </a:schemeClr>
+                </a:solidFill>
+              </a:rPr>
+              <a:t>/property</a:t>
+            </a:r>
+            <a:r>
+              <a:rPr lang="en-US" dirty="0" smtClean="0">
+                <a:solidFill>
+                  <a:schemeClr val="tx1">
+                    <a:lumMod val="50000"/>
+                    <a:lumOff val="50000"/>
+                  </a:schemeClr>
+                </a:solidFill>
+              </a:rPr>
+              <a:t>&gt;</a:t>
+            </a:r>
+          </a:p>
+          <a:p>
+            <a:pPr lvl="1"/>
+            <a:endParaRPr lang="en-US" dirty="0" smtClean="0">
+              <a:solidFill>
+                <a:schemeClr val="tx1">
+                  <a:lumMod val="50000"/>
+                  <a:lumOff val="50000"/>
+                </a:schemeClr>
+              </a:solidFill>
+            </a:endParaRPr>
+          </a:p>
+          <a:p>
+            <a:pPr marL="285750" indent="-285750">
+              <a:buFont typeface="Arial"/>
+              <a:buChar char="•"/>
+            </a:pPr>
+            <a:r>
+              <a:rPr lang="en-US" dirty="0" err="1" smtClean="0">
+                <a:solidFill>
+                  <a:schemeClr val="tx1">
+                    <a:lumMod val="50000"/>
+                    <a:lumOff val="50000"/>
+                  </a:schemeClr>
+                </a:solidFill>
+              </a:rPr>
+              <a:t>url</a:t>
+            </a:r>
+            <a:r>
+              <a:rPr lang="en-US" dirty="0" smtClean="0">
+                <a:solidFill>
+                  <a:schemeClr val="tx1">
+                    <a:lumMod val="50000"/>
+                    <a:lumOff val="50000"/>
+                  </a:schemeClr>
+                </a:solidFill>
+              </a:rPr>
+              <a:t> for yarn</a:t>
+            </a:r>
+          </a:p>
+          <a:p>
+            <a:pPr lvl="1"/>
+            <a:r>
+              <a:rPr lang="en-US" dirty="0" smtClean="0">
+                <a:solidFill>
+                  <a:schemeClr val="tx1">
+                    <a:lumMod val="50000"/>
+                    <a:lumOff val="50000"/>
+                  </a:schemeClr>
+                </a:solidFill>
+              </a:rPr>
+              <a:t>&lt;</a:t>
+            </a:r>
+            <a:r>
+              <a:rPr lang="en-US" dirty="0">
+                <a:solidFill>
+                  <a:schemeClr val="tx1">
+                    <a:lumMod val="50000"/>
+                    <a:lumOff val="50000"/>
+                  </a:schemeClr>
+                </a:solidFill>
+              </a:rPr>
+              <a:t>property</a:t>
+            </a:r>
+            <a:r>
+              <a:rPr lang="en-US" dirty="0" smtClean="0">
+                <a:solidFill>
+                  <a:schemeClr val="tx1">
+                    <a:lumMod val="50000"/>
+                    <a:lumOff val="50000"/>
+                  </a:schemeClr>
+                </a:solidFill>
+              </a:rPr>
+              <a:t>&gt;</a:t>
+            </a:r>
+          </a:p>
+          <a:p>
+            <a:pPr lvl="1"/>
+            <a:r>
+              <a:rPr lang="en-US" dirty="0" smtClean="0">
+                <a:solidFill>
+                  <a:schemeClr val="tx1">
+                    <a:lumMod val="50000"/>
+                    <a:lumOff val="50000"/>
+                  </a:schemeClr>
+                </a:solidFill>
+              </a:rPr>
+              <a:t>&lt;</a:t>
+            </a:r>
+            <a:r>
+              <a:rPr lang="en-US" dirty="0">
+                <a:solidFill>
+                  <a:schemeClr val="tx1">
+                    <a:lumMod val="50000"/>
+                    <a:lumOff val="50000"/>
+                  </a:schemeClr>
+                </a:solidFill>
+              </a:rPr>
+              <a:t>name&gt;</a:t>
+            </a:r>
+            <a:r>
+              <a:rPr lang="en-US" dirty="0" err="1">
+                <a:solidFill>
+                  <a:schemeClr val="tx1">
+                    <a:lumMod val="50000"/>
+                    <a:lumOff val="50000"/>
+                  </a:schemeClr>
+                </a:solidFill>
+              </a:rPr>
+              <a:t>yarn.resourcemanager.scheduler.address</a:t>
+            </a:r>
+            <a:r>
+              <a:rPr lang="en-US" dirty="0">
+                <a:solidFill>
+                  <a:schemeClr val="tx1">
+                    <a:lumMod val="50000"/>
+                    <a:lumOff val="50000"/>
+                  </a:schemeClr>
+                </a:solidFill>
+              </a:rPr>
+              <a:t>&lt;/name</a:t>
+            </a:r>
+            <a:r>
+              <a:rPr lang="en-US" dirty="0" smtClean="0">
+                <a:solidFill>
+                  <a:schemeClr val="tx1">
+                    <a:lumMod val="50000"/>
+                    <a:lumOff val="50000"/>
+                  </a:schemeClr>
+                </a:solidFill>
+              </a:rPr>
+              <a:t>&gt;</a:t>
+            </a:r>
+          </a:p>
+          <a:p>
+            <a:pPr lvl="1"/>
+            <a:r>
+              <a:rPr lang="en-US" dirty="0" smtClean="0">
+                <a:solidFill>
+                  <a:schemeClr val="tx1">
+                    <a:lumMod val="50000"/>
+                    <a:lumOff val="50000"/>
+                  </a:schemeClr>
+                </a:solidFill>
+              </a:rPr>
+              <a:t>&lt;</a:t>
+            </a:r>
+            <a:r>
+              <a:rPr lang="en-US" dirty="0">
+                <a:solidFill>
+                  <a:schemeClr val="tx1">
+                    <a:lumMod val="50000"/>
+                    <a:lumOff val="50000"/>
+                  </a:schemeClr>
+                </a:solidFill>
+              </a:rPr>
+              <a:t>value&gt;namenode1:8030&lt;/value</a:t>
+            </a:r>
+            <a:r>
+              <a:rPr lang="en-US" dirty="0" smtClean="0">
+                <a:solidFill>
+                  <a:schemeClr val="tx1">
+                    <a:lumMod val="50000"/>
+                    <a:lumOff val="50000"/>
+                  </a:schemeClr>
+                </a:solidFill>
+              </a:rPr>
+              <a:t>&gt;</a:t>
+            </a:r>
+          </a:p>
+          <a:p>
+            <a:pPr lvl="1"/>
+            <a:r>
+              <a:rPr lang="en-US" dirty="0" smtClean="0">
+                <a:solidFill>
+                  <a:schemeClr val="tx1">
+                    <a:lumMod val="50000"/>
+                    <a:lumOff val="50000"/>
+                  </a:schemeClr>
+                </a:solidFill>
+              </a:rPr>
+              <a:t>&lt;</a:t>
+            </a:r>
+            <a:r>
+              <a:rPr lang="en-US" dirty="0">
+                <a:solidFill>
+                  <a:schemeClr val="tx1">
+                    <a:lumMod val="50000"/>
+                    <a:lumOff val="50000"/>
+                  </a:schemeClr>
+                </a:solidFill>
+              </a:rPr>
+              <a:t>/property&gt;</a:t>
+            </a:r>
+            <a:endParaRPr lang="en-US" dirty="0" smtClean="0">
+              <a:solidFill>
+                <a:schemeClr val="tx1">
+                  <a:lumMod val="50000"/>
+                  <a:lumOff val="50000"/>
+                </a:schemeClr>
+              </a:solidFill>
+            </a:endParaRPr>
+          </a:p>
         </p:txBody>
       </p:sp>
     </p:spTree>
     <p:extLst>
       <p:ext uri="{BB962C8B-B14F-4D97-AF65-F5344CB8AC3E}">
-        <p14:creationId xmlns:p14="http://schemas.microsoft.com/office/powerpoint/2010/main" val="2425175286"/>
+        <p14:creationId xmlns:p14="http://schemas.microsoft.com/office/powerpoint/2010/main" val="1072889488"/>
       </p:ext>
     </p:extLst>
   </p:cSld>
@@ -14301,11 +15039,6 @@
 <file path=ppt/slides/slide9.xml><?xml version="1.0" encoding="utf-8"?>
 <p:sld xmlns:a="http://schemas.openxmlformats.org/drawingml/2006/main" xmlns:r="http://schemas.openxmlformats.org/officeDocument/2006/relationships" xmlns:p="http://schemas.openxmlformats.org/presentationml/2006/main">
   <p:cSld>
-    <p:bg>
-      <p:bgRef idx="1001">
-        <a:schemeClr val="bg1"/>
-      </p:bgRef>
-    </p:bg>
     <p:spTree>
       <p:nvGrpSpPr>
         <p:cNvPr id="1" name=""/>
@@ -14329,7 +15062,7 @@
         <p:spPr>
           <a:xfrm>
             <a:off x="504000" y="301320"/>
-            <a:ext cx="9070560" cy="1261080"/>
+            <a:ext cx="9070560" cy="636080"/>
           </a:xfrm>
           <a:prstGeom prst="rect">
             <a:avLst/>
@@ -14349,10 +15082,22 @@
               </a:lnSpc>
             </a:pPr>
             <a:r>
+              <a:rPr lang="en-IN" sz="4400" dirty="0">
+                <a:latin typeface="Arial"/>
+              </a:rPr>
+              <a:t>Changing the </a:t>
+            </a:r>
+            <a:r>
               <a:rPr lang="en-IN" sz="4400" dirty="0" smtClean="0">
                 <a:latin typeface="Arial"/>
               </a:rPr>
-              <a:t>Updating the slaves file</a:t>
+              <a:t>yarn-site.xml cont</a:t>
+            </a:r>
+            <a:r>
+              <a:rPr lang="is-IS" sz="4400" dirty="0" smtClean="0">
+                <a:latin typeface="Arial"/>
+              </a:rPr>
+              <a:t>…</a:t>
             </a:r>
             <a:endParaRPr dirty="0"/>
           </a:p>
@@ -14366,8 +15111,8 @@
         </p:nvSpPr>
         <p:spPr>
           <a:xfrm>
-            <a:off x="504000" y="1769040"/>
-            <a:ext cx="9070560" cy="4383360"/>
+            <a:off x="504000" y="1149071"/>
+            <a:ext cx="9070560" cy="5866308"/>
           </a:xfrm>
           <a:prstGeom prst="rect">
             <a:avLst/>
@@ -14381,6 +15126,23 @@
           <a:bodyPr lIns="0" tIns="0" rIns="0" bIns="0"/>
           <a:lstStyle/>
           <a:p>
+            <a:pPr>
+              <a:lnSpc>
+                <a:spcPct val="100000"/>
+              </a:lnSpc>
+              <a:buSzPct val="45000"/>
+            </a:pPr>
+            <a:r>
+              <a:rPr lang="en-IN" dirty="0" smtClean="0">
+                <a:solidFill>
+                  <a:schemeClr val="tx1">
+                    <a:lumMod val="50000"/>
+                    <a:lumOff val="50000"/>
+                  </a:schemeClr>
+                </a:solidFill>
+              </a:rPr>
+              <a:t>sudo </a:t>
+            </a:r>
             <a:r>
               <a:rPr lang="en-IN" dirty="0">
                 <a:solidFill>
@@ -14390,7 +15152,7 @@
                   </a:schemeClr>
                 </a:solidFill>
               </a:rPr>
-              <a:t>sudo vi /usr/local/hadoop/etc/hadoop</a:t>
+              <a:t>vi /usr/local/hadoop/etc/hadoop</a:t>
             </a:r>
             <a:r>
               <a:rPr lang="en-IN" dirty="0" smtClean="0">
@@ -14401,11 +15163,31 @@
                   </a:schemeClr>
                 </a:solidFill>
               </a:rPr>
-              <a:t>/slaves</a:t>
-            </a:r>
-          </a:p>
-          <a:p>
-            <a:endParaRPr lang="en-IN" dirty="0">
+              <a:t>/</a:t>
+            </a:r>
+            <a:r>
+              <a:rPr lang="en-US" dirty="0" smtClean="0">
+                <a:solidFill>
+                  <a:schemeClr val="tx1">
+                    <a:lumMod val="50000"/>
+                    <a:lumOff val="50000"/>
+                  </a:schemeClr>
+                </a:solidFill>
+              </a:rPr>
+              <a:t>yarn-</a:t>
+            </a:r>
+            <a:r>
+              <a:rPr lang="en-US" dirty="0" err="1" smtClean="0">
+                <a:solidFill>
+                  <a:schemeClr val="tx1">
+                    <a:lumMod val="50000"/>
+                    <a:lumOff val="50000"/>
+                  </a:schemeClr>
+                </a:solidFill>
+              </a:rPr>
+              <a:t>site.xml</a:t>
+            </a:r>
+            <a:endParaRPr dirty="0">
               <a:solidFill>
                 <a:schemeClr val="tx1">
                   <a:lumMod val="50000"/>
@@ -14415,20 +15197,12 @@
             </a:endParaRPr>
           </a:p>
           <a:p>
-            <a:r>
-              <a:rPr lang="en-IN" dirty="0" smtClean="0">
-                <a:solidFill>
-                  <a:schemeClr val="tx1">
-                    <a:lumMod val="50000"/>
-                    <a:lumOff val="50000"/>
-                  </a:schemeClr>
-                </a:solidFill>
-              </a:rPr>
-              <a:t>Enter all the hostnames of the machines that would act as a datanode in side the cluser</a:t>
-            </a:r>
-          </a:p>
-          <a:p>
-            <a:endParaRPr lang="en-IN" dirty="0">
+            <a:pPr>
+              <a:lnSpc>
+                <a:spcPct val="100000"/>
+              </a:lnSpc>
+            </a:pPr>
+            <a:endParaRPr lang="en-US" dirty="0" smtClean="0">
               <a:solidFill>
                 <a:schemeClr val="tx1">
                   <a:lumMod val="50000"/>
@@ -14438,68 +15212,180 @@
             </a:endParaRPr>
           </a:p>
           <a:p>
-            <a:r>
-              <a:rPr lang="en-IN" dirty="0" smtClean="0">
-                <a:solidFill>
-                  <a:schemeClr val="tx1">
-                    <a:lumMod val="50000"/>
-                    <a:lumOff val="50000"/>
-                  </a:schemeClr>
-                </a:solidFill>
-              </a:rPr>
-              <a:t>For example in out case of 1 namenode and 2 datanodes we would make entries into this file as:</a:t>
-            </a:r>
-          </a:p>
-          <a:p>
-            <a:r>
-              <a:rPr lang="en-IN" dirty="0">
-                <a:solidFill>
-                  <a:schemeClr val="tx1">
-                    <a:lumMod val="50000"/>
-                    <a:lumOff val="50000"/>
-                  </a:schemeClr>
-                </a:solidFill>
-              </a:rPr>
-              <a:t>d</a:t>
-            </a:r>
-            <a:r>
-              <a:rPr lang="en-IN" dirty="0" smtClean="0">
-                <a:solidFill>
-                  <a:schemeClr val="tx1">
-                    <a:lumMod val="50000"/>
-                    <a:lumOff val="50000"/>
-                  </a:schemeClr>
-                </a:solidFill>
-              </a:rPr>
-              <a:t>atanode1</a:t>
-            </a:r>
-          </a:p>
-          <a:p>
-            <a:r>
-              <a:rPr lang="en-IN" dirty="0">
-                <a:solidFill>
-                  <a:schemeClr val="tx1">
-                    <a:lumMod val="50000"/>
-                    <a:lumOff val="50000"/>
-                  </a:schemeClr>
-                </a:solidFill>
-              </a:rPr>
-              <a:t>d</a:t>
-            </a:r>
-            <a:r>
-              <a:rPr lang="en-IN" dirty="0" smtClean="0">
-                <a:solidFill>
-                  <a:schemeClr val="tx1">
-                    <a:lumMod val="50000"/>
-                    <a:lumOff val="50000"/>
-                  </a:schemeClr>
-                </a:solidFill>
-              </a:rPr>
-              <a:t>atanode2</a:t>
-            </a:r>
-          </a:p>
-          <a:p>
-            <a:endParaRPr lang="en-IN" dirty="0">
+            <a:pPr marL="285750" indent="-285750">
+              <a:lnSpc>
+                <a:spcPct val="100000"/>
+              </a:lnSpc>
+              <a:buFont typeface="Arial"/>
+              <a:buChar char="•"/>
+            </a:pPr>
+            <a:r>
+              <a:rPr lang="en-US" dirty="0" smtClean="0">
+                <a:solidFill>
+                  <a:schemeClr val="tx1">
+                    <a:lumMod val="50000"/>
+                    <a:lumOff val="50000"/>
+                  </a:schemeClr>
+                </a:solidFill>
+              </a:rPr>
+              <a:t>Few port numbers with the services they hold</a:t>
+            </a:r>
+          </a:p>
+          <a:p>
+            <a:pPr lvl="1"/>
+            <a:r>
+              <a:rPr lang="en-US" dirty="0">
+                <a:solidFill>
+                  <a:schemeClr val="tx1">
+                    <a:lumMod val="50000"/>
+                    <a:lumOff val="50000"/>
+                  </a:schemeClr>
+                </a:solidFill>
+              </a:rPr>
+              <a:t>﻿&lt;property</a:t>
+            </a:r>
+            <a:r>
+              <a:rPr lang="en-US" dirty="0" smtClean="0">
+                <a:solidFill>
+                  <a:schemeClr val="tx1">
+                    <a:lumMod val="50000"/>
+                    <a:lumOff val="50000"/>
+                  </a:schemeClr>
+                </a:solidFill>
+              </a:rPr>
+              <a:t>&gt;</a:t>
+            </a:r>
+          </a:p>
+          <a:p>
+            <a:pPr lvl="1"/>
+            <a:r>
+              <a:rPr lang="en-US" dirty="0" smtClean="0">
+                <a:solidFill>
+                  <a:schemeClr val="tx1">
+                    <a:lumMod val="50000"/>
+                    <a:lumOff val="50000"/>
+                  </a:schemeClr>
+                </a:solidFill>
+              </a:rPr>
+              <a:t>&lt;</a:t>
+            </a:r>
+            <a:r>
+              <a:rPr lang="en-US" dirty="0">
+                <a:solidFill>
+                  <a:schemeClr val="tx1">
+                    <a:lumMod val="50000"/>
+                    <a:lumOff val="50000"/>
+                  </a:schemeClr>
+                </a:solidFill>
+              </a:rPr>
+              <a:t>name&gt;</a:t>
+            </a:r>
+            <a:r>
+              <a:rPr lang="en-US" dirty="0" err="1">
+                <a:solidFill>
+                  <a:schemeClr val="tx1">
+                    <a:lumMod val="50000"/>
+                    <a:lumOff val="50000"/>
+                  </a:schemeClr>
+                </a:solidFill>
+              </a:rPr>
+              <a:t>yarn.resourcemanager.resource-tracker.address</a:t>
+            </a:r>
+            <a:r>
+              <a:rPr lang="en-US" dirty="0">
+                <a:solidFill>
+                  <a:schemeClr val="tx1">
+                    <a:lumMod val="50000"/>
+                    <a:lumOff val="50000"/>
+                  </a:schemeClr>
+                </a:solidFill>
+              </a:rPr>
+              <a:t>&lt;/name</a:t>
+            </a:r>
+            <a:r>
+              <a:rPr lang="en-US" dirty="0" smtClean="0">
+                <a:solidFill>
+                  <a:schemeClr val="tx1">
+                    <a:lumMod val="50000"/>
+                    <a:lumOff val="50000"/>
+                  </a:schemeClr>
+                </a:solidFill>
+              </a:rPr>
+              <a:t>&gt;</a:t>
+            </a:r>
+          </a:p>
+          <a:p>
+            <a:pPr lvl="1"/>
+            <a:r>
+              <a:rPr lang="en-US" dirty="0" smtClean="0">
+                <a:solidFill>
+                  <a:schemeClr val="tx1">
+                    <a:lumMod val="50000"/>
+                    <a:lumOff val="50000"/>
+                  </a:schemeClr>
+                </a:solidFill>
+              </a:rPr>
+              <a:t>&lt;</a:t>
+            </a:r>
+            <a:r>
+              <a:rPr lang="en-US" dirty="0">
+                <a:solidFill>
+                  <a:schemeClr val="tx1">
+                    <a:lumMod val="50000"/>
+                    <a:lumOff val="50000"/>
+                  </a:schemeClr>
+                </a:solidFill>
+              </a:rPr>
+              <a:t>value&gt;namenode1:8025&lt;/value</a:t>
+            </a:r>
+            <a:r>
+              <a:rPr lang="en-US" dirty="0" smtClean="0">
+                <a:solidFill>
+                  <a:schemeClr val="tx1">
+                    <a:lumMod val="50000"/>
+                    <a:lumOff val="50000"/>
+                  </a:schemeClr>
+                </a:solidFill>
+              </a:rPr>
+              <a:t>&gt;</a:t>
+            </a:r>
+          </a:p>
+          <a:p>
+            <a:pPr lvl="1"/>
+            <a:r>
+              <a:rPr lang="en-US" dirty="0" smtClean="0">
+                <a:solidFill>
+                  <a:schemeClr val="tx1">
+                    <a:lumMod val="50000"/>
+                    <a:lumOff val="50000"/>
+                  </a:schemeClr>
+                </a:solidFill>
+              </a:rPr>
+              <a:t>&lt;</a:t>
+            </a:r>
+            <a:r>
+              <a:rPr lang="en-US" dirty="0">
+                <a:solidFill>
+                  <a:schemeClr val="tx1">
+                    <a:lumMod val="50000"/>
+                    <a:lumOff val="50000"/>
+                  </a:schemeClr>
+                </a:solidFill>
+              </a:rPr>
+              <a:t>/property</a:t>
+            </a:r>
+            <a:r>
+              <a:rPr lang="en-US" dirty="0" smtClean="0">
+                <a:solidFill>
+                  <a:schemeClr val="tx1">
+                    <a:lumMod val="50000"/>
+                    <a:lumOff val="50000"/>
+                  </a:schemeClr>
+                </a:solidFill>
+              </a:rPr>
+              <a:t>&gt;</a:t>
+            </a:r>
+            <a:endParaRPr lang="en-US" dirty="0">
               <a:solidFill>
                 <a:schemeClr val="tx1">
                   <a:lumMod val="50000"/>
@@ -14509,18 +15395,171 @@
             </a:endParaRPr>
           </a:p>
           <a:p>
-            <a:r>
-              <a:rPr lang="en-IN" dirty="0" smtClean="0">
-                <a:solidFill>
-                  <a:schemeClr val="tx1">
-                    <a:lumMod val="50000"/>
-                    <a:lumOff val="50000"/>
-                  </a:schemeClr>
-                </a:solidFill>
-              </a:rPr>
-              <a:t>Note - These names should match the entries of the /etc/hosts file</a:t>
-            </a:r>
-            <a:endParaRPr lang="en-IN" dirty="0">
+            <a:pPr lvl="1"/>
+            <a:r>
+              <a:rPr lang="en-US" dirty="0" smtClean="0">
+                <a:solidFill>
+                  <a:schemeClr val="tx1">
+                    <a:lumMod val="50000"/>
+                    <a:lumOff val="50000"/>
+                  </a:schemeClr>
+                </a:solidFill>
+              </a:rPr>
+              <a:t>&lt;</a:t>
+            </a:r>
+            <a:r>
+              <a:rPr lang="en-US" dirty="0">
+                <a:solidFill>
+                  <a:schemeClr val="tx1">
+                    <a:lumMod val="50000"/>
+                    <a:lumOff val="50000"/>
+                  </a:schemeClr>
+                </a:solidFill>
+              </a:rPr>
+              <a:t>property</a:t>
+            </a:r>
+            <a:r>
+              <a:rPr lang="en-US" dirty="0" smtClean="0">
+                <a:solidFill>
+                  <a:schemeClr val="tx1">
+                    <a:lumMod val="50000"/>
+                    <a:lumOff val="50000"/>
+                  </a:schemeClr>
+                </a:solidFill>
+              </a:rPr>
+              <a:t>&gt;</a:t>
+            </a:r>
+          </a:p>
+          <a:p>
+            <a:pPr lvl="1"/>
+            <a:r>
+              <a:rPr lang="en-US" dirty="0" smtClean="0">
+                <a:solidFill>
+                  <a:schemeClr val="tx1">
+                    <a:lumMod val="50000"/>
+                    <a:lumOff val="50000"/>
+                  </a:schemeClr>
+                </a:solidFill>
+              </a:rPr>
+              <a:t>&lt;</a:t>
+            </a:r>
+            <a:r>
+              <a:rPr lang="en-US" dirty="0">
+                <a:solidFill>
+                  <a:schemeClr val="tx1">
+                    <a:lumMod val="50000"/>
+                    <a:lumOff val="50000"/>
+                  </a:schemeClr>
+                </a:solidFill>
+              </a:rPr>
+              <a:t>name&gt;</a:t>
+            </a:r>
+            <a:r>
+              <a:rPr lang="en-US" dirty="0" err="1">
+                <a:solidFill>
+                  <a:schemeClr val="tx1">
+                    <a:lumMod val="50000"/>
+                    <a:lumOff val="50000"/>
+                  </a:schemeClr>
+                </a:solidFill>
+              </a:rPr>
+              <a:t>yarn.resourcemanager.address</a:t>
+            </a:r>
+            <a:r>
+              <a:rPr lang="en-US" dirty="0">
+                <a:solidFill>
+                  <a:schemeClr val="tx1">
+                    <a:lumMod val="50000"/>
+                    <a:lumOff val="50000"/>
+                  </a:schemeClr>
+                </a:solidFill>
+              </a:rPr>
+              <a:t>&lt;/name</a:t>
+            </a:r>
+            <a:r>
+              <a:rPr lang="en-US" dirty="0" smtClean="0">
+                <a:solidFill>
+                  <a:schemeClr val="tx1">
+                    <a:lumMod val="50000"/>
+                    <a:lumOff val="50000"/>
+                  </a:schemeClr>
+                </a:solidFill>
+              </a:rPr>
+              <a:t>&gt;</a:t>
+            </a:r>
+          </a:p>
+          <a:p>
+            <a:pPr lvl="1"/>
+            <a:r>
+              <a:rPr lang="en-US" dirty="0" smtClean="0">
+                <a:solidFill>
+                  <a:schemeClr val="tx1">
+                    <a:lumMod val="50000"/>
+                    <a:lumOff val="50000"/>
+                  </a:schemeClr>
+                </a:solidFill>
+              </a:rPr>
+              <a:t>&lt;</a:t>
+            </a:r>
+            <a:r>
+              <a:rPr lang="en-US" dirty="0">
+                <a:solidFill>
+                  <a:schemeClr val="tx1">
+                    <a:lumMod val="50000"/>
+                    <a:lumOff val="50000"/>
+                  </a:schemeClr>
+                </a:solidFill>
+              </a:rPr>
+              <a:t>value&gt;namenode1:8050&lt;/value</a:t>
+            </a:r>
+            <a:r>
+              <a:rPr lang="en-US" dirty="0" smtClean="0">
+                <a:solidFill>
+                  <a:schemeClr val="tx1">
+                    <a:lumMod val="50000"/>
+                    <a:lumOff val="50000"/>
+                  </a:schemeClr>
+                </a:solidFill>
+              </a:rPr>
+              <a:t>&gt;</a:t>
+            </a:r>
+          </a:p>
+          <a:p>
+            <a:pPr lvl="1"/>
+            <a:r>
+              <a:rPr lang="en-US" dirty="0" smtClean="0">
+                <a:solidFill>
+                  <a:schemeClr val="tx1">
+                    <a:lumMod val="50000"/>
+                    <a:lumOff val="50000"/>
+                  </a:schemeClr>
+                </a:solidFill>
+              </a:rPr>
+              <a:t>&lt;</a:t>
+            </a:r>
+            <a:r>
+              <a:rPr lang="en-US" dirty="0">
+                <a:solidFill>
+                  <a:schemeClr val="tx1">
+                    <a:lumMod val="50000"/>
+                    <a:lumOff val="50000"/>
+                  </a:schemeClr>
+                </a:solidFill>
+              </a:rPr>
+              <a:t>/property</a:t>
+            </a:r>
+            <a:r>
+              <a:rPr lang="en-US" dirty="0" smtClean="0">
+                <a:solidFill>
+                  <a:schemeClr val="tx1">
+                    <a:lumMod val="50000"/>
+                    <a:lumOff val="50000"/>
+                  </a:schemeClr>
+                </a:solidFill>
+              </a:rPr>
+              <a:t>&gt;</a:t>
+            </a:r>
+            <a:endParaRPr lang="en-US" dirty="0">
               <a:solidFill>
                 <a:schemeClr val="tx1">
                   <a:lumMod val="50000"/>
@@ -14530,24 +15569,345 @@
             </a:endParaRPr>
           </a:p>
           <a:p>
-            <a:pPr>
-              <a:lnSpc>
-                <a:spcPct val="100000"/>
-              </a:lnSpc>
-            </a:pPr>
-            <a:endParaRPr dirty="0"/>
+            <a:pPr lvl="1"/>
+            <a:r>
+              <a:rPr lang="en-US" dirty="0" smtClean="0">
+                <a:solidFill>
+                  <a:schemeClr val="tx1">
+                    <a:lumMod val="50000"/>
+                    <a:lumOff val="50000"/>
+                  </a:schemeClr>
+                </a:solidFill>
+              </a:rPr>
+              <a:t>&lt;</a:t>
+            </a:r>
+            <a:r>
+              <a:rPr lang="en-US" dirty="0">
+                <a:solidFill>
+                  <a:schemeClr val="tx1">
+                    <a:lumMod val="50000"/>
+                    <a:lumOff val="50000"/>
+                  </a:schemeClr>
+                </a:solidFill>
+              </a:rPr>
+              <a:t>property</a:t>
+            </a:r>
+            <a:r>
+              <a:rPr lang="en-US" dirty="0" smtClean="0">
+                <a:solidFill>
+                  <a:schemeClr val="tx1">
+                    <a:lumMod val="50000"/>
+                    <a:lumOff val="50000"/>
+                  </a:schemeClr>
+                </a:solidFill>
+              </a:rPr>
+              <a:t>&gt;</a:t>
+            </a:r>
+          </a:p>
+          <a:p>
+            <a:pPr lvl="1"/>
+            <a:r>
+              <a:rPr lang="en-US" dirty="0" smtClean="0">
+                <a:solidFill>
+                  <a:schemeClr val="tx1">
+                    <a:lumMod val="50000"/>
+                    <a:lumOff val="50000"/>
+                  </a:schemeClr>
+                </a:solidFill>
+              </a:rPr>
+              <a:t>&lt;</a:t>
+            </a:r>
+            <a:r>
+              <a:rPr lang="en-US" dirty="0">
+                <a:solidFill>
+                  <a:schemeClr val="tx1">
+                    <a:lumMod val="50000"/>
+                    <a:lumOff val="50000"/>
+                  </a:schemeClr>
+                </a:solidFill>
+              </a:rPr>
+              <a:t>name&gt;</a:t>
+            </a:r>
+            <a:r>
+              <a:rPr lang="en-US" dirty="0" err="1">
+                <a:solidFill>
+                  <a:schemeClr val="tx1">
+                    <a:lumMod val="50000"/>
+                    <a:lumOff val="50000"/>
+                  </a:schemeClr>
+                </a:solidFill>
+              </a:rPr>
+              <a:t>yarn.resourcemanager.admin.address</a:t>
+            </a:r>
+            <a:r>
+              <a:rPr lang="en-US" dirty="0">
+                <a:solidFill>
+                  <a:schemeClr val="tx1">
+                    <a:lumMod val="50000"/>
+                    <a:lumOff val="50000"/>
+                  </a:schemeClr>
+                </a:solidFill>
+              </a:rPr>
+              <a:t>&lt;/name</a:t>
+            </a:r>
+            <a:r>
+              <a:rPr lang="en-US" dirty="0" smtClean="0">
+                <a:solidFill>
+                  <a:schemeClr val="tx1">
+                    <a:lumMod val="50000"/>
+                    <a:lumOff val="50000"/>
+                  </a:schemeClr>
+                </a:solidFill>
+              </a:rPr>
+              <a:t>&gt;</a:t>
+            </a:r>
+          </a:p>
+          <a:p>
+            <a:pPr lvl="1"/>
+            <a:r>
+              <a:rPr lang="en-US" dirty="0" smtClean="0">
+                <a:solidFill>
+                  <a:schemeClr val="tx1">
+                    <a:lumMod val="50000"/>
+                    <a:lumOff val="50000"/>
+                  </a:schemeClr>
+                </a:solidFill>
+              </a:rPr>
+              <a:t>&lt;</a:t>
+            </a:r>
+            <a:r>
+              <a:rPr lang="en-US" dirty="0">
+                <a:solidFill>
+                  <a:schemeClr val="tx1">
+                    <a:lumMod val="50000"/>
+                    <a:lumOff val="50000"/>
+                  </a:schemeClr>
+                </a:solidFill>
+              </a:rPr>
+              <a:t>value&gt;namenode1:8033&lt;/value</a:t>
+            </a:r>
+            <a:r>
+              <a:rPr lang="en-US" dirty="0" smtClean="0">
+                <a:solidFill>
+                  <a:schemeClr val="tx1">
+                    <a:lumMod val="50000"/>
+                    <a:lumOff val="50000"/>
+                  </a:schemeClr>
+                </a:solidFill>
+              </a:rPr>
+              <a:t>&gt;</a:t>
+            </a:r>
+          </a:p>
+          <a:p>
+            <a:pPr lvl="1"/>
+            <a:r>
+              <a:rPr lang="en-US" dirty="0" smtClean="0">
+                <a:solidFill>
+                  <a:schemeClr val="tx1">
+                    <a:lumMod val="50000"/>
+                    <a:lumOff val="50000"/>
+                  </a:schemeClr>
+                </a:solidFill>
+              </a:rPr>
+              <a:t>&lt;</a:t>
+            </a:r>
+            <a:r>
+              <a:rPr lang="en-US" dirty="0">
+                <a:solidFill>
+                  <a:schemeClr val="tx1">
+                    <a:lumMod val="50000"/>
+                    <a:lumOff val="50000"/>
+                  </a:schemeClr>
+                </a:solidFill>
+              </a:rPr>
+              <a:t>/property</a:t>
+            </a:r>
+            <a:r>
+              <a:rPr lang="en-US" dirty="0" smtClean="0">
+                <a:solidFill>
+                  <a:schemeClr val="tx1">
+                    <a:lumMod val="50000"/>
+                    <a:lumOff val="50000"/>
+                  </a:schemeClr>
+                </a:solidFill>
+              </a:rPr>
+              <a:t>&gt;</a:t>
+            </a:r>
+          </a:p>
+          <a:p>
+            <a:pPr lvl="1"/>
+            <a:r>
+              <a:rPr lang="en-US" dirty="0" smtClean="0">
+                <a:solidFill>
+                  <a:schemeClr val="tx1">
+                    <a:lumMod val="50000"/>
+                    <a:lumOff val="50000"/>
+                  </a:schemeClr>
+                </a:solidFill>
+              </a:rPr>
+              <a:t>&lt;</a:t>
+            </a:r>
+            <a:r>
+              <a:rPr lang="en-US" dirty="0">
+                <a:solidFill>
+                  <a:schemeClr val="tx1">
+                    <a:lumMod val="50000"/>
+                    <a:lumOff val="50000"/>
+                  </a:schemeClr>
+                </a:solidFill>
+              </a:rPr>
+              <a:t>property</a:t>
+            </a:r>
+            <a:r>
+              <a:rPr lang="en-US" dirty="0" smtClean="0">
+                <a:solidFill>
+                  <a:schemeClr val="tx1">
+                    <a:lumMod val="50000"/>
+                    <a:lumOff val="50000"/>
+                  </a:schemeClr>
+                </a:solidFill>
+              </a:rPr>
+              <a:t>&gt;</a:t>
+            </a:r>
+          </a:p>
+          <a:p>
+            <a:pPr lvl="1"/>
+            <a:r>
+              <a:rPr lang="en-US" dirty="0" smtClean="0">
+                <a:solidFill>
+                  <a:schemeClr val="tx1">
+                    <a:lumMod val="50000"/>
+                    <a:lumOff val="50000"/>
+                  </a:schemeClr>
+                </a:solidFill>
+              </a:rPr>
+              <a:t>&lt;</a:t>
+            </a:r>
+            <a:r>
+              <a:rPr lang="en-US" dirty="0">
+                <a:solidFill>
+                  <a:schemeClr val="tx1">
+                    <a:lumMod val="50000"/>
+                    <a:lumOff val="50000"/>
+                  </a:schemeClr>
+                </a:solidFill>
+              </a:rPr>
+              <a:t>name&gt;</a:t>
+            </a:r>
+            <a:r>
+              <a:rPr lang="en-US" dirty="0" err="1">
+                <a:solidFill>
+                  <a:schemeClr val="tx1">
+                    <a:lumMod val="50000"/>
+                    <a:lumOff val="50000"/>
+                  </a:schemeClr>
+                </a:solidFill>
+              </a:rPr>
+              <a:t>yarn.resourcemanager.webapp.address</a:t>
+            </a:r>
+            <a:r>
+              <a:rPr lang="en-US" dirty="0">
+                <a:solidFill>
+                  <a:schemeClr val="tx1">
+                    <a:lumMod val="50000"/>
+                    <a:lumOff val="50000"/>
+                  </a:schemeClr>
+                </a:solidFill>
+              </a:rPr>
+              <a:t>&lt;/name</a:t>
+            </a:r>
+            <a:r>
+              <a:rPr lang="en-US" dirty="0" smtClean="0">
+                <a:solidFill>
+                  <a:schemeClr val="tx1">
+                    <a:lumMod val="50000"/>
+                    <a:lumOff val="50000"/>
+                  </a:schemeClr>
+                </a:solidFill>
+              </a:rPr>
+              <a:t>&gt;</a:t>
+            </a:r>
+          </a:p>
+          <a:p>
+            <a:pPr lvl="1"/>
+            <a:r>
+              <a:rPr lang="en-US" dirty="0" smtClean="0">
+                <a:solidFill>
+                  <a:schemeClr val="tx1">
+                    <a:lumMod val="50000"/>
+                    <a:lumOff val="50000"/>
+                  </a:schemeClr>
+                </a:solidFill>
+              </a:rPr>
+              <a:t>&lt;</a:t>
+            </a:r>
+            <a:r>
+              <a:rPr lang="en-US" dirty="0">
+                <a:solidFill>
+                  <a:schemeClr val="tx1">
+                    <a:lumMod val="50000"/>
+                    <a:lumOff val="50000"/>
+                  </a:schemeClr>
+                </a:solidFill>
+              </a:rPr>
+              <a:t>value&gt;namenode1:8088&lt;/value</a:t>
+            </a:r>
+            <a:r>
+              <a:rPr lang="en-US" dirty="0" smtClean="0">
+                <a:solidFill>
+                  <a:schemeClr val="tx1">
+                    <a:lumMod val="50000"/>
+                    <a:lumOff val="50000"/>
+                  </a:schemeClr>
+                </a:solidFill>
+              </a:rPr>
+              <a:t>&gt;</a:t>
+            </a:r>
+          </a:p>
+          <a:p>
+            <a:pPr lvl="1"/>
+            <a:r>
+              <a:rPr lang="en-US" dirty="0" smtClean="0">
+                <a:solidFill>
+                  <a:schemeClr val="tx1">
+                    <a:lumMod val="50000"/>
+                    <a:lumOff val="50000"/>
+                  </a:schemeClr>
+                </a:solidFill>
+              </a:rPr>
+              <a:t>&lt;</a:t>
+            </a:r>
+            <a:r>
+              <a:rPr lang="en-US" dirty="0">
+                <a:solidFill>
+                  <a:schemeClr val="tx1">
+                    <a:lumMod val="50000"/>
+                    <a:lumOff val="50000"/>
+                  </a:schemeClr>
+                </a:solidFill>
+              </a:rPr>
+              <a:t>/property&gt;</a:t>
+            </a:r>
+            <a:endParaRPr lang="en-US" dirty="0" smtClean="0">
+              <a:solidFill>
+                <a:schemeClr val="tx1">
+                  <a:lumMod val="50000"/>
+                  <a:lumOff val="50000"/>
+                </a:schemeClr>
+              </a:solidFill>
+            </a:endParaRPr>
           </a:p>
         </p:txBody>
       </p:sp>
     </p:spTree>
     <p:extLst>
       <p:ext uri="{BB962C8B-B14F-4D97-AF65-F5344CB8AC3E}">
-        <p14:creationId xmlns:p14="http://schemas.microsoft.com/office/powerpoint/2010/main" val="2116834139"/>
+        <p14:creationId xmlns:p14="http://schemas.microsoft.com/office/powerpoint/2010/main" val="2425175286"/>
       </p:ext>
     </p:extLst>
   </p:cSld>
   <p:clrMapOvr>
-    <a:overrideClrMapping bg1="lt1" tx1="dk1" bg2="lt2" tx2="dk2" accent1="accent1" accent2="accent2" accent3="accent3" accent4="accent4" accent5="accent5" accent6="accent6" hlink="hlink" folHlink="folHlink"/>
+    <a:masterClrMapping/>
   </p:clrMapOvr>
   <p:timing>
     <p:tnLst>
